--- a/research-showcase-poster.pptx
+++ b/research-showcase-poster.pptx
@@ -107,6 +107,244 @@
 </p:presentation>
 </file>
 
+<file path=ppt/charts/chart1.xml><?xml version="1.0" encoding="utf-8"?>
+<c:chartSpace xmlns:c="http://schemas.openxmlformats.org/drawingml/2006/chart" xmlns:a="http://schemas.openxmlformats.org/drawingml/2006/main" xmlns:r="http://schemas.openxmlformats.org/officeDocument/2006/relationships">
+  <c:date1904 val="0"/>
+  <c:lang val="en-US"/>
+  <c:roundedCorners val="0"/>
+  <mc:AlternateContent xmlns:mc="http://schemas.openxmlformats.org/markup-compatibility/2006">
+    <mc:Choice xmlns:c14="http://schemas.microsoft.com/office/drawing/2007/8/2/chart" Requires="c14">
+      <c14:style val="109"/>
+    </mc:Choice>
+    <mc:Fallback>
+      <c:style val="9"/>
+    </mc:Fallback>
+  </mc:AlternateContent>
+  <c:chart>
+    <c:title>
+      <c:tx>
+        <c:rich>
+          <a:bodyPr/>
+          <a:lstStyle/>
+          <a:p>
+            <a:pPr>
+              <a:defRPr/>
+            </a:pPr>
+            <a:r>
+              <a:rPr lang="en-US" dirty="0" smtClean="0"/>
+              <a:t>Total Matches</a:t>
+            </a:r>
+          </a:p>
+        </c:rich>
+      </c:tx>
+      <c:layout/>
+      <c:overlay val="0"/>
+    </c:title>
+    <c:autoTitleDeleted val="0"/>
+    <c:plotArea>
+      <c:layout/>
+      <c:barChart>
+        <c:barDir val="col"/>
+        <c:grouping val="clustered"/>
+        <c:varyColors val="0"/>
+        <c:ser>
+          <c:idx val="0"/>
+          <c:order val="0"/>
+          <c:tx>
+            <c:strRef>
+              <c:f>Sheet1!$B$1</c:f>
+              <c:strCache>
+                <c:ptCount val="1"/>
+                <c:pt idx="0">
+                  <c:v>total.matches</c:v>
+                </c:pt>
+              </c:strCache>
+            </c:strRef>
+          </c:tx>
+          <c:spPr>
+            <a:solidFill>
+              <a:schemeClr val="dk1"/>
+            </a:solidFill>
+            <a:ln w="25400" cap="flat" cmpd="sng" algn="ctr">
+              <a:solidFill>
+                <a:schemeClr val="dk1">
+                  <a:shade val="50000"/>
+                </a:schemeClr>
+              </a:solidFill>
+              <a:prstDash val="solid"/>
+            </a:ln>
+            <a:effectLst/>
+          </c:spPr>
+          <c:invertIfNegative val="0"/>
+          <c:cat>
+            <c:strRef>
+              <c:f>Sheet1!$A$2:$A$13</c:f>
+              <c:strCache>
+                <c:ptCount val="12"/>
+                <c:pt idx="0">
+                  <c:v>Goonies</c:v>
+                </c:pt>
+                <c:pt idx="1">
+                  <c:v>Close Encounters</c:v>
+                </c:pt>
+                <c:pt idx="2">
+                  <c:v>Stand By Me</c:v>
+                </c:pt>
+                <c:pt idx="3">
+                  <c:v>Cloverfield*</c:v>
+                </c:pt>
+                <c:pt idx="4">
+                  <c:v>Jaws</c:v>
+                </c:pt>
+                <c:pt idx="5">
+                  <c:v>Aliens</c:v>
+                </c:pt>
+                <c:pt idx="6">
+                  <c:v>Jurassic Park</c:v>
+                </c:pt>
+                <c:pt idx="7">
+                  <c:v>Gremlins</c:v>
+                </c:pt>
+                <c:pt idx="8">
+                  <c:v>The Sandlot</c:v>
+                </c:pt>
+                <c:pt idx="9">
+                  <c:v>Dreamcatcher</c:v>
+                </c:pt>
+                <c:pt idx="10">
+                  <c:v>Wonder Years</c:v>
+                </c:pt>
+                <c:pt idx="11">
+                  <c:v>Flight of the Navigator</c:v>
+                </c:pt>
+              </c:strCache>
+            </c:strRef>
+          </c:cat>
+          <c:val>
+            <c:numRef>
+              <c:f>Sheet1!$B$2:$B$13</c:f>
+              <c:numCache>
+                <c:formatCode>General</c:formatCode>
+                <c:ptCount val="12"/>
+                <c:pt idx="0">
+                  <c:v>110.0</c:v>
+                </c:pt>
+                <c:pt idx="1">
+                  <c:v>71.0</c:v>
+                </c:pt>
+                <c:pt idx="2">
+                  <c:v>49.0</c:v>
+                </c:pt>
+                <c:pt idx="3">
+                  <c:v>49.0</c:v>
+                </c:pt>
+                <c:pt idx="4">
+                  <c:v>19.0</c:v>
+                </c:pt>
+                <c:pt idx="5">
+                  <c:v>17.0</c:v>
+                </c:pt>
+                <c:pt idx="6">
+                  <c:v>13.0</c:v>
+                </c:pt>
+                <c:pt idx="7">
+                  <c:v>7.0</c:v>
+                </c:pt>
+                <c:pt idx="8">
+                  <c:v>6.0</c:v>
+                </c:pt>
+                <c:pt idx="9">
+                  <c:v>2.0</c:v>
+                </c:pt>
+                <c:pt idx="10">
+                  <c:v>1.0</c:v>
+                </c:pt>
+                <c:pt idx="11">
+                  <c:v>1.0</c:v>
+                </c:pt>
+              </c:numCache>
+            </c:numRef>
+          </c:val>
+        </c:ser>
+        <c:dLbls>
+          <c:showLegendKey val="0"/>
+          <c:showVal val="0"/>
+          <c:showCatName val="0"/>
+          <c:showSerName val="0"/>
+          <c:showPercent val="0"/>
+          <c:showBubbleSize val="0"/>
+        </c:dLbls>
+        <c:gapWidth val="50"/>
+        <c:axId val="-2128048424"/>
+        <c:axId val="-2127937144"/>
+      </c:barChart>
+      <c:catAx>
+        <c:axId val="-2128048424"/>
+        <c:scaling>
+          <c:orientation val="minMax"/>
+        </c:scaling>
+        <c:delete val="0"/>
+        <c:axPos val="b"/>
+        <c:majorTickMark val="out"/>
+        <c:minorTickMark val="none"/>
+        <c:tickLblPos val="nextTo"/>
+        <c:txPr>
+          <a:bodyPr/>
+          <a:lstStyle/>
+          <a:p>
+            <a:pPr>
+              <a:defRPr>
+                <a:latin typeface="Voltaire"/>
+                <a:cs typeface="Voltaire"/>
+              </a:defRPr>
+            </a:pPr>
+            <a:endParaRPr lang="en-US"/>
+          </a:p>
+        </c:txPr>
+        <c:crossAx val="-2127937144"/>
+        <c:crosses val="autoZero"/>
+        <c:auto val="1"/>
+        <c:lblAlgn val="ctr"/>
+        <c:lblOffset val="100"/>
+        <c:noMultiLvlLbl val="0"/>
+      </c:catAx>
+      <c:valAx>
+        <c:axId val="-2127937144"/>
+        <c:scaling>
+          <c:orientation val="minMax"/>
+        </c:scaling>
+        <c:delete val="0"/>
+        <c:axPos val="l"/>
+        <c:majorGridlines/>
+        <c:numFmt formatCode="General" sourceLinked="1"/>
+        <c:majorTickMark val="out"/>
+        <c:minorTickMark val="none"/>
+        <c:tickLblPos val="nextTo"/>
+        <c:crossAx val="-2128048424"/>
+        <c:crosses val="autoZero"/>
+        <c:crossBetween val="between"/>
+      </c:valAx>
+    </c:plotArea>
+    <c:plotVisOnly val="1"/>
+    <c:dispBlanksAs val="gap"/>
+    <c:showDLblsOverMax val="0"/>
+  </c:chart>
+  <c:txPr>
+    <a:bodyPr/>
+    <a:lstStyle/>
+    <a:p>
+      <a:pPr>
+        <a:defRPr sz="1800"/>
+      </a:pPr>
+      <a:endParaRPr lang="en-US"/>
+    </a:p>
+  </c:txPr>
+  <c:externalData r:id="rId1">
+    <c:autoUpdate val="0"/>
+  </c:externalData>
+</c:chartSpace>
+</file>
+
 <file path=ppt/slideLayouts/slideLayout1.xml><?xml version="1.0" encoding="utf-8"?>
 <p:sldLayout xmlns:a="http://schemas.openxmlformats.org/drawingml/2006/main" xmlns:r="http://schemas.openxmlformats.org/officeDocument/2006/relationships" xmlns:p="http://schemas.openxmlformats.org/presentationml/2006/main" type="title" preserve="1">
   <p:cSld name="Title Slide">
@@ -288,7 +526,7 @@
           <a:p>
             <a:fld id="{350ABB46-8AAE-364D-9BDA-D4A5C986FE8A}" type="datetimeFigureOut">
               <a:rPr lang="en-US" smtClean="0"/>
-              <a:t>3/6/14</a:t>
+              <a:t>3/10/14</a:t>
             </a:fld>
             <a:endParaRPr lang="en-US"/>
           </a:p>
@@ -458,7 +696,7 @@
           <a:p>
             <a:fld id="{350ABB46-8AAE-364D-9BDA-D4A5C986FE8A}" type="datetimeFigureOut">
               <a:rPr lang="en-US" smtClean="0"/>
-              <a:t>3/6/14</a:t>
+              <a:t>3/10/14</a:t>
             </a:fld>
             <a:endParaRPr lang="en-US"/>
           </a:p>
@@ -638,7 +876,7 @@
           <a:p>
             <a:fld id="{350ABB46-8AAE-364D-9BDA-D4A5C986FE8A}" type="datetimeFigureOut">
               <a:rPr lang="en-US" smtClean="0"/>
-              <a:t>3/6/14</a:t>
+              <a:t>3/10/14</a:t>
             </a:fld>
             <a:endParaRPr lang="en-US"/>
           </a:p>
@@ -808,7 +1046,7 @@
           <a:p>
             <a:fld id="{350ABB46-8AAE-364D-9BDA-D4A5C986FE8A}" type="datetimeFigureOut">
               <a:rPr lang="en-US" smtClean="0"/>
-              <a:t>3/6/14</a:t>
+              <a:t>3/10/14</a:t>
             </a:fld>
             <a:endParaRPr lang="en-US"/>
           </a:p>
@@ -1054,7 +1292,7 @@
           <a:p>
             <a:fld id="{350ABB46-8AAE-364D-9BDA-D4A5C986FE8A}" type="datetimeFigureOut">
               <a:rPr lang="en-US" smtClean="0"/>
-              <a:t>3/6/14</a:t>
+              <a:t>3/10/14</a:t>
             </a:fld>
             <a:endParaRPr lang="en-US"/>
           </a:p>
@@ -1342,7 +1580,7 @@
           <a:p>
             <a:fld id="{350ABB46-8AAE-364D-9BDA-D4A5C986FE8A}" type="datetimeFigureOut">
               <a:rPr lang="en-US" smtClean="0"/>
-              <a:t>3/6/14</a:t>
+              <a:t>3/10/14</a:t>
             </a:fld>
             <a:endParaRPr lang="en-US"/>
           </a:p>
@@ -1769,7 +2007,7 @@
           <a:p>
             <a:fld id="{350ABB46-8AAE-364D-9BDA-D4A5C986FE8A}" type="datetimeFigureOut">
               <a:rPr lang="en-US" smtClean="0"/>
-              <a:t>3/6/14</a:t>
+              <a:t>3/10/14</a:t>
             </a:fld>
             <a:endParaRPr lang="en-US"/>
           </a:p>
@@ -1887,7 +2125,7 @@
           <a:p>
             <a:fld id="{350ABB46-8AAE-364D-9BDA-D4A5C986FE8A}" type="datetimeFigureOut">
               <a:rPr lang="en-US" smtClean="0"/>
-              <a:t>3/6/14</a:t>
+              <a:t>3/10/14</a:t>
             </a:fld>
             <a:endParaRPr lang="en-US"/>
           </a:p>
@@ -1982,7 +2220,7 @@
           <a:p>
             <a:fld id="{350ABB46-8AAE-364D-9BDA-D4A5C986FE8A}" type="datetimeFigureOut">
               <a:rPr lang="en-US" smtClean="0"/>
-              <a:t>3/6/14</a:t>
+              <a:t>3/10/14</a:t>
             </a:fld>
             <a:endParaRPr lang="en-US"/>
           </a:p>
@@ -2259,7 +2497,7 @@
           <a:p>
             <a:fld id="{350ABB46-8AAE-364D-9BDA-D4A5C986FE8A}" type="datetimeFigureOut">
               <a:rPr lang="en-US" smtClean="0"/>
-              <a:t>3/6/14</a:t>
+              <a:t>3/10/14</a:t>
             </a:fld>
             <a:endParaRPr lang="en-US"/>
           </a:p>
@@ -2512,7 +2750,7 @@
           <a:p>
             <a:fld id="{350ABB46-8AAE-364D-9BDA-D4A5C986FE8A}" type="datetimeFigureOut">
               <a:rPr lang="en-US" smtClean="0"/>
-              <a:t>3/6/14</a:t>
+              <a:t>3/10/14</a:t>
             </a:fld>
             <a:endParaRPr lang="en-US"/>
           </a:p>
@@ -2725,7 +2963,7 @@
           <a:p>
             <a:fld id="{350ABB46-8AAE-364D-9BDA-D4A5C986FE8A}" type="datetimeFigureOut">
               <a:rPr lang="en-US" smtClean="0"/>
-              <a:t>3/6/14</a:t>
+              <a:t>3/10/14</a:t>
             </a:fld>
             <a:endParaRPr lang="en-US"/>
           </a:p>
@@ -3100,6 +3338,308 @@
           <a:chExt cx="0" cy="0"/>
         </a:xfrm>
       </p:grpSpPr>
+      <p:sp>
+        <p:nvSpPr>
+          <p:cNvPr id="137" name="Oval 136"/>
+          <p:cNvSpPr/>
+          <p:nvPr/>
+        </p:nvSpPr>
+        <p:spPr>
+          <a:xfrm>
+            <a:off x="31374795" y="1445694"/>
+            <a:ext cx="7214620" cy="7214620"/>
+          </a:xfrm>
+          <a:prstGeom prst="ellipse">
+            <a:avLst/>
+          </a:prstGeom>
+          <a:solidFill>
+            <a:schemeClr val="accent5">
+              <a:lumMod val="75000"/>
+              <a:alpha val="14000"/>
+            </a:schemeClr>
+          </a:solidFill>
+          <a:ln>
+            <a:noFill/>
+          </a:ln>
+          <a:effectLst/>
+        </p:spPr>
+        <p:style>
+          <a:lnRef idx="1">
+            <a:schemeClr val="accent1"/>
+          </a:lnRef>
+          <a:fillRef idx="3">
+            <a:schemeClr val="accent1"/>
+          </a:fillRef>
+          <a:effectRef idx="2">
+            <a:schemeClr val="accent1"/>
+          </a:effectRef>
+          <a:fontRef idx="minor">
+            <a:schemeClr val="lt1"/>
+          </a:fontRef>
+        </p:style>
+        <p:txBody>
+          <a:bodyPr rtlCol="0" anchor="ctr"/>
+          <a:lstStyle/>
+          <a:p>
+            <a:pPr algn="ctr"/>
+            <a:endParaRPr lang="en-US"/>
+          </a:p>
+        </p:txBody>
+      </p:sp>
+      <p:sp>
+        <p:nvSpPr>
+          <p:cNvPr id="138" name="Oval 137"/>
+          <p:cNvSpPr/>
+          <p:nvPr/>
+        </p:nvSpPr>
+        <p:spPr>
+          <a:xfrm>
+            <a:off x="25922230" y="1685987"/>
+            <a:ext cx="5907661" cy="5907661"/>
+          </a:xfrm>
+          <a:prstGeom prst="ellipse">
+            <a:avLst/>
+          </a:prstGeom>
+          <a:solidFill>
+            <a:schemeClr val="accent5">
+              <a:lumMod val="75000"/>
+              <a:alpha val="14000"/>
+            </a:schemeClr>
+          </a:solidFill>
+          <a:ln>
+            <a:noFill/>
+          </a:ln>
+          <a:effectLst/>
+        </p:spPr>
+        <p:style>
+          <a:lnRef idx="1">
+            <a:schemeClr val="accent1"/>
+          </a:lnRef>
+          <a:fillRef idx="3">
+            <a:schemeClr val="accent1"/>
+          </a:fillRef>
+          <a:effectRef idx="2">
+            <a:schemeClr val="accent1"/>
+          </a:effectRef>
+          <a:fontRef idx="minor">
+            <a:schemeClr val="lt1"/>
+          </a:fontRef>
+        </p:style>
+        <p:txBody>
+          <a:bodyPr rtlCol="0" anchor="ctr"/>
+          <a:lstStyle/>
+          <a:p>
+            <a:pPr algn="ctr"/>
+            <a:endParaRPr lang="en-US" dirty="0"/>
+          </a:p>
+        </p:txBody>
+      </p:sp>
+      <p:grpSp>
+        <p:nvGrpSpPr>
+          <p:cNvPr id="23" name="Group 22"/>
+          <p:cNvGrpSpPr/>
+          <p:nvPr/>
+        </p:nvGrpSpPr>
+        <p:grpSpPr>
+          <a:xfrm>
+            <a:off x="440284" y="0"/>
+            <a:ext cx="15272516" cy="33598719"/>
+            <a:chOff x="-870840" y="0"/>
+            <a:chExt cx="15973970" cy="33598719"/>
+          </a:xfrm>
+          <a:effectLst/>
+        </p:grpSpPr>
+        <p:sp>
+          <p:nvSpPr>
+            <p:cNvPr id="22" name="Freeform 21"/>
+            <p:cNvSpPr/>
+            <p:nvPr/>
+          </p:nvSpPr>
+          <p:spPr>
+            <a:xfrm>
+              <a:off x="10912094" y="0"/>
+              <a:ext cx="4191036" cy="33598719"/>
+            </a:xfrm>
+            <a:custGeom>
+              <a:avLst/>
+              <a:gdLst>
+                <a:gd name="connsiteX0" fmla="*/ 2412826 w 4191036"/>
+                <a:gd name="connsiteY0" fmla="*/ 0 h 34774155"/>
+                <a:gd name="connsiteX1" fmla="*/ 4190697 w 4191036"/>
+                <a:gd name="connsiteY1" fmla="*/ 16764808 h 34774155"/>
+                <a:gd name="connsiteX2" fmla="*/ 2539817 w 4191036"/>
+                <a:gd name="connsiteY2" fmla="*/ 33212102 h 34774155"/>
+                <a:gd name="connsiteX3" fmla="*/ 0 w 4191036"/>
+                <a:gd name="connsiteY3" fmla="*/ 33148599 h 34774155"/>
+              </a:gdLst>
+              <a:ahLst/>
+              <a:cxnLst>
+                <a:cxn ang="0">
+                  <a:pos x="connsiteX0" y="connsiteY0"/>
+                </a:cxn>
+                <a:cxn ang="0">
+                  <a:pos x="connsiteX1" y="connsiteY1"/>
+                </a:cxn>
+                <a:cxn ang="0">
+                  <a:pos x="connsiteX2" y="connsiteY2"/>
+                </a:cxn>
+                <a:cxn ang="0">
+                  <a:pos x="connsiteX3" y="connsiteY3"/>
+                </a:cxn>
+              </a:cxnLst>
+              <a:rect l="l" t="t" r="r" b="b"/>
+              <a:pathLst>
+                <a:path w="4191036" h="34774155">
+                  <a:moveTo>
+                    <a:pt x="2412826" y="0"/>
+                  </a:moveTo>
+                  <a:cubicBezTo>
+                    <a:pt x="3291179" y="5614729"/>
+                    <a:pt x="4169532" y="11229458"/>
+                    <a:pt x="4190697" y="16764808"/>
+                  </a:cubicBezTo>
+                  <a:cubicBezTo>
+                    <a:pt x="4211862" y="22300158"/>
+                    <a:pt x="3238266" y="30481470"/>
+                    <a:pt x="2539817" y="33212102"/>
+                  </a:cubicBezTo>
+                  <a:cubicBezTo>
+                    <a:pt x="1841368" y="35942734"/>
+                    <a:pt x="920684" y="34545666"/>
+                    <a:pt x="0" y="33148599"/>
+                  </a:cubicBezTo>
+                </a:path>
+              </a:pathLst>
+            </a:custGeom>
+            <a:solidFill>
+              <a:srgbClr val="F2F2F2"/>
+            </a:solidFill>
+            <a:ln>
+              <a:solidFill>
+                <a:srgbClr val="FFFFFF"/>
+              </a:solidFill>
+            </a:ln>
+            <a:effectLst/>
+          </p:spPr>
+          <p:style>
+            <a:lnRef idx="2">
+              <a:schemeClr val="accent1"/>
+            </a:lnRef>
+            <a:fillRef idx="0">
+              <a:schemeClr val="accent1"/>
+            </a:fillRef>
+            <a:effectRef idx="1">
+              <a:schemeClr val="accent1"/>
+            </a:effectRef>
+            <a:fontRef idx="minor">
+              <a:schemeClr val="tx1"/>
+            </a:fontRef>
+          </p:style>
+          <p:txBody>
+            <a:bodyPr rtlCol="0" anchor="ctr"/>
+            <a:lstStyle/>
+            <a:p>
+              <a:pPr algn="ctr"/>
+              <a:endParaRPr lang="en-US"/>
+            </a:p>
+          </p:txBody>
+        </p:sp>
+        <p:sp>
+          <p:nvSpPr>
+            <p:cNvPr id="21" name="Rectangle 20"/>
+            <p:cNvSpPr/>
+            <p:nvPr/>
+          </p:nvSpPr>
+          <p:spPr>
+            <a:xfrm>
+              <a:off x="-870840" y="0"/>
+              <a:ext cx="14161586" cy="32918400"/>
+            </a:xfrm>
+            <a:prstGeom prst="rect">
+              <a:avLst/>
+            </a:prstGeom>
+            <a:solidFill>
+              <a:schemeClr val="bg1">
+                <a:lumMod val="95000"/>
+              </a:schemeClr>
+            </a:solidFill>
+            <a:ln>
+              <a:noFill/>
+            </a:ln>
+            <a:effectLst/>
+          </p:spPr>
+          <p:style>
+            <a:lnRef idx="1">
+              <a:schemeClr val="accent1"/>
+            </a:lnRef>
+            <a:fillRef idx="3">
+              <a:schemeClr val="accent1"/>
+            </a:fillRef>
+            <a:effectRef idx="2">
+              <a:schemeClr val="accent1"/>
+            </a:effectRef>
+            <a:fontRef idx="minor">
+              <a:schemeClr val="lt1"/>
+            </a:fontRef>
+          </p:style>
+          <p:txBody>
+            <a:bodyPr rtlCol="0" anchor="ctr"/>
+            <a:lstStyle/>
+            <a:p>
+              <a:pPr algn="ctr"/>
+              <a:endParaRPr lang="en-US" dirty="0"/>
+            </a:p>
+          </p:txBody>
+        </p:sp>
+      </p:grpSp>
+      <p:sp>
+        <p:nvSpPr>
+          <p:cNvPr id="4" name="Oval 3"/>
+          <p:cNvSpPr/>
+          <p:nvPr/>
+        </p:nvSpPr>
+        <p:spPr>
+          <a:xfrm>
+            <a:off x="17265551" y="9409947"/>
+            <a:ext cx="8605879" cy="9025001"/>
+          </a:xfrm>
+          <a:prstGeom prst="ellipse">
+            <a:avLst/>
+          </a:prstGeom>
+          <a:solidFill>
+            <a:schemeClr val="accent6">
+              <a:lumMod val="40000"/>
+              <a:lumOff val="60000"/>
+            </a:schemeClr>
+          </a:solidFill>
+          <a:ln>
+            <a:noFill/>
+          </a:ln>
+          <a:effectLst/>
+        </p:spPr>
+        <p:style>
+          <a:lnRef idx="1">
+            <a:schemeClr val="accent1"/>
+          </a:lnRef>
+          <a:fillRef idx="3">
+            <a:schemeClr val="accent1"/>
+          </a:fillRef>
+          <a:effectRef idx="2">
+            <a:schemeClr val="accent1"/>
+          </a:effectRef>
+          <a:fontRef idx="minor">
+            <a:schemeClr val="lt1"/>
+          </a:fontRef>
+        </p:style>
+        <p:txBody>
+          <a:bodyPr rtlCol="0" anchor="ctr"/>
+          <a:lstStyle/>
+          <a:p>
+            <a:pPr algn="ctr"/>
+            <a:endParaRPr lang="en-US"/>
+          </a:p>
+        </p:txBody>
+      </p:sp>
       <p:grpSp>
         <p:nvGrpSpPr>
           <p:cNvPr id="69" name="Group 68"/>
@@ -3108,10 +3648,10 @@
         </p:nvGrpSpPr>
         <p:grpSpPr>
           <a:xfrm>
-            <a:off x="629912" y="638675"/>
-            <a:ext cx="8513793" cy="6604885"/>
-            <a:chOff x="629913" y="638676"/>
-            <a:chExt cx="6714276" cy="5208844"/>
+            <a:off x="8557421" y="5814615"/>
+            <a:ext cx="6195991" cy="6136567"/>
+            <a:chOff x="1312557" y="1008008"/>
+            <a:chExt cx="4886376" cy="4839512"/>
           </a:xfrm>
         </p:grpSpPr>
         <p:sp>
@@ -3156,7 +3696,10 @@
             <a:lstStyle/>
             <a:p>
               <a:pPr algn="ctr"/>
-              <a:endParaRPr lang="en-US" sz="9600"/>
+              <a:endParaRPr lang="en-US" sz="9600">
+                <a:latin typeface="Voltaire"/>
+                <a:cs typeface="Voltaire"/>
+              </a:endParaRPr>
             </a:p>
           </p:txBody>
         </p:sp>
@@ -3202,7 +3745,10 @@
             <a:lstStyle/>
             <a:p>
               <a:pPr algn="ctr"/>
-              <a:endParaRPr lang="en-US" sz="9600"/>
+              <a:endParaRPr lang="en-US" sz="9600">
+                <a:latin typeface="Voltaire"/>
+                <a:cs typeface="Voltaire"/>
+              </a:endParaRPr>
             </a:p>
           </p:txBody>
         </p:sp>
@@ -3248,7 +3794,10 @@
             <a:lstStyle/>
             <a:p>
               <a:pPr algn="ctr"/>
-              <a:endParaRPr lang="en-US" sz="6600"/>
+              <a:endParaRPr lang="en-US" sz="6600">
+                <a:latin typeface="Voltaire"/>
+                <a:cs typeface="Voltaire"/>
+              </a:endParaRPr>
             </a:p>
           </p:txBody>
         </p:sp>
@@ -3260,8 +3809,8 @@
           </p:nvSpPr>
           <p:spPr>
             <a:xfrm>
-              <a:off x="1496672" y="4027853"/>
-              <a:ext cx="1706605" cy="369332"/>
+              <a:off x="1534052" y="3532665"/>
+              <a:ext cx="995403" cy="291268"/>
             </a:xfrm>
             <a:prstGeom prst="rect">
               <a:avLst/>
@@ -3278,8 +3827,8 @@
                   <a:solidFill>
                     <a:schemeClr val="bg1"/>
                   </a:solidFill>
-                  <a:latin typeface="Arial Rounded MT Bold"/>
-                  <a:cs typeface="Arial Rounded MT Bold"/>
+                  <a:latin typeface="Voltaire"/>
+                  <a:cs typeface="Voltaire"/>
                 </a:rPr>
                 <a:t>Jurassic Park</a:t>
               </a:r>
@@ -3287,8 +3836,8 @@
                 <a:solidFill>
                   <a:schemeClr val="bg1"/>
                 </a:solidFill>
-                <a:latin typeface="Arial Rounded MT Bold"/>
-                <a:cs typeface="Arial Rounded MT Bold"/>
+                <a:latin typeface="Voltaire"/>
+                <a:cs typeface="Voltaire"/>
               </a:endParaRPr>
             </a:p>
           </p:txBody>
@@ -3301,8 +3850,172 @@
           </p:nvSpPr>
           <p:spPr>
             <a:xfrm>
-              <a:off x="1496672" y="3540345"/>
-              <a:ext cx="953356" cy="461665"/>
+              <a:off x="1389707" y="3787525"/>
+              <a:ext cx="470174" cy="315541"/>
+            </a:xfrm>
+            <a:prstGeom prst="rect">
+              <a:avLst/>
+            </a:prstGeom>
+          </p:spPr>
+          <p:txBody>
+            <a:bodyPr wrap="none">
+              <a:spAutoFit/>
+            </a:bodyPr>
+            <a:lstStyle/>
+            <a:p>
+              <a:r>
+                <a:rPr lang="en-US" sz="2000" dirty="0" smtClean="0">
+                  <a:solidFill>
+                    <a:schemeClr val="bg1"/>
+                  </a:solidFill>
+                  <a:latin typeface="Voltaire"/>
+                  <a:cs typeface="Voltaire"/>
+                </a:rPr>
+                <a:t>Jaws</a:t>
+              </a:r>
+              <a:endParaRPr lang="en-US" sz="2000" dirty="0">
+                <a:solidFill>
+                  <a:schemeClr val="bg1"/>
+                </a:solidFill>
+                <a:latin typeface="Voltaire"/>
+                <a:cs typeface="Voltaire"/>
+              </a:endParaRPr>
+            </a:p>
+          </p:txBody>
+        </p:sp>
+        <p:sp>
+          <p:nvSpPr>
+            <p:cNvPr id="41" name="Rectangle 40"/>
+            <p:cNvSpPr/>
+            <p:nvPr/>
+          </p:nvSpPr>
+          <p:spPr>
+            <a:xfrm>
+              <a:off x="2323553" y="5284408"/>
+              <a:ext cx="1126641" cy="364085"/>
+            </a:xfrm>
+            <a:prstGeom prst="rect">
+              <a:avLst/>
+            </a:prstGeom>
+          </p:spPr>
+          <p:txBody>
+            <a:bodyPr wrap="none">
+              <a:spAutoFit/>
+            </a:bodyPr>
+            <a:lstStyle/>
+            <a:p>
+              <a:r>
+                <a:rPr lang="en-US" sz="2400" dirty="0" err="1" smtClean="0">
+                  <a:solidFill>
+                    <a:schemeClr val="bg1"/>
+                  </a:solidFill>
+                  <a:latin typeface="Voltaire"/>
+                  <a:cs typeface="Voltaire"/>
+                </a:rPr>
+                <a:t>Cloverfield</a:t>
+              </a:r>
+              <a:endParaRPr lang="en-US" sz="2400" dirty="0">
+                <a:solidFill>
+                  <a:schemeClr val="bg1"/>
+                </a:solidFill>
+                <a:latin typeface="Voltaire"/>
+                <a:cs typeface="Voltaire"/>
+              </a:endParaRPr>
+            </a:p>
+          </p:txBody>
+        </p:sp>
+        <p:sp>
+          <p:nvSpPr>
+            <p:cNvPr id="42" name="Rectangle 41"/>
+            <p:cNvSpPr/>
+            <p:nvPr/>
+          </p:nvSpPr>
+          <p:spPr>
+            <a:xfrm>
+              <a:off x="3061218" y="1430605"/>
+              <a:ext cx="971937" cy="412630"/>
+            </a:xfrm>
+            <a:prstGeom prst="rect">
+              <a:avLst/>
+            </a:prstGeom>
+          </p:spPr>
+          <p:txBody>
+            <a:bodyPr wrap="none">
+              <a:spAutoFit/>
+            </a:bodyPr>
+            <a:lstStyle/>
+            <a:p>
+              <a:r>
+                <a:rPr lang="en-US" sz="2800" dirty="0" smtClean="0">
+                  <a:solidFill>
+                    <a:schemeClr val="bg1"/>
+                  </a:solidFill>
+                  <a:latin typeface="Voltaire"/>
+                  <a:cs typeface="Voltaire"/>
+                </a:rPr>
+                <a:t>Goonies</a:t>
+              </a:r>
+              <a:endParaRPr lang="en-US" sz="2800" dirty="0">
+                <a:solidFill>
+                  <a:schemeClr val="bg1"/>
+                </a:solidFill>
+                <a:latin typeface="Voltaire"/>
+                <a:cs typeface="Voltaire"/>
+              </a:endParaRPr>
+            </a:p>
+          </p:txBody>
+        </p:sp>
+        <p:sp>
+          <p:nvSpPr>
+            <p:cNvPr id="43" name="Rectangle 42"/>
+            <p:cNvSpPr/>
+            <p:nvPr/>
+          </p:nvSpPr>
+          <p:spPr>
+            <a:xfrm>
+              <a:off x="2222418" y="2429304"/>
+              <a:ext cx="1011502" cy="315541"/>
+            </a:xfrm>
+            <a:prstGeom prst="rect">
+              <a:avLst/>
+            </a:prstGeom>
+          </p:spPr>
+          <p:txBody>
+            <a:bodyPr wrap="none">
+              <a:spAutoFit/>
+            </a:bodyPr>
+            <a:lstStyle/>
+            <a:p>
+              <a:r>
+                <a:rPr lang="en-US" sz="2000" dirty="0" smtClean="0">
+                  <a:solidFill>
+                    <a:schemeClr val="bg1"/>
+                  </a:solidFill>
+                  <a:latin typeface="Voltaire"/>
+                  <a:cs typeface="Voltaire"/>
+                </a:rPr>
+                <a:t>The Sandlot</a:t>
+              </a:r>
+              <a:endParaRPr lang="en-US" sz="2000" dirty="0">
+                <a:solidFill>
+                  <a:schemeClr val="bg1"/>
+                </a:solidFill>
+                <a:latin typeface="Voltaire"/>
+                <a:cs typeface="Voltaire"/>
+              </a:endParaRPr>
+            </a:p>
+          </p:txBody>
+        </p:sp>
+        <p:sp>
+          <p:nvSpPr>
+            <p:cNvPr id="44" name="Rectangle 43"/>
+            <p:cNvSpPr/>
+            <p:nvPr/>
+          </p:nvSpPr>
+          <p:spPr>
+            <a:xfrm>
+              <a:off x="3810663" y="2370952"/>
+              <a:ext cx="1200557" cy="364085"/>
             </a:xfrm>
             <a:prstGeom prst="rect">
               <a:avLst/>
@@ -3319,31 +4032,31 @@
                   <a:solidFill>
                     <a:schemeClr val="bg1"/>
                   </a:solidFill>
-                  <a:latin typeface="Arial Rounded MT Bold"/>
-                  <a:cs typeface="Arial Rounded MT Bold"/>
+                  <a:latin typeface="Voltaire"/>
+                  <a:cs typeface="Voltaire"/>
                 </a:rPr>
-                <a:t>Jaws</a:t>
+                <a:t>Stand By Me</a:t>
               </a:r>
               <a:endParaRPr lang="en-US" sz="2400" dirty="0">
                 <a:solidFill>
                   <a:schemeClr val="bg1"/>
                 </a:solidFill>
-                <a:latin typeface="Arial Rounded MT Bold"/>
-                <a:cs typeface="Arial Rounded MT Bold"/>
+                <a:latin typeface="Voltaire"/>
+                <a:cs typeface="Voltaire"/>
               </a:endParaRPr>
             </a:p>
           </p:txBody>
         </p:sp>
         <p:sp>
           <p:nvSpPr>
-            <p:cNvPr id="41" name="Rectangle 40"/>
+            <p:cNvPr id="45" name="Rectangle 44"/>
             <p:cNvSpPr/>
             <p:nvPr/>
           </p:nvSpPr>
           <p:spPr>
             <a:xfrm>
-              <a:off x="1802232" y="5019327"/>
-              <a:ext cx="1806504" cy="461665"/>
+              <a:off x="5080392" y="3314214"/>
+              <a:ext cx="690932" cy="364085"/>
             </a:xfrm>
             <a:prstGeom prst="rect">
               <a:avLst/>
@@ -3356,35 +4069,35 @@
             <a:lstStyle/>
             <a:p>
               <a:r>
-                <a:rPr lang="en-US" sz="2400" dirty="0" err="1" smtClean="0">
+                <a:rPr lang="en-US" sz="2400" dirty="0" smtClean="0">
                   <a:solidFill>
                     <a:schemeClr val="bg1"/>
                   </a:solidFill>
-                  <a:latin typeface="Arial Rounded MT Bold"/>
-                  <a:cs typeface="Arial Rounded MT Bold"/>
+                  <a:latin typeface="Voltaire"/>
+                  <a:cs typeface="Voltaire"/>
                 </a:rPr>
-                <a:t>Cloverfield</a:t>
+                <a:t>Aliens</a:t>
               </a:r>
               <a:endParaRPr lang="en-US" sz="2400" dirty="0">
                 <a:solidFill>
                   <a:schemeClr val="bg1"/>
                 </a:solidFill>
-                <a:latin typeface="Arial Rounded MT Bold"/>
-                <a:cs typeface="Arial Rounded MT Bold"/>
+                <a:latin typeface="Voltaire"/>
+                <a:cs typeface="Voltaire"/>
               </a:endParaRPr>
             </a:p>
           </p:txBody>
         </p:sp>
         <p:sp>
           <p:nvSpPr>
-            <p:cNvPr id="42" name="Rectangle 41"/>
+            <p:cNvPr id="46" name="Rectangle 45"/>
             <p:cNvSpPr/>
             <p:nvPr/>
           </p:nvSpPr>
           <p:spPr>
             <a:xfrm>
-              <a:off x="3061218" y="1430605"/>
-              <a:ext cx="1624989" cy="523220"/>
+              <a:off x="4477600" y="5353566"/>
+              <a:ext cx="533620" cy="412630"/>
             </a:xfrm>
             <a:prstGeom prst="rect">
               <a:avLst/>
@@ -3401,172 +4114,8 @@
                   <a:solidFill>
                     <a:schemeClr val="bg1"/>
                   </a:solidFill>
-                  <a:latin typeface="Arial Rounded MT Bold"/>
-                  <a:cs typeface="Arial Rounded MT Bold"/>
-                </a:rPr>
-                <a:t>Goonies</a:t>
-              </a:r>
-              <a:endParaRPr lang="en-US" sz="2800" dirty="0">
-                <a:solidFill>
-                  <a:schemeClr val="bg1"/>
-                </a:solidFill>
-                <a:latin typeface="Arial Rounded MT Bold"/>
-                <a:cs typeface="Arial Rounded MT Bold"/>
-              </a:endParaRPr>
-            </a:p>
-          </p:txBody>
-        </p:sp>
-        <p:sp>
-          <p:nvSpPr>
-            <p:cNvPr id="43" name="Rectangle 42"/>
-            <p:cNvSpPr/>
-            <p:nvPr/>
-          </p:nvSpPr>
-          <p:spPr>
-            <a:xfrm>
-              <a:off x="2464927" y="1930454"/>
-              <a:ext cx="1980029" cy="461665"/>
-            </a:xfrm>
-            <a:prstGeom prst="rect">
-              <a:avLst/>
-            </a:prstGeom>
-          </p:spPr>
-          <p:txBody>
-            <a:bodyPr wrap="none">
-              <a:spAutoFit/>
-            </a:bodyPr>
-            <a:lstStyle/>
-            <a:p>
-              <a:r>
-                <a:rPr lang="en-US" sz="2400" dirty="0" smtClean="0">
-                  <a:solidFill>
-                    <a:schemeClr val="bg1"/>
-                  </a:solidFill>
-                  <a:latin typeface="Arial Rounded MT Bold"/>
-                  <a:cs typeface="Arial Rounded MT Bold"/>
-                </a:rPr>
-                <a:t>The Sandlot</a:t>
-              </a:r>
-              <a:endParaRPr lang="en-US" sz="2400" dirty="0">
-                <a:solidFill>
-                  <a:schemeClr val="bg1"/>
-                </a:solidFill>
-                <a:latin typeface="Arial Rounded MT Bold"/>
-                <a:cs typeface="Arial Rounded MT Bold"/>
-              </a:endParaRPr>
-            </a:p>
-          </p:txBody>
-        </p:sp>
-        <p:sp>
-          <p:nvSpPr>
-            <p:cNvPr id="44" name="Rectangle 43"/>
-            <p:cNvSpPr/>
-            <p:nvPr/>
-          </p:nvSpPr>
-          <p:spPr>
-            <a:xfrm>
-              <a:off x="2886873" y="2280745"/>
-              <a:ext cx="2041394" cy="461665"/>
-            </a:xfrm>
-            <a:prstGeom prst="rect">
-              <a:avLst/>
-            </a:prstGeom>
-          </p:spPr>
-          <p:txBody>
-            <a:bodyPr wrap="none">
-              <a:spAutoFit/>
-            </a:bodyPr>
-            <a:lstStyle/>
-            <a:p>
-              <a:r>
-                <a:rPr lang="en-US" sz="2400" dirty="0" smtClean="0">
-                  <a:solidFill>
-                    <a:schemeClr val="bg1"/>
-                  </a:solidFill>
-                  <a:latin typeface="Arial Rounded MT Bold"/>
-                  <a:cs typeface="Arial Rounded MT Bold"/>
-                </a:rPr>
-                <a:t>Stand By Me</a:t>
-              </a:r>
-              <a:endParaRPr lang="en-US" sz="2400" dirty="0">
-                <a:solidFill>
-                  <a:schemeClr val="bg1"/>
-                </a:solidFill>
-                <a:latin typeface="Arial Rounded MT Bold"/>
-                <a:cs typeface="Arial Rounded MT Bold"/>
-              </a:endParaRPr>
-            </a:p>
-          </p:txBody>
-        </p:sp>
-        <p:sp>
-          <p:nvSpPr>
-            <p:cNvPr id="45" name="Rectangle 44"/>
-            <p:cNvSpPr/>
-            <p:nvPr/>
-          </p:nvSpPr>
-          <p:spPr>
-            <a:xfrm>
-              <a:off x="5080392" y="3634332"/>
-              <a:ext cx="1108446" cy="461665"/>
-            </a:xfrm>
-            <a:prstGeom prst="rect">
-              <a:avLst/>
-            </a:prstGeom>
-          </p:spPr>
-          <p:txBody>
-            <a:bodyPr wrap="none">
-              <a:spAutoFit/>
-            </a:bodyPr>
-            <a:lstStyle/>
-            <a:p>
-              <a:r>
-                <a:rPr lang="en-US" sz="2400" dirty="0" smtClean="0">
-                  <a:solidFill>
-                    <a:schemeClr val="bg1"/>
-                  </a:solidFill>
-                  <a:latin typeface="Arial Rounded MT Bold"/>
-                  <a:cs typeface="Arial Rounded MT Bold"/>
-                </a:rPr>
-                <a:t>Aliens</a:t>
-              </a:r>
-              <a:endParaRPr lang="en-US" sz="2400" dirty="0">
-                <a:solidFill>
-                  <a:schemeClr val="bg1"/>
-                </a:solidFill>
-                <a:latin typeface="Arial Rounded MT Bold"/>
-                <a:cs typeface="Arial Rounded MT Bold"/>
-              </a:endParaRPr>
-            </a:p>
-          </p:txBody>
-        </p:sp>
-        <p:sp>
-          <p:nvSpPr>
-            <p:cNvPr id="46" name="Rectangle 45"/>
-            <p:cNvSpPr/>
-            <p:nvPr/>
-          </p:nvSpPr>
-          <p:spPr>
-            <a:xfrm>
-              <a:off x="5295944" y="4285975"/>
-              <a:ext cx="828472" cy="523220"/>
-            </a:xfrm>
-            <a:prstGeom prst="rect">
-              <a:avLst/>
-            </a:prstGeom>
-          </p:spPr>
-          <p:txBody>
-            <a:bodyPr wrap="none">
-              <a:spAutoFit/>
-            </a:bodyPr>
-            <a:lstStyle/>
-            <a:p>
-              <a:r>
-                <a:rPr lang="en-US" sz="2800" dirty="0" smtClean="0">
-                  <a:solidFill>
-                    <a:schemeClr val="bg1"/>
-                  </a:solidFill>
-                  <a:latin typeface="Arial Rounded MT Bold"/>
-                  <a:cs typeface="Arial Rounded MT Bold"/>
+                  <a:latin typeface="Voltaire"/>
+                  <a:cs typeface="Voltaire"/>
                 </a:rPr>
                 <a:t>E.T.</a:t>
               </a:r>
@@ -3574,8 +4123,8 @@
                 <a:solidFill>
                   <a:schemeClr val="bg1"/>
                 </a:solidFill>
-                <a:latin typeface="Arial Rounded MT Bold"/>
-                <a:cs typeface="Arial Rounded MT Bold"/>
+                <a:latin typeface="Voltaire"/>
+                <a:cs typeface="Voltaire"/>
               </a:endParaRPr>
             </a:p>
           </p:txBody>
@@ -3588,8 +4137,8 @@
           </p:nvSpPr>
           <p:spPr>
             <a:xfrm>
-              <a:off x="4623246" y="4758383"/>
-              <a:ext cx="1334647" cy="954107"/>
+              <a:off x="4576295" y="4964697"/>
+              <a:ext cx="1334647" cy="412630"/>
             </a:xfrm>
             <a:prstGeom prst="rect">
               <a:avLst/>
@@ -3606,8 +4155,8 @@
                   <a:solidFill>
                     <a:schemeClr val="bg1"/>
                   </a:solidFill>
-                  <a:latin typeface="Arial Rounded MT Bold"/>
-                  <a:cs typeface="Arial Rounded MT Bold"/>
+                  <a:latin typeface="Voltaire"/>
+                  <a:cs typeface="Voltaire"/>
                 </a:rPr>
                 <a:t>Close Encounters of the Third Kind</a:t>
               </a:r>
@@ -3615,8 +4164,8 @@
                 <a:solidFill>
                   <a:schemeClr val="bg1"/>
                 </a:solidFill>
-                <a:latin typeface="Arial Rounded MT Bold"/>
-                <a:cs typeface="Arial Rounded MT Bold"/>
+                <a:latin typeface="Voltaire"/>
+                <a:cs typeface="Voltaire"/>
               </a:endParaRPr>
             </a:p>
           </p:txBody>
@@ -3628,9 +4177,9 @@
             <p:nvPr/>
           </p:nvSpPr>
           <p:spPr>
-            <a:xfrm>
-              <a:off x="3203277" y="3314214"/>
-              <a:ext cx="1104936" cy="830997"/>
+            <a:xfrm rot="21021776">
+              <a:off x="3140717" y="3214787"/>
+              <a:ext cx="1104936" cy="849532"/>
             </a:xfrm>
             <a:prstGeom prst="rect">
               <a:avLst/>
@@ -3644,12 +4193,12 @@
             <a:p>
               <a:pPr algn="ctr"/>
               <a:r>
-                <a:rPr lang="en-US" sz="2400" dirty="0" smtClean="0">
+                <a:rPr lang="en-US" sz="3200" dirty="0" smtClean="0">
                   <a:solidFill>
                     <a:schemeClr val="bg1"/>
                   </a:solidFill>
-                  <a:latin typeface="Arial Rounded MT Bold"/>
-                  <a:cs typeface="Arial Rounded MT Bold"/>
+                  <a:latin typeface="Yellowtail"/>
+                  <a:cs typeface="Yellowtail"/>
                 </a:rPr>
                 <a:t>Super</a:t>
               </a:r>
@@ -3657,21 +4206,21 @@
             <a:p>
               <a:pPr algn="ctr"/>
               <a:r>
-                <a:rPr lang="en-US" sz="2400" dirty="0" smtClean="0">
+                <a:rPr lang="en-US" sz="3200" dirty="0" smtClean="0">
                   <a:solidFill>
                     <a:schemeClr val="bg1"/>
                   </a:solidFill>
-                  <a:latin typeface="Arial Rounded MT Bold"/>
-                  <a:cs typeface="Arial Rounded MT Bold"/>
+                  <a:latin typeface="Yellowtail"/>
+                  <a:cs typeface="Yellowtail"/>
                 </a:rPr>
                 <a:t>8</a:t>
               </a:r>
-              <a:endParaRPr lang="en-US" sz="2400" dirty="0">
+              <a:endParaRPr lang="en-US" sz="3200" dirty="0">
                 <a:solidFill>
                   <a:schemeClr val="bg1"/>
                 </a:solidFill>
-                <a:latin typeface="Arial Rounded MT Bold"/>
-                <a:cs typeface="Arial Rounded MT Bold"/>
+                <a:latin typeface="Yellowtail"/>
+                <a:cs typeface="Yellowtail"/>
               </a:endParaRPr>
             </a:p>
           </p:txBody>
@@ -3684,8 +4233,8 @@
           </p:nvSpPr>
           <p:spPr>
             <a:xfrm>
-              <a:off x="2359398" y="638676"/>
-              <a:ext cx="2263848" cy="369332"/>
+              <a:off x="2441938" y="1861232"/>
+              <a:ext cx="2411052" cy="509719"/>
             </a:xfrm>
             <a:prstGeom prst="rect">
               <a:avLst/>
@@ -3698,15 +4247,21 @@
             <a:lstStyle/>
             <a:p>
               <a:r>
-                <a:rPr lang="en-US" sz="1800" dirty="0" smtClean="0">
-                  <a:latin typeface="Arial Rounded MT Bold"/>
-                  <a:cs typeface="Arial Rounded MT Bold"/>
+                <a:rPr lang="en-US" sz="3600" dirty="0" smtClean="0">
+                  <a:solidFill>
+                    <a:srgbClr val="FFFFFF"/>
+                  </a:solidFill>
+                  <a:latin typeface="Yellowtail"/>
+                  <a:cs typeface="Yellowtail"/>
                 </a:rPr>
                 <a:t>Character Themes</a:t>
               </a:r>
-              <a:endParaRPr lang="en-US" sz="1800" dirty="0">
-                <a:latin typeface="Arial Rounded MT Bold"/>
-                <a:cs typeface="Arial Rounded MT Bold"/>
+              <a:endParaRPr lang="en-US" sz="3600" dirty="0">
+                <a:solidFill>
+                  <a:srgbClr val="FFFFFF"/>
+                </a:solidFill>
+                <a:latin typeface="Yellowtail"/>
+                <a:cs typeface="Yellowtail"/>
               </a:endParaRPr>
             </a:p>
           </p:txBody>
@@ -3719,8 +4274,8 @@
           </p:nvSpPr>
           <p:spPr>
             <a:xfrm>
-              <a:off x="629913" y="5066159"/>
-              <a:ext cx="1152370" cy="646331"/>
+              <a:off x="1776502" y="3900884"/>
+              <a:ext cx="1426775" cy="1383524"/>
             </a:xfrm>
             <a:prstGeom prst="rect">
               <a:avLst/>
@@ -3733,21 +4288,21 @@
             <a:lstStyle/>
             <a:p>
               <a:r>
-                <a:rPr lang="en-US" sz="1800" dirty="0" smtClean="0">
+                <a:rPr lang="en-US" sz="3600" dirty="0" smtClean="0">
                   <a:solidFill>
-                    <a:srgbClr val="000000"/>
+                    <a:schemeClr val="bg1"/>
                   </a:solidFill>
-                  <a:latin typeface="Arial Rounded MT Bold"/>
-                  <a:cs typeface="Arial Rounded MT Bold"/>
+                  <a:latin typeface="Yellowtail"/>
+                  <a:cs typeface="Yellowtail"/>
                 </a:rPr>
-                <a:t>Stylistic Themes</a:t>
+                <a:t>Genre / Stylistic Themes</a:t>
               </a:r>
-              <a:endParaRPr lang="en-US" sz="1800" dirty="0">
+              <a:endParaRPr lang="en-US" sz="3600" dirty="0">
                 <a:solidFill>
-                  <a:srgbClr val="000000"/>
+                  <a:schemeClr val="bg1"/>
                 </a:solidFill>
-                <a:latin typeface="Arial Rounded MT Bold"/>
-                <a:cs typeface="Arial Rounded MT Bold"/>
+                <a:latin typeface="Yellowtail"/>
+                <a:cs typeface="Yellowtail"/>
               </a:endParaRPr>
             </a:p>
           </p:txBody>
@@ -3760,8 +4315,8 @@
           </p:nvSpPr>
           <p:spPr>
             <a:xfrm>
-              <a:off x="6032444" y="5019327"/>
-              <a:ext cx="1311745" cy="646331"/>
+              <a:off x="4421365" y="3900884"/>
+              <a:ext cx="1437166" cy="946622"/>
             </a:xfrm>
             <a:prstGeom prst="rect">
               <a:avLst/>
@@ -3774,38 +4329,3005 @@
             <a:lstStyle/>
             <a:p>
               <a:r>
-                <a:rPr lang="en-US" sz="1800" dirty="0" smtClean="0">
+                <a:rPr lang="en-US" sz="3600" dirty="0" smtClean="0">
                   <a:solidFill>
-                    <a:srgbClr val="000000"/>
+                    <a:srgbClr val="FFFFFF"/>
                   </a:solidFill>
-                  <a:latin typeface="Arial Rounded MT Bold"/>
-                  <a:cs typeface="Arial Rounded MT Bold"/>
+                  <a:latin typeface="Yellowtail"/>
+                  <a:cs typeface="Yellowtail"/>
                 </a:rPr>
                 <a:t>Narrative Themes</a:t>
               </a:r>
-              <a:endParaRPr lang="en-US" sz="1800" dirty="0">
+              <a:endParaRPr lang="en-US" sz="3600" dirty="0">
                 <a:solidFill>
-                  <a:srgbClr val="000000"/>
+                  <a:srgbClr val="FFFFFF"/>
                 </a:solidFill>
-                <a:latin typeface="Arial Rounded MT Bold"/>
-                <a:cs typeface="Arial Rounded MT Bold"/>
+                <a:latin typeface="Yellowtail"/>
+                <a:cs typeface="Yellowtail"/>
               </a:endParaRPr>
             </a:p>
           </p:txBody>
         </p:sp>
       </p:grpSp>
+      <p:sp>
+        <p:nvSpPr>
+          <p:cNvPr id="110" name="Rectangle 109"/>
+          <p:cNvSpPr/>
+          <p:nvPr/>
+        </p:nvSpPr>
+        <p:spPr>
+          <a:xfrm>
+            <a:off x="16698389" y="14503489"/>
+            <a:ext cx="9729471" cy="923330"/>
+          </a:xfrm>
+          <a:prstGeom prst="rect">
+            <a:avLst/>
+          </a:prstGeom>
+        </p:spPr>
+        <p:txBody>
+          <a:bodyPr wrap="square">
+            <a:spAutoFit/>
+          </a:bodyPr>
+          <a:lstStyle/>
+          <a:p>
+            <a:pPr algn="ctr"/>
+            <a:r>
+              <a:rPr lang="en-US" sz="5400" dirty="0" smtClean="0">
+                <a:latin typeface="Yellowtail"/>
+                <a:cs typeface="Yellowtail"/>
+              </a:rPr>
+              <a:t>Film Description through Comparison</a:t>
+            </a:r>
+          </a:p>
+        </p:txBody>
+      </p:sp>
+      <p:sp>
+        <p:nvSpPr>
+          <p:cNvPr id="2" name="TextBox 1"/>
+          <p:cNvSpPr txBox="1"/>
+          <p:nvPr/>
+        </p:nvSpPr>
+        <p:spPr>
+          <a:xfrm>
+            <a:off x="17141277" y="11288043"/>
+            <a:ext cx="8699688" cy="2800767"/>
+          </a:xfrm>
+          <a:prstGeom prst="rect">
+            <a:avLst/>
+          </a:prstGeom>
+          <a:noFill/>
+        </p:spPr>
+        <p:txBody>
+          <a:bodyPr wrap="square" rtlCol="0">
+            <a:spAutoFit/>
+          </a:bodyPr>
+          <a:lstStyle/>
+          <a:p>
+            <a:pPr algn="ctr"/>
+            <a:r>
+              <a:rPr lang="en-US" sz="8800" dirty="0" smtClean="0">
+                <a:solidFill>
+                  <a:schemeClr val="accent2">
+                    <a:lumMod val="75000"/>
+                  </a:schemeClr>
+                </a:solidFill>
+                <a:latin typeface="Mrs Sheppards Regular"/>
+                <a:cs typeface="Mrs Sheppards Regular"/>
+              </a:rPr>
+              <a:t>Sherlock Holmes meets Godzilla</a:t>
+            </a:r>
+          </a:p>
+        </p:txBody>
+      </p:sp>
+      <p:sp>
+        <p:nvSpPr>
+          <p:cNvPr id="52" name="Rectangle 51"/>
+          <p:cNvSpPr/>
+          <p:nvPr/>
+        </p:nvSpPr>
+        <p:spPr>
+          <a:xfrm>
+            <a:off x="18189828" y="15669077"/>
+            <a:ext cx="6728124" cy="584776"/>
+          </a:xfrm>
+          <a:prstGeom prst="rect">
+            <a:avLst/>
+          </a:prstGeom>
+        </p:spPr>
+        <p:txBody>
+          <a:bodyPr wrap="none">
+            <a:spAutoFit/>
+          </a:bodyPr>
+          <a:lstStyle/>
+          <a:p>
+            <a:r>
+              <a:rPr lang="en-US" sz="3200" dirty="0" smtClean="0">
+                <a:latin typeface="Voltaire"/>
+                <a:cs typeface="Voltaire"/>
+              </a:rPr>
+              <a:t>PETER ORGANISCIAK meets MICHAEL TWIDALE</a:t>
+            </a:r>
+            <a:endParaRPr lang="en-US" sz="3200" dirty="0">
+              <a:latin typeface="Voltaire"/>
+              <a:cs typeface="Voltaire"/>
+            </a:endParaRPr>
+          </a:p>
+        </p:txBody>
+      </p:sp>
+      <p:sp>
+        <p:nvSpPr>
+          <p:cNvPr id="5" name="TextBox 4"/>
+          <p:cNvSpPr txBox="1"/>
+          <p:nvPr/>
+        </p:nvSpPr>
+        <p:spPr>
+          <a:xfrm>
+            <a:off x="16214442" y="19194299"/>
+            <a:ext cx="10340664" cy="13388276"/>
+          </a:xfrm>
+          <a:prstGeom prst="rect">
+            <a:avLst/>
+          </a:prstGeom>
+          <a:noFill/>
+        </p:spPr>
+        <p:txBody>
+          <a:bodyPr wrap="square" rtlCol="0">
+            <a:spAutoFit/>
+          </a:bodyPr>
+          <a:lstStyle/>
+          <a:p>
+            <a:pPr algn="ctr"/>
+            <a:r>
+              <a:rPr lang="en-US" sz="4800" dirty="0" smtClean="0">
+                <a:solidFill>
+                  <a:schemeClr val="accent5">
+                    <a:lumMod val="75000"/>
+                  </a:schemeClr>
+                </a:solidFill>
+                <a:latin typeface="Yellowtail"/>
+                <a:cs typeface="Yellowtail"/>
+              </a:rPr>
+              <a:t>Introduction</a:t>
+            </a:r>
+          </a:p>
+          <a:p>
+            <a:pPr algn="just"/>
+            <a:r>
+              <a:rPr lang="en-US" sz="2400" dirty="0" smtClean="0"/>
+              <a:t>Describing </a:t>
+            </a:r>
+            <a:r>
+              <a:rPr lang="en-US" sz="2400" dirty="0"/>
+              <a:t>things briefly, clearly and well is hard work. We know that – we study it and try to do it in many parts of LIS. Describing a movie is quite a challenge – especially if you are trying to do a good job in just a few words. </a:t>
+            </a:r>
+            <a:r>
+              <a:rPr lang="en-US" sz="2400" b="1" dirty="0"/>
+              <a:t>Using a set of nearly 8 million Amazon user reviews of films we find that some people are able to use a very terse and yet surprisingly effective way of describing some aspects of what makes the movie stand out - a qualified mixture of other films</a:t>
+            </a:r>
+            <a:r>
+              <a:rPr lang="en-US" sz="2400" dirty="0"/>
+              <a:t>. </a:t>
+            </a:r>
+            <a:endParaRPr lang="en-US" sz="2400" dirty="0" smtClean="0"/>
+          </a:p>
+          <a:p>
+            <a:pPr algn="just"/>
+            <a:endParaRPr lang="en-US" sz="2400" dirty="0"/>
+          </a:p>
+          <a:p>
+            <a:pPr algn="just"/>
+            <a:r>
+              <a:rPr lang="en-US" sz="2400" dirty="0" smtClean="0"/>
+              <a:t>These </a:t>
+            </a:r>
+            <a:r>
+              <a:rPr lang="en-US" sz="2400" dirty="0"/>
+              <a:t>descriptions seem to get to the heart of the movie, in a way that many people who have seen the movie can agree with. They are clearly inspired by the popular culture view of the movie pitch – where an idea for a movie has to be described to busy executives as clearly and quickly as possible. </a:t>
+            </a:r>
+            <a:endParaRPr lang="en-US" sz="2400" dirty="0" smtClean="0"/>
+          </a:p>
+          <a:p>
+            <a:pPr algn="just"/>
+            <a:r>
+              <a:rPr lang="en-US" sz="2400" dirty="0"/>
+              <a:t> </a:t>
+            </a:r>
+          </a:p>
+          <a:p>
+            <a:pPr algn="just"/>
+            <a:r>
+              <a:rPr lang="en-US" sz="2400" dirty="0"/>
+              <a:t>We explore examples of this activity through 7,911,684 Amazon user reviews of films (</a:t>
+            </a:r>
+            <a:r>
+              <a:rPr lang="en-US" sz="2400" dirty="0" err="1"/>
+              <a:t>McAuley</a:t>
+            </a:r>
+            <a:r>
+              <a:rPr lang="en-US" sz="2400" dirty="0"/>
+              <a:t> and </a:t>
+            </a:r>
+            <a:r>
+              <a:rPr lang="en-US" sz="2400" dirty="0" err="1"/>
+              <a:t>Leskovic</a:t>
+            </a:r>
+            <a:r>
+              <a:rPr lang="en-US" sz="2400" dirty="0"/>
+              <a:t> </a:t>
+            </a:r>
+            <a:r>
+              <a:rPr lang="en-US" sz="2400" dirty="0" smtClean="0"/>
+              <a:t>2013*) </a:t>
+            </a:r>
+            <a:r>
+              <a:rPr lang="en-US" sz="2400" dirty="0"/>
+              <a:t>to understand how, why and when they are effective and speculate on the potential of this approach to inform novel information organization and access. </a:t>
+            </a:r>
+            <a:endParaRPr lang="en-US" sz="2400" dirty="0" smtClean="0"/>
+          </a:p>
+          <a:p>
+            <a:pPr algn="just"/>
+            <a:endParaRPr lang="en-US" sz="2400" dirty="0"/>
+          </a:p>
+          <a:p>
+            <a:r>
+              <a:rPr lang="en-US" sz="2000" dirty="0"/>
+              <a:t>*J. </a:t>
+            </a:r>
+            <a:r>
+              <a:rPr lang="en-US" sz="2000" dirty="0" err="1"/>
+              <a:t>McAuley</a:t>
+            </a:r>
+            <a:r>
+              <a:rPr lang="en-US" sz="2000" dirty="0"/>
+              <a:t> and J. </a:t>
+            </a:r>
+            <a:r>
+              <a:rPr lang="en-US" sz="2000" dirty="0" err="1"/>
+              <a:t>Leskovec</a:t>
+            </a:r>
+            <a:r>
+              <a:rPr lang="en-US" sz="2000" dirty="0"/>
+              <a:t>. From amateurs to connoisseurs: modeling the evolution of user expertise through online reviews. WWW, 2013</a:t>
+            </a:r>
+            <a:r>
+              <a:rPr lang="en-US" sz="2000" dirty="0" smtClean="0"/>
+              <a:t>.</a:t>
+            </a:r>
+            <a:endParaRPr lang="en-US" sz="2000" dirty="0" smtClean="0"/>
+          </a:p>
+          <a:p>
+            <a:pPr algn="ctr"/>
+            <a:endParaRPr lang="en-US" sz="4800" b="1" dirty="0" smtClean="0">
+              <a:solidFill>
+                <a:schemeClr val="accent5">
+                  <a:lumMod val="75000"/>
+                </a:schemeClr>
+              </a:solidFill>
+              <a:latin typeface="Yellowtail"/>
+              <a:cs typeface="Yellowtail"/>
+            </a:endParaRPr>
+          </a:p>
+          <a:p>
+            <a:pPr algn="ctr"/>
+            <a:r>
+              <a:rPr lang="en-US" sz="4800" b="1" dirty="0" smtClean="0">
+                <a:solidFill>
+                  <a:schemeClr val="accent5">
+                    <a:lumMod val="75000"/>
+                  </a:schemeClr>
+                </a:solidFill>
+                <a:latin typeface="Yellowtail"/>
+                <a:cs typeface="Yellowtail"/>
+              </a:rPr>
+              <a:t>Questions</a:t>
+            </a:r>
+            <a:endParaRPr lang="en-US" sz="4800" dirty="0">
+              <a:solidFill>
+                <a:schemeClr val="accent5">
+                  <a:lumMod val="75000"/>
+                </a:schemeClr>
+              </a:solidFill>
+              <a:latin typeface="Yellowtail"/>
+              <a:cs typeface="Yellowtail"/>
+            </a:endParaRPr>
+          </a:p>
+          <a:p>
+            <a:r>
+              <a:rPr lang="en-US" sz="2400" dirty="0"/>
+              <a:t>How do people describe films by the “pitch”: eliciting other films for helping a listener understand a film</a:t>
+            </a:r>
+            <a:r>
+              <a:rPr lang="en-US" sz="2400" dirty="0" smtClean="0"/>
+              <a:t>?</a:t>
+            </a:r>
+            <a:endParaRPr lang="en-US" sz="2400" dirty="0"/>
+          </a:p>
+          <a:p>
+            <a:r>
+              <a:rPr lang="en-US" sz="2400" dirty="0"/>
+              <a:t> </a:t>
+            </a:r>
+          </a:p>
+          <a:p>
+            <a:r>
+              <a:rPr lang="en-US" sz="2400" dirty="0"/>
+              <a:t>How </a:t>
+            </a:r>
+            <a:r>
+              <a:rPr lang="en-US" sz="2400" i="1" dirty="0"/>
+              <a:t>efficient</a:t>
+            </a:r>
+            <a:r>
+              <a:rPr lang="en-US" sz="2400" dirty="0"/>
+              <a:t> is it to create these descriptions? What would be lost if we tried to generate them</a:t>
+            </a:r>
+            <a:r>
+              <a:rPr lang="en-US" sz="2400" dirty="0" smtClean="0"/>
+              <a:t>? </a:t>
+            </a:r>
+            <a:endParaRPr lang="en-US" sz="2400" dirty="0"/>
+          </a:p>
+          <a:p>
+            <a:r>
+              <a:rPr lang="en-US" sz="2400" dirty="0"/>
+              <a:t> </a:t>
+            </a:r>
+          </a:p>
+          <a:p>
+            <a:r>
+              <a:rPr lang="en-US" sz="2400" dirty="0"/>
+              <a:t>How effective is this form of description for the receiver? When do these descriptions fail</a:t>
+            </a:r>
+            <a:r>
+              <a:rPr lang="en-US" sz="2400" dirty="0" smtClean="0"/>
+              <a:t>? How </a:t>
+            </a:r>
+            <a:r>
+              <a:rPr lang="en-US" sz="2400" dirty="0"/>
+              <a:t>does it apply to our ability to communicate information objects in any medium in a clear, understandable way?</a:t>
+            </a:r>
+          </a:p>
+          <a:p>
+            <a:endParaRPr lang="en-US" sz="2400" dirty="0"/>
+          </a:p>
+          <a:p>
+            <a:pPr algn="just"/>
+            <a:r>
+              <a:rPr lang="en-US" sz="2400" dirty="0" smtClean="0"/>
+              <a:t> </a:t>
+            </a:r>
+            <a:endParaRPr lang="en-US" sz="4000" dirty="0">
+              <a:solidFill>
+                <a:srgbClr val="31859C"/>
+              </a:solidFill>
+              <a:latin typeface="Mrs Sheppards Regular"/>
+              <a:cs typeface="Mrs Sheppards Regular"/>
+            </a:endParaRPr>
+          </a:p>
+        </p:txBody>
+      </p:sp>
+      <p:graphicFrame>
+        <p:nvGraphicFramePr>
+          <p:cNvPr id="9" name="Table 8"/>
+          <p:cNvGraphicFramePr>
+            <a:graphicFrameLocks noGrp="1"/>
+          </p:cNvGraphicFramePr>
+          <p:nvPr>
+            <p:extLst>
+              <p:ext uri="{D42A27DB-BD31-4B8C-83A1-F6EECF244321}">
+                <p14:modId xmlns:p14="http://schemas.microsoft.com/office/powerpoint/2010/main" val="3648184198"/>
+              </p:ext>
+            </p:extLst>
+          </p:nvPr>
+        </p:nvGraphicFramePr>
+        <p:xfrm>
+          <a:off x="27597686" y="20088860"/>
+          <a:ext cx="15512929" cy="7192260"/>
+        </p:xfrm>
+        <a:graphic>
+          <a:graphicData uri="http://schemas.openxmlformats.org/drawingml/2006/table">
+            <a:tbl>
+              <a:tblPr firstRow="1" bandRow="1">
+                <a:tableStyleId>{7E9639D4-E3E2-4D34-9284-5A2195B3D0D7}</a:tableStyleId>
+              </a:tblPr>
+              <a:tblGrid>
+                <a:gridCol w="3244324"/>
+                <a:gridCol w="7097628"/>
+                <a:gridCol w="5170977"/>
+              </a:tblGrid>
+              <a:tr h="841245">
+                <a:tc>
+                  <a:txBody>
+                    <a:bodyPr/>
+                    <a:lstStyle/>
+                    <a:p>
+                      <a:pPr marL="0" marR="0" algn="ctr">
+                        <a:lnSpc>
+                          <a:spcPct val="115000"/>
+                        </a:lnSpc>
+                        <a:spcBef>
+                          <a:spcPts val="0"/>
+                        </a:spcBef>
+                        <a:spcAft>
+                          <a:spcPts val="0"/>
+                        </a:spcAft>
+                      </a:pPr>
+                      <a:r>
+                        <a:rPr lang="en-US" sz="2800" dirty="0">
+                          <a:effectLst/>
+                          <a:latin typeface="Voltaire"/>
+                          <a:cs typeface="Voltaire"/>
+                        </a:rPr>
+                        <a:t>Film</a:t>
+                      </a:r>
+                      <a:endParaRPr lang="en-US" sz="2800" dirty="0">
+                        <a:solidFill>
+                          <a:srgbClr val="000000"/>
+                        </a:solidFill>
+                        <a:effectLst/>
+                        <a:latin typeface="Voltaire"/>
+                        <a:ea typeface="Arial"/>
+                        <a:cs typeface="Voltaire"/>
+                      </a:endParaRPr>
+                    </a:p>
+                  </a:txBody>
+                  <a:tcPr marL="63500" marR="63500" marT="63500" marB="63500"/>
+                </a:tc>
+                <a:tc>
+                  <a:txBody>
+                    <a:bodyPr/>
+                    <a:lstStyle/>
+                    <a:p>
+                      <a:pPr marL="0" marR="0" algn="ctr">
+                        <a:lnSpc>
+                          <a:spcPct val="115000"/>
+                        </a:lnSpc>
+                        <a:spcBef>
+                          <a:spcPts val="0"/>
+                        </a:spcBef>
+                        <a:spcAft>
+                          <a:spcPts val="0"/>
+                        </a:spcAft>
+                      </a:pPr>
+                      <a:r>
+                        <a:rPr lang="en-US" sz="2800" dirty="0" smtClean="0">
+                          <a:effectLst/>
+                          <a:latin typeface="Voltaire"/>
+                          <a:cs typeface="Voltaire"/>
+                        </a:rPr>
+                        <a:t>Formal Film Description (via IMDB)</a:t>
+                      </a:r>
+                      <a:endParaRPr lang="en-US" sz="2800" dirty="0">
+                        <a:solidFill>
+                          <a:srgbClr val="000000"/>
+                        </a:solidFill>
+                        <a:effectLst/>
+                        <a:latin typeface="Voltaire"/>
+                        <a:ea typeface="Arial"/>
+                        <a:cs typeface="Voltaire"/>
+                      </a:endParaRPr>
+                    </a:p>
+                  </a:txBody>
+                  <a:tcPr marL="63500" marR="63500" marT="63500" marB="63500"/>
+                </a:tc>
+                <a:tc>
+                  <a:txBody>
+                    <a:bodyPr/>
+                    <a:lstStyle/>
+                    <a:p>
+                      <a:pPr marL="0" marR="0" algn="ctr">
+                        <a:lnSpc>
+                          <a:spcPct val="115000"/>
+                        </a:lnSpc>
+                        <a:spcBef>
+                          <a:spcPts val="0"/>
+                        </a:spcBef>
+                        <a:spcAft>
+                          <a:spcPts val="0"/>
+                        </a:spcAft>
+                      </a:pPr>
+                      <a:r>
+                        <a:rPr lang="en-US" sz="2800" dirty="0">
+                          <a:effectLst/>
+                          <a:latin typeface="Voltaire"/>
+                          <a:cs typeface="Voltaire"/>
+                        </a:rPr>
+                        <a:t>Mixture Description</a:t>
+                      </a:r>
+                      <a:endParaRPr lang="en-US" sz="2800" dirty="0">
+                        <a:solidFill>
+                          <a:srgbClr val="000000"/>
+                        </a:solidFill>
+                        <a:effectLst/>
+                        <a:latin typeface="Voltaire"/>
+                        <a:ea typeface="Arial"/>
+                        <a:cs typeface="Voltaire"/>
+                      </a:endParaRPr>
+                    </a:p>
+                  </a:txBody>
+                  <a:tcPr marL="63500" marR="63500" marT="63500" marB="63500"/>
+                </a:tc>
+              </a:tr>
+              <a:tr h="841245">
+                <a:tc>
+                  <a:txBody>
+                    <a:bodyPr/>
+                    <a:lstStyle/>
+                    <a:p>
+                      <a:pPr algn="ctr"/>
+                      <a:r>
+                        <a:rPr lang="en-US" sz="2400" kern="1200" dirty="0" smtClean="0">
+                          <a:effectLst/>
+                          <a:latin typeface="Voltaire"/>
+                          <a:cs typeface="Voltaire"/>
+                        </a:rPr>
+                        <a:t>Daddy Day Care</a:t>
+                      </a:r>
+                      <a:r>
+                        <a:rPr lang="en-US" sz="2400" dirty="0" smtClean="0">
+                          <a:effectLst/>
+                          <a:latin typeface="Voltaire"/>
+                          <a:cs typeface="Voltaire"/>
+                        </a:rPr>
+                        <a:t> </a:t>
+                      </a:r>
+                      <a:endParaRPr lang="en-US" sz="2400" dirty="0">
+                        <a:latin typeface="Voltaire"/>
+                        <a:cs typeface="Voltaire"/>
+                      </a:endParaRPr>
+                    </a:p>
+                  </a:txBody>
+                  <a:tcPr/>
+                </a:tc>
+                <a:tc>
+                  <a:txBody>
+                    <a:bodyPr/>
+                    <a:lstStyle/>
+                    <a:p>
+                      <a:r>
+                        <a:rPr lang="en-US" sz="2000" kern="1200" dirty="0" smtClean="0">
+                          <a:effectLst/>
+                        </a:rPr>
+                        <a:t>Two men get laid off and have to become stay-at-home dads when they can't find jobs. This inspires them to open their own day-care center.</a:t>
+                      </a:r>
+                      <a:r>
+                        <a:rPr lang="en-US" sz="2000" dirty="0" smtClean="0">
+                          <a:effectLst/>
+                        </a:rPr>
+                        <a:t> </a:t>
+                      </a:r>
+                      <a:endParaRPr lang="en-US" sz="2000" dirty="0"/>
+                    </a:p>
+                  </a:txBody>
+                  <a:tcPr/>
+                </a:tc>
+                <a:tc>
+                  <a:txBody>
+                    <a:bodyPr/>
+                    <a:lstStyle/>
+                    <a:p>
+                      <a:pPr algn="ctr"/>
+                      <a:r>
+                        <a:rPr lang="en-US" sz="2400" kern="1200" dirty="0" smtClean="0">
+                          <a:effectLst/>
+                        </a:rPr>
+                        <a:t>“a cross between Mr. Mom and Kindergarten Cop“</a:t>
+                      </a:r>
+                      <a:r>
+                        <a:rPr lang="en-US" sz="2400" dirty="0" smtClean="0">
+                          <a:effectLst/>
+                        </a:rPr>
+                        <a:t> </a:t>
+                      </a:r>
+                      <a:endParaRPr lang="en-US" sz="2400" dirty="0"/>
+                    </a:p>
+                  </a:txBody>
+                  <a:tcPr/>
+                </a:tc>
+              </a:tr>
+              <a:tr h="841245">
+                <a:tc>
+                  <a:txBody>
+                    <a:bodyPr/>
+                    <a:lstStyle/>
+                    <a:p>
+                      <a:pPr marL="0" marR="0" algn="ctr">
+                        <a:lnSpc>
+                          <a:spcPct val="115000"/>
+                        </a:lnSpc>
+                        <a:spcBef>
+                          <a:spcPts val="0"/>
+                        </a:spcBef>
+                        <a:spcAft>
+                          <a:spcPts val="0"/>
+                        </a:spcAft>
+                      </a:pPr>
+                      <a:r>
+                        <a:rPr lang="en-US" sz="2400" dirty="0" err="1">
+                          <a:effectLst/>
+                          <a:latin typeface="Voltaire"/>
+                          <a:cs typeface="Voltaire"/>
+                        </a:rPr>
+                        <a:t>Looper</a:t>
+                      </a:r>
+                      <a:endParaRPr lang="en-US" sz="2400" dirty="0">
+                        <a:solidFill>
+                          <a:srgbClr val="000000"/>
+                        </a:solidFill>
+                        <a:effectLst/>
+                        <a:latin typeface="Voltaire"/>
+                        <a:ea typeface="Arial"/>
+                        <a:cs typeface="Voltaire"/>
+                      </a:endParaRPr>
+                    </a:p>
+                  </a:txBody>
+                  <a:tcPr marL="63500" marR="63500" marT="63500" marB="63500"/>
+                </a:tc>
+                <a:tc>
+                  <a:txBody>
+                    <a:bodyPr/>
+                    <a:lstStyle/>
+                    <a:p>
+                      <a:pPr marL="0" marR="0">
+                        <a:lnSpc>
+                          <a:spcPct val="115000"/>
+                        </a:lnSpc>
+                        <a:spcBef>
+                          <a:spcPts val="0"/>
+                        </a:spcBef>
+                        <a:spcAft>
+                          <a:spcPts val="0"/>
+                        </a:spcAft>
+                      </a:pPr>
+                      <a:r>
+                        <a:rPr lang="en-US" sz="2000" dirty="0">
+                          <a:effectLst/>
+                        </a:rPr>
+                        <a:t>In 2074, when the mob wants to get rid of someone, the target is sent into the past, where a hired gun awaits - someone like Joe - who one day learns the mob wants to 'close the loop' by sending back Joe's future self for assassination.</a:t>
+                      </a:r>
+                      <a:endParaRPr lang="en-US" sz="2000" dirty="0">
+                        <a:solidFill>
+                          <a:srgbClr val="000000"/>
+                        </a:solidFill>
+                        <a:effectLst/>
+                        <a:latin typeface="Arial"/>
+                        <a:ea typeface="Arial"/>
+                      </a:endParaRPr>
+                    </a:p>
+                  </a:txBody>
+                  <a:tcPr marL="63500" marR="63500" marT="63500" marB="63500"/>
+                </a:tc>
+                <a:tc>
+                  <a:txBody>
+                    <a:bodyPr/>
+                    <a:lstStyle/>
+                    <a:p>
+                      <a:pPr marL="0" marR="0" algn="ctr">
+                        <a:lnSpc>
+                          <a:spcPct val="115000"/>
+                        </a:lnSpc>
+                        <a:spcBef>
+                          <a:spcPts val="0"/>
+                        </a:spcBef>
+                        <a:spcAft>
+                          <a:spcPts val="0"/>
+                        </a:spcAft>
+                      </a:pPr>
+                      <a:r>
+                        <a:rPr lang="en-US" sz="2400" dirty="0">
+                          <a:effectLst/>
+                        </a:rPr>
+                        <a:t>“12 Monkeys meets The Terminator”</a:t>
+                      </a:r>
+                      <a:endParaRPr lang="en-US" sz="2400" dirty="0">
+                        <a:solidFill>
+                          <a:srgbClr val="000000"/>
+                        </a:solidFill>
+                        <a:effectLst/>
+                        <a:latin typeface="Arial"/>
+                        <a:ea typeface="Arial"/>
+                      </a:endParaRPr>
+                    </a:p>
+                  </a:txBody>
+                  <a:tcPr marL="63500" marR="63500" marT="63500" marB="63500"/>
+                </a:tc>
+              </a:tr>
+              <a:tr h="841245">
+                <a:tc>
+                  <a:txBody>
+                    <a:bodyPr/>
+                    <a:lstStyle/>
+                    <a:p>
+                      <a:pPr marL="0" marR="0" algn="ctr">
+                        <a:lnSpc>
+                          <a:spcPct val="115000"/>
+                        </a:lnSpc>
+                        <a:spcBef>
+                          <a:spcPts val="0"/>
+                        </a:spcBef>
+                        <a:spcAft>
+                          <a:spcPts val="0"/>
+                        </a:spcAft>
+                      </a:pPr>
+                      <a:r>
+                        <a:rPr lang="en-US" sz="2400" dirty="0">
+                          <a:effectLst/>
+                          <a:latin typeface="Voltaire"/>
+                          <a:cs typeface="Voltaire"/>
+                        </a:rPr>
+                        <a:t>The </a:t>
+                      </a:r>
+                      <a:r>
+                        <a:rPr lang="en-US" sz="2400" dirty="0" err="1">
+                          <a:effectLst/>
+                          <a:latin typeface="Voltaire"/>
+                          <a:cs typeface="Voltaire"/>
+                        </a:rPr>
+                        <a:t>Incredibles</a:t>
+                      </a:r>
+                      <a:endParaRPr lang="en-US" sz="2400" dirty="0">
+                        <a:solidFill>
+                          <a:srgbClr val="000000"/>
+                        </a:solidFill>
+                        <a:effectLst/>
+                        <a:latin typeface="Voltaire"/>
+                        <a:ea typeface="Arial"/>
+                        <a:cs typeface="Voltaire"/>
+                      </a:endParaRPr>
+                    </a:p>
+                  </a:txBody>
+                  <a:tcPr marL="63500" marR="63500" marT="63500" marB="63500"/>
+                </a:tc>
+                <a:tc>
+                  <a:txBody>
+                    <a:bodyPr/>
+                    <a:lstStyle/>
+                    <a:p>
+                      <a:pPr marL="0" marR="0">
+                        <a:lnSpc>
+                          <a:spcPct val="115000"/>
+                        </a:lnSpc>
+                        <a:spcBef>
+                          <a:spcPts val="0"/>
+                        </a:spcBef>
+                        <a:spcAft>
+                          <a:spcPts val="0"/>
+                        </a:spcAft>
+                      </a:pPr>
+                      <a:r>
+                        <a:rPr lang="en-US" sz="2000" dirty="0">
+                          <a:effectLst/>
+                        </a:rPr>
+                        <a:t>A family of undercover superheroes, while trying to live the quiet suburban life, are forced into action to save the world.</a:t>
+                      </a:r>
+                      <a:endParaRPr lang="en-US" sz="2000" dirty="0">
+                        <a:solidFill>
+                          <a:srgbClr val="000000"/>
+                        </a:solidFill>
+                        <a:effectLst/>
+                        <a:latin typeface="Arial"/>
+                        <a:ea typeface="Arial"/>
+                      </a:endParaRPr>
+                    </a:p>
+                  </a:txBody>
+                  <a:tcPr marL="63500" marR="63500" marT="63500" marB="63500"/>
+                </a:tc>
+                <a:tc>
+                  <a:txBody>
+                    <a:bodyPr/>
+                    <a:lstStyle/>
+                    <a:p>
+                      <a:pPr marL="0" marR="0" algn="ctr">
+                        <a:lnSpc>
+                          <a:spcPct val="115000"/>
+                        </a:lnSpc>
+                        <a:spcBef>
+                          <a:spcPts val="0"/>
+                        </a:spcBef>
+                        <a:spcAft>
+                          <a:spcPts val="0"/>
+                        </a:spcAft>
+                      </a:pPr>
+                      <a:r>
+                        <a:rPr lang="en-US" sz="2400">
+                          <a:effectLst/>
+                        </a:rPr>
+                        <a:t>“a cross between Toy Story, Superman, and Office Space.”</a:t>
+                      </a:r>
+                      <a:endParaRPr lang="en-US" sz="2400">
+                        <a:solidFill>
+                          <a:srgbClr val="000000"/>
+                        </a:solidFill>
+                        <a:effectLst/>
+                        <a:latin typeface="Arial"/>
+                        <a:ea typeface="Arial"/>
+                      </a:endParaRPr>
+                    </a:p>
+                  </a:txBody>
+                  <a:tcPr marL="63500" marR="63500" marT="63500" marB="63500"/>
+                </a:tc>
+              </a:tr>
+              <a:tr h="841245">
+                <a:tc>
+                  <a:txBody>
+                    <a:bodyPr/>
+                    <a:lstStyle/>
+                    <a:p>
+                      <a:pPr marL="0" marR="0" algn="ctr">
+                        <a:lnSpc>
+                          <a:spcPct val="115000"/>
+                        </a:lnSpc>
+                        <a:spcBef>
+                          <a:spcPts val="0"/>
+                        </a:spcBef>
+                        <a:spcAft>
+                          <a:spcPts val="0"/>
+                        </a:spcAft>
+                      </a:pPr>
+                      <a:r>
+                        <a:rPr lang="en-US" sz="2400">
+                          <a:effectLst/>
+                          <a:latin typeface="Voltaire"/>
+                          <a:cs typeface="Voltaire"/>
+                        </a:rPr>
+                        <a:t>Spacehunter</a:t>
+                      </a:r>
+                      <a:endParaRPr lang="en-US" sz="2400">
+                        <a:solidFill>
+                          <a:srgbClr val="000000"/>
+                        </a:solidFill>
+                        <a:effectLst/>
+                        <a:latin typeface="Voltaire"/>
+                        <a:ea typeface="Arial"/>
+                        <a:cs typeface="Voltaire"/>
+                      </a:endParaRPr>
+                    </a:p>
+                  </a:txBody>
+                  <a:tcPr marL="63500" marR="63500" marT="63500" marB="63500"/>
+                </a:tc>
+                <a:tc>
+                  <a:txBody>
+                    <a:bodyPr/>
+                    <a:lstStyle/>
+                    <a:p>
+                      <a:pPr marL="0" marR="0">
+                        <a:lnSpc>
+                          <a:spcPct val="115000"/>
+                        </a:lnSpc>
+                        <a:spcBef>
+                          <a:spcPts val="0"/>
+                        </a:spcBef>
+                        <a:spcAft>
+                          <a:spcPts val="0"/>
+                        </a:spcAft>
+                      </a:pPr>
+                      <a:r>
+                        <a:rPr lang="en-US" sz="2000" dirty="0">
+                          <a:effectLst/>
+                        </a:rPr>
+                        <a:t>Three women makes an emergency landing on a planet plagued with a fatal disease, but are captured by dictator </a:t>
+                      </a:r>
+                      <a:r>
+                        <a:rPr lang="en-US" sz="2000" dirty="0" err="1">
+                          <a:effectLst/>
+                        </a:rPr>
+                        <a:t>Overdog</a:t>
+                      </a:r>
+                      <a:r>
+                        <a:rPr lang="en-US" sz="2000" dirty="0">
+                          <a:effectLst/>
+                        </a:rPr>
+                        <a:t>. Adventurer Wolff goes there to rescue them and meets </a:t>
+                      </a:r>
+                      <a:r>
+                        <a:rPr lang="en-US" sz="2000" dirty="0" err="1">
+                          <a:effectLst/>
+                        </a:rPr>
+                        <a:t>Niki</a:t>
+                      </a:r>
+                      <a:r>
+                        <a:rPr lang="en-US" sz="2000" dirty="0">
+                          <a:effectLst/>
+                        </a:rPr>
+                        <a:t>, the only Earthling left from a medical expedition. Combining their talents, they try to rescue the women.</a:t>
+                      </a:r>
+                      <a:endParaRPr lang="en-US" sz="2000" dirty="0">
+                        <a:solidFill>
+                          <a:srgbClr val="000000"/>
+                        </a:solidFill>
+                        <a:effectLst/>
+                        <a:latin typeface="Arial"/>
+                        <a:ea typeface="Arial"/>
+                      </a:endParaRPr>
+                    </a:p>
+                  </a:txBody>
+                  <a:tcPr marL="63500" marR="63500" marT="63500" marB="63500"/>
+                </a:tc>
+                <a:tc>
+                  <a:txBody>
+                    <a:bodyPr/>
+                    <a:lstStyle/>
+                    <a:p>
+                      <a:pPr marL="0" marR="0" algn="ctr">
+                        <a:lnSpc>
+                          <a:spcPct val="115000"/>
+                        </a:lnSpc>
+                        <a:spcBef>
+                          <a:spcPts val="0"/>
+                        </a:spcBef>
+                        <a:spcAft>
+                          <a:spcPts val="0"/>
+                        </a:spcAft>
+                      </a:pPr>
+                      <a:r>
+                        <a:rPr lang="en-US" sz="2400" dirty="0">
+                          <a:effectLst/>
+                        </a:rPr>
+                        <a:t>“Mad Max Meets Star Wars”</a:t>
+                      </a:r>
+                    </a:p>
+                    <a:p>
+                      <a:pPr marL="0" marR="0" algn="ctr">
+                        <a:lnSpc>
+                          <a:spcPct val="115000"/>
+                        </a:lnSpc>
+                        <a:spcBef>
+                          <a:spcPts val="0"/>
+                        </a:spcBef>
+                        <a:spcAft>
+                          <a:spcPts val="0"/>
+                        </a:spcAft>
+                      </a:pPr>
+                      <a:r>
+                        <a:rPr lang="en-US" sz="2400" dirty="0">
+                          <a:effectLst/>
+                        </a:rPr>
+                        <a:t>“Mad Max in space”</a:t>
+                      </a:r>
+                      <a:endParaRPr lang="en-US" sz="2400" dirty="0">
+                        <a:solidFill>
+                          <a:srgbClr val="000000"/>
+                        </a:solidFill>
+                        <a:effectLst/>
+                        <a:latin typeface="Arial"/>
+                        <a:ea typeface="Arial"/>
+                      </a:endParaRPr>
+                    </a:p>
+                  </a:txBody>
+                  <a:tcPr marL="63500" marR="63500" marT="63500" marB="63500"/>
+                </a:tc>
+              </a:tr>
+              <a:tr h="841245">
+                <a:tc>
+                  <a:txBody>
+                    <a:bodyPr/>
+                    <a:lstStyle/>
+                    <a:p>
+                      <a:pPr marL="0" marR="0" algn="ctr">
+                        <a:lnSpc>
+                          <a:spcPct val="115000"/>
+                        </a:lnSpc>
+                        <a:spcBef>
+                          <a:spcPts val="0"/>
+                        </a:spcBef>
+                        <a:spcAft>
+                          <a:spcPts val="0"/>
+                        </a:spcAft>
+                      </a:pPr>
+                      <a:r>
+                        <a:rPr lang="en-US" sz="2400" dirty="0">
+                          <a:effectLst/>
+                          <a:latin typeface="Voltaire"/>
+                          <a:cs typeface="Voltaire"/>
+                        </a:rPr>
+                        <a:t>Last of the Mohicans</a:t>
+                      </a:r>
+                      <a:endParaRPr lang="en-US" sz="2400" dirty="0">
+                        <a:solidFill>
+                          <a:srgbClr val="000000"/>
+                        </a:solidFill>
+                        <a:effectLst/>
+                        <a:latin typeface="Voltaire"/>
+                        <a:ea typeface="Arial"/>
+                        <a:cs typeface="Voltaire"/>
+                      </a:endParaRPr>
+                    </a:p>
+                  </a:txBody>
+                  <a:tcPr marL="63500" marR="63500" marT="63500" marB="63500"/>
+                </a:tc>
+                <a:tc>
+                  <a:txBody>
+                    <a:bodyPr/>
+                    <a:lstStyle/>
+                    <a:p>
+                      <a:pPr marL="0" marR="0">
+                        <a:lnSpc>
+                          <a:spcPct val="115000"/>
+                        </a:lnSpc>
+                        <a:spcBef>
+                          <a:spcPts val="0"/>
+                        </a:spcBef>
+                        <a:spcAft>
+                          <a:spcPts val="0"/>
+                        </a:spcAft>
+                      </a:pPr>
+                      <a:r>
+                        <a:rPr lang="en-US" sz="2000" dirty="0">
+                          <a:effectLst/>
+                        </a:rPr>
+                        <a:t>Three trappers protect a British Colonel's daughters in the midst of the French and Indian War.</a:t>
+                      </a:r>
+                      <a:endParaRPr lang="en-US" sz="2000" dirty="0">
+                        <a:solidFill>
+                          <a:srgbClr val="000000"/>
+                        </a:solidFill>
+                        <a:effectLst/>
+                        <a:latin typeface="Arial"/>
+                        <a:ea typeface="Arial"/>
+                      </a:endParaRPr>
+                    </a:p>
+                  </a:txBody>
+                  <a:tcPr marL="63500" marR="63500" marT="63500" marB="63500"/>
+                </a:tc>
+                <a:tc>
+                  <a:txBody>
+                    <a:bodyPr/>
+                    <a:lstStyle/>
+                    <a:p>
+                      <a:pPr marL="0" marR="0" algn="ctr">
+                        <a:lnSpc>
+                          <a:spcPct val="115000"/>
+                        </a:lnSpc>
+                        <a:spcBef>
+                          <a:spcPts val="0"/>
+                        </a:spcBef>
+                        <a:spcAft>
+                          <a:spcPts val="0"/>
+                        </a:spcAft>
+                      </a:pPr>
+                      <a:r>
+                        <a:rPr lang="en-US" sz="2400" dirty="0">
+                          <a:effectLst/>
+                        </a:rPr>
+                        <a:t>“Dances With Wolves meets Miami Vice”</a:t>
+                      </a:r>
+                      <a:endParaRPr lang="en-US" sz="2400" dirty="0">
+                        <a:solidFill>
+                          <a:srgbClr val="000000"/>
+                        </a:solidFill>
+                        <a:effectLst/>
+                        <a:latin typeface="Arial"/>
+                        <a:ea typeface="Arial"/>
+                      </a:endParaRPr>
+                    </a:p>
+                  </a:txBody>
+                  <a:tcPr marL="63500" marR="63500" marT="63500" marB="63500"/>
+                </a:tc>
+              </a:tr>
+            </a:tbl>
+          </a:graphicData>
+        </a:graphic>
+      </p:graphicFrame>
+      <p:sp>
+        <p:nvSpPr>
+          <p:cNvPr id="10" name="Rectangle 9"/>
+          <p:cNvSpPr/>
+          <p:nvPr/>
+        </p:nvSpPr>
+        <p:spPr>
+          <a:xfrm>
+            <a:off x="34131909" y="19178922"/>
+            <a:ext cx="2274982" cy="830997"/>
+          </a:xfrm>
+          <a:prstGeom prst="rect">
+            <a:avLst/>
+          </a:prstGeom>
+        </p:spPr>
+        <p:txBody>
+          <a:bodyPr wrap="none">
+            <a:spAutoFit/>
+          </a:bodyPr>
+          <a:lstStyle/>
+          <a:p>
+            <a:pPr algn="ctr"/>
+            <a:r>
+              <a:rPr lang="en-US" sz="4800" dirty="0" smtClean="0">
+                <a:solidFill>
+                  <a:schemeClr val="accent5">
+                    <a:lumMod val="75000"/>
+                  </a:schemeClr>
+                </a:solidFill>
+                <a:latin typeface="Yellowtail"/>
+                <a:cs typeface="Yellowtail"/>
+              </a:rPr>
+              <a:t>Examples</a:t>
+            </a:r>
+            <a:endParaRPr lang="en-US" sz="4800" dirty="0">
+              <a:solidFill>
+                <a:schemeClr val="accent5">
+                  <a:lumMod val="75000"/>
+                </a:schemeClr>
+              </a:solidFill>
+              <a:latin typeface="Yellowtail"/>
+              <a:cs typeface="Yellowtail"/>
+            </a:endParaRPr>
+          </a:p>
+        </p:txBody>
+      </p:sp>
+      <p:sp>
+        <p:nvSpPr>
+          <p:cNvPr id="8" name="Freeform 7"/>
+          <p:cNvSpPr/>
+          <p:nvPr/>
+        </p:nvSpPr>
+        <p:spPr>
+          <a:xfrm>
+            <a:off x="27228787" y="27904050"/>
+            <a:ext cx="5385270" cy="2844800"/>
+          </a:xfrm>
+          <a:custGeom>
+            <a:avLst/>
+            <a:gdLst>
+              <a:gd name="connsiteX0" fmla="*/ 0 w 5385270"/>
+              <a:gd name="connsiteY0" fmla="*/ 2844800 h 2844800"/>
+              <a:gd name="connsiteX1" fmla="*/ 812800 w 5385270"/>
+              <a:gd name="connsiteY1" fmla="*/ 1930400 h 2844800"/>
+              <a:gd name="connsiteX2" fmla="*/ 2692400 w 5385270"/>
+              <a:gd name="connsiteY2" fmla="*/ 2336800 h 2844800"/>
+              <a:gd name="connsiteX3" fmla="*/ 3403600 w 5385270"/>
+              <a:gd name="connsiteY3" fmla="*/ 1016000 h 2844800"/>
+              <a:gd name="connsiteX4" fmla="*/ 4368800 w 5385270"/>
+              <a:gd name="connsiteY4" fmla="*/ 152400 h 2844800"/>
+              <a:gd name="connsiteX5" fmla="*/ 5232400 w 5385270"/>
+              <a:gd name="connsiteY5" fmla="*/ 152400 h 2844800"/>
+              <a:gd name="connsiteX6" fmla="*/ 5384800 w 5385270"/>
+              <a:gd name="connsiteY6" fmla="*/ 0 h 2844800"/>
+            </a:gdLst>
+            <a:ahLst/>
+            <a:cxnLst>
+              <a:cxn ang="0">
+                <a:pos x="connsiteX0" y="connsiteY0"/>
+              </a:cxn>
+              <a:cxn ang="0">
+                <a:pos x="connsiteX1" y="connsiteY1"/>
+              </a:cxn>
+              <a:cxn ang="0">
+                <a:pos x="connsiteX2" y="connsiteY2"/>
+              </a:cxn>
+              <a:cxn ang="0">
+                <a:pos x="connsiteX3" y="connsiteY3"/>
+              </a:cxn>
+              <a:cxn ang="0">
+                <a:pos x="connsiteX4" y="connsiteY4"/>
+              </a:cxn>
+              <a:cxn ang="0">
+                <a:pos x="connsiteX5" y="connsiteY5"/>
+              </a:cxn>
+              <a:cxn ang="0">
+                <a:pos x="connsiteX6" y="connsiteY6"/>
+              </a:cxn>
+            </a:cxnLst>
+            <a:rect l="l" t="t" r="r" b="b"/>
+            <a:pathLst>
+              <a:path w="5385270" h="2844800">
+                <a:moveTo>
+                  <a:pt x="0" y="2844800"/>
+                </a:moveTo>
+                <a:cubicBezTo>
+                  <a:pt x="182033" y="2429933"/>
+                  <a:pt x="364067" y="2015067"/>
+                  <a:pt x="812800" y="1930400"/>
+                </a:cubicBezTo>
+                <a:cubicBezTo>
+                  <a:pt x="1261533" y="1845733"/>
+                  <a:pt x="2260600" y="2489200"/>
+                  <a:pt x="2692400" y="2336800"/>
+                </a:cubicBezTo>
+                <a:cubicBezTo>
+                  <a:pt x="3124200" y="2184400"/>
+                  <a:pt x="3124200" y="1380067"/>
+                  <a:pt x="3403600" y="1016000"/>
+                </a:cubicBezTo>
+                <a:cubicBezTo>
+                  <a:pt x="3683000" y="651933"/>
+                  <a:pt x="4064000" y="296333"/>
+                  <a:pt x="4368800" y="152400"/>
+                </a:cubicBezTo>
+                <a:cubicBezTo>
+                  <a:pt x="4673600" y="8467"/>
+                  <a:pt x="5063067" y="177800"/>
+                  <a:pt x="5232400" y="152400"/>
+                </a:cubicBezTo>
+                <a:cubicBezTo>
+                  <a:pt x="5401733" y="127000"/>
+                  <a:pt x="5384800" y="0"/>
+                  <a:pt x="5384800" y="0"/>
+                </a:cubicBezTo>
+              </a:path>
+            </a:pathLst>
+          </a:custGeom>
+          <a:noFill/>
+          <a:ln w="76200" cmpd="sng">
+            <a:solidFill>
+              <a:schemeClr val="accent2">
+                <a:lumMod val="75000"/>
+              </a:schemeClr>
+            </a:solidFill>
+            <a:prstDash val="dash"/>
+          </a:ln>
+        </p:spPr>
+        <p:style>
+          <a:lnRef idx="2">
+            <a:schemeClr val="accent1"/>
+          </a:lnRef>
+          <a:fillRef idx="0">
+            <a:schemeClr val="accent1"/>
+          </a:fillRef>
+          <a:effectRef idx="1">
+            <a:schemeClr val="accent1"/>
+          </a:effectRef>
+          <a:fontRef idx="minor">
+            <a:schemeClr val="tx1"/>
+          </a:fontRef>
+        </p:style>
+        <p:txBody>
+          <a:bodyPr rtlCol="0" anchor="ctr"/>
+          <a:lstStyle/>
+          <a:p>
+            <a:pPr algn="ctr"/>
+            <a:endParaRPr lang="en-US">
+              <a:solidFill>
+                <a:srgbClr val="953735"/>
+              </a:solidFill>
+            </a:endParaRPr>
+          </a:p>
+        </p:txBody>
+      </p:sp>
+      <p:sp>
+        <p:nvSpPr>
+          <p:cNvPr id="13" name="Rectangle 12"/>
+          <p:cNvSpPr/>
+          <p:nvPr/>
+        </p:nvSpPr>
+        <p:spPr>
+          <a:xfrm>
+            <a:off x="1600200" y="327452"/>
+            <a:ext cx="11120178" cy="3231654"/>
+          </a:xfrm>
+          <a:prstGeom prst="rect">
+            <a:avLst/>
+          </a:prstGeom>
+        </p:spPr>
+        <p:txBody>
+          <a:bodyPr wrap="square">
+            <a:spAutoFit/>
+          </a:bodyPr>
+          <a:lstStyle/>
+          <a:p>
+            <a:pPr algn="ctr"/>
+            <a:r>
+              <a:rPr lang="en-US" sz="5400" dirty="0" smtClean="0">
+                <a:solidFill>
+                  <a:schemeClr val="accent5">
+                    <a:lumMod val="75000"/>
+                  </a:schemeClr>
+                </a:solidFill>
+                <a:latin typeface="Yellowtail"/>
+                <a:cs typeface="Yellowtail"/>
+              </a:rPr>
+              <a:t>Case Study: Super 8</a:t>
+            </a:r>
+          </a:p>
+          <a:p>
+            <a:pPr algn="ctr"/>
+            <a:r>
+              <a:rPr lang="en-US" sz="2400" dirty="0"/>
+              <a:t>Super 8 is 2011 Science-Fiction Adventure film, directed by J.J. </a:t>
+            </a:r>
+            <a:r>
+              <a:rPr lang="en-US" sz="2400" dirty="0" smtClean="0"/>
+              <a:t>Abrams</a:t>
+            </a:r>
+            <a:r>
+              <a:rPr lang="en-US" sz="2400" dirty="0"/>
+              <a:t>. The film is an homage to 70s and 80s Spielberg films in script and in style, causing many reviewers recall </a:t>
+            </a:r>
+            <a:r>
+              <a:rPr lang="en-US" sz="2400" dirty="0" smtClean="0"/>
+              <a:t>films from that period and genre. Some of the descriptions overlap with the director’s stated influences, others are inferred similarities.</a:t>
+            </a:r>
+            <a:endParaRPr lang="en-US" sz="2400" dirty="0"/>
+          </a:p>
+          <a:p>
+            <a:pPr algn="ctr"/>
+            <a:endParaRPr lang="en-US" sz="5400" dirty="0">
+              <a:solidFill>
+                <a:schemeClr val="accent5">
+                  <a:lumMod val="75000"/>
+                </a:schemeClr>
+              </a:solidFill>
+              <a:latin typeface="Yellowtail"/>
+              <a:cs typeface="Yellowtail"/>
+            </a:endParaRPr>
+          </a:p>
+        </p:txBody>
+      </p:sp>
+      <p:graphicFrame>
+        <p:nvGraphicFramePr>
+          <p:cNvPr id="18" name="Table 17"/>
+          <p:cNvGraphicFramePr>
+            <a:graphicFrameLocks noGrp="1"/>
+          </p:cNvGraphicFramePr>
+          <p:nvPr>
+            <p:extLst>
+              <p:ext uri="{D42A27DB-BD31-4B8C-83A1-F6EECF244321}">
+                <p14:modId xmlns:p14="http://schemas.microsoft.com/office/powerpoint/2010/main" val="2655445592"/>
+              </p:ext>
+            </p:extLst>
+          </p:nvPr>
+        </p:nvGraphicFramePr>
+        <p:xfrm>
+          <a:off x="1725273" y="13020194"/>
+          <a:ext cx="12595653" cy="11605767"/>
+        </p:xfrm>
+        <a:graphic>
+          <a:graphicData uri="http://schemas.openxmlformats.org/drawingml/2006/table">
+            <a:tbl>
+              <a:tblPr firstRow="1" bandRow="1">
+                <a:tableStyleId>{7E9639D4-E3E2-4D34-9284-5A2195B3D0D7}</a:tableStyleId>
+              </a:tblPr>
+              <a:tblGrid>
+                <a:gridCol w="752426"/>
+                <a:gridCol w="3966663"/>
+                <a:gridCol w="7876564"/>
+              </a:tblGrid>
+              <a:tr h="458694">
+                <a:tc>
+                  <a:txBody>
+                    <a:bodyPr/>
+                    <a:lstStyle/>
+                    <a:p>
+                      <a:pPr marL="0" marR="0">
+                        <a:lnSpc>
+                          <a:spcPct val="115000"/>
+                        </a:lnSpc>
+                        <a:spcBef>
+                          <a:spcPts val="0"/>
+                        </a:spcBef>
+                        <a:spcAft>
+                          <a:spcPts val="0"/>
+                        </a:spcAft>
+                      </a:pPr>
+                      <a:r>
+                        <a:rPr lang="en-US" sz="2800" dirty="0">
+                          <a:effectLst/>
+                        </a:rPr>
+                        <a:t> </a:t>
+                      </a:r>
+                      <a:endParaRPr lang="en-US" sz="2800" dirty="0">
+                        <a:solidFill>
+                          <a:srgbClr val="000000"/>
+                        </a:solidFill>
+                        <a:effectLst/>
+                        <a:latin typeface="Arial"/>
+                        <a:ea typeface="Arial"/>
+                        <a:cs typeface="Arial"/>
+                      </a:endParaRPr>
+                    </a:p>
+                  </a:txBody>
+                  <a:tcPr marL="63500" marR="63500" marT="63500" marB="63500"/>
+                </a:tc>
+                <a:tc>
+                  <a:txBody>
+                    <a:bodyPr/>
+                    <a:lstStyle/>
+                    <a:p>
+                      <a:pPr marL="0" marR="0" algn="ctr">
+                        <a:lnSpc>
+                          <a:spcPct val="115000"/>
+                        </a:lnSpc>
+                        <a:spcBef>
+                          <a:spcPts val="0"/>
+                        </a:spcBef>
+                        <a:spcAft>
+                          <a:spcPts val="0"/>
+                        </a:spcAft>
+                      </a:pPr>
+                      <a:r>
+                        <a:rPr lang="en-US" sz="2800" dirty="0">
+                          <a:effectLst/>
+                          <a:latin typeface="Voltaire"/>
+                          <a:cs typeface="Voltaire"/>
+                        </a:rPr>
+                        <a:t>Qualified</a:t>
+                      </a:r>
+                      <a:endParaRPr lang="en-US" sz="2800" dirty="0">
+                        <a:solidFill>
+                          <a:srgbClr val="000000"/>
+                        </a:solidFill>
+                        <a:effectLst/>
+                        <a:latin typeface="Voltaire"/>
+                        <a:ea typeface="Arial"/>
+                        <a:cs typeface="Voltaire"/>
+                      </a:endParaRPr>
+                    </a:p>
+                  </a:txBody>
+                  <a:tcPr marL="63500" marR="63500" marT="63500" marB="63500"/>
+                </a:tc>
+                <a:tc>
+                  <a:txBody>
+                    <a:bodyPr/>
+                    <a:lstStyle/>
+                    <a:p>
+                      <a:pPr marL="0" marR="0" algn="ctr">
+                        <a:lnSpc>
+                          <a:spcPct val="115000"/>
+                        </a:lnSpc>
+                        <a:spcBef>
+                          <a:spcPts val="0"/>
+                        </a:spcBef>
+                        <a:spcAft>
+                          <a:spcPts val="0"/>
+                        </a:spcAft>
+                      </a:pPr>
+                      <a:r>
+                        <a:rPr lang="en-US" sz="2800" dirty="0">
+                          <a:effectLst/>
+                          <a:latin typeface="Voltaire"/>
+                          <a:cs typeface="Voltaire"/>
+                        </a:rPr>
+                        <a:t>Unqualified</a:t>
+                      </a:r>
+                      <a:endParaRPr lang="en-US" sz="2800" dirty="0">
+                        <a:solidFill>
+                          <a:srgbClr val="000000"/>
+                        </a:solidFill>
+                        <a:effectLst/>
+                        <a:latin typeface="Voltaire"/>
+                        <a:ea typeface="Arial"/>
+                        <a:cs typeface="Voltaire"/>
+                      </a:endParaRPr>
+                    </a:p>
+                  </a:txBody>
+                  <a:tcPr marL="63500" marR="63500" marT="63500" marB="63500"/>
+                </a:tc>
+              </a:tr>
+              <a:tr h="1306022">
+                <a:tc>
+                  <a:txBody>
+                    <a:bodyPr/>
+                    <a:lstStyle/>
+                    <a:p>
+                      <a:pPr marL="0" marR="0" algn="ctr">
+                        <a:lnSpc>
+                          <a:spcPct val="115000"/>
+                        </a:lnSpc>
+                        <a:spcBef>
+                          <a:spcPts val="0"/>
+                        </a:spcBef>
+                        <a:spcAft>
+                          <a:spcPts val="0"/>
+                        </a:spcAft>
+                      </a:pPr>
+                      <a:r>
+                        <a:rPr lang="en-US" sz="2800" dirty="0">
+                          <a:effectLst/>
+                          <a:latin typeface="Voltaire"/>
+                          <a:cs typeface="Voltaire"/>
+                        </a:rPr>
+                        <a:t>Single-Film</a:t>
+                      </a:r>
+                      <a:endParaRPr lang="en-US" sz="2800" dirty="0">
+                        <a:solidFill>
+                          <a:srgbClr val="000000"/>
+                        </a:solidFill>
+                        <a:effectLst/>
+                        <a:latin typeface="Voltaire"/>
+                        <a:ea typeface="Arial"/>
+                        <a:cs typeface="Voltaire"/>
+                      </a:endParaRPr>
+                    </a:p>
+                  </a:txBody>
+                  <a:tcPr marL="63500" marR="63500" marT="63500" marB="63500" vert="vert270"/>
+                </a:tc>
+                <a:tc>
+                  <a:txBody>
+                    <a:bodyPr/>
+                    <a:lstStyle/>
+                    <a:p>
+                      <a:pPr marL="0" marR="0">
+                        <a:lnSpc>
+                          <a:spcPct val="115000"/>
+                        </a:lnSpc>
+                        <a:spcBef>
+                          <a:spcPts val="0"/>
+                        </a:spcBef>
+                        <a:spcAft>
+                          <a:spcPts val="1000"/>
+                        </a:spcAft>
+                      </a:pPr>
+                      <a:r>
+                        <a:rPr lang="en-US" sz="2000">
+                          <a:effectLst/>
+                        </a:rPr>
+                        <a:t>ET revisited, modern style</a:t>
+                      </a:r>
+                    </a:p>
+                    <a:p>
+                      <a:pPr marL="0" marR="0">
+                        <a:lnSpc>
+                          <a:spcPct val="115000"/>
+                        </a:lnSpc>
+                        <a:spcBef>
+                          <a:spcPts val="0"/>
+                        </a:spcBef>
+                        <a:spcAft>
+                          <a:spcPts val="1000"/>
+                        </a:spcAft>
+                      </a:pPr>
+                      <a:r>
+                        <a:rPr lang="en-US" sz="2000">
+                          <a:effectLst/>
+                        </a:rPr>
+                        <a:t>The Goonies for the new millenium!</a:t>
+                      </a:r>
+                    </a:p>
+                    <a:p>
+                      <a:pPr marL="0" marR="0">
+                        <a:lnSpc>
+                          <a:spcPct val="115000"/>
+                        </a:lnSpc>
+                        <a:spcBef>
+                          <a:spcPts val="0"/>
+                        </a:spcBef>
+                        <a:spcAft>
+                          <a:spcPts val="0"/>
+                        </a:spcAft>
+                      </a:pPr>
+                      <a:r>
+                        <a:rPr lang="en-US" sz="2000">
+                          <a:effectLst/>
+                        </a:rPr>
+                        <a:t>Had potential for 5 stars, but faded into an ET clone at end</a:t>
+                      </a:r>
+                      <a:endParaRPr lang="en-US" sz="2000">
+                        <a:solidFill>
+                          <a:srgbClr val="000000"/>
+                        </a:solidFill>
+                        <a:effectLst/>
+                        <a:latin typeface="Arial"/>
+                        <a:ea typeface="Arial"/>
+                        <a:cs typeface="Arial"/>
+                      </a:endParaRPr>
+                    </a:p>
+                  </a:txBody>
+                  <a:tcPr marL="63500" marR="63500" marT="63500" marB="63500"/>
+                </a:tc>
+                <a:tc>
+                  <a:txBody>
+                    <a:bodyPr/>
+                    <a:lstStyle/>
+                    <a:p>
+                      <a:pPr marL="0" marR="0">
+                        <a:lnSpc>
+                          <a:spcPct val="115000"/>
+                        </a:lnSpc>
+                        <a:spcBef>
+                          <a:spcPts val="0"/>
+                        </a:spcBef>
+                        <a:spcAft>
+                          <a:spcPts val="0"/>
+                        </a:spcAft>
+                      </a:pPr>
+                      <a:r>
+                        <a:rPr lang="en-US" sz="2000" dirty="0">
+                          <a:effectLst/>
+                        </a:rPr>
+                        <a:t>I realized it's Goonies revisited</a:t>
+                      </a:r>
+                    </a:p>
+                    <a:p>
+                      <a:pPr marL="0" marR="0">
+                        <a:lnSpc>
+                          <a:spcPct val="115000"/>
+                        </a:lnSpc>
+                        <a:spcBef>
+                          <a:spcPts val="0"/>
+                        </a:spcBef>
+                        <a:spcAft>
+                          <a:spcPts val="0"/>
+                        </a:spcAft>
+                      </a:pPr>
+                      <a:r>
+                        <a:rPr lang="en-US" sz="2000" dirty="0">
+                          <a:effectLst/>
+                        </a:rPr>
+                        <a:t> </a:t>
+                      </a:r>
+                    </a:p>
+                    <a:p>
+                      <a:pPr marL="0" marR="0">
+                        <a:lnSpc>
+                          <a:spcPct val="115000"/>
+                        </a:lnSpc>
+                        <a:spcBef>
+                          <a:spcPts val="0"/>
+                        </a:spcBef>
+                        <a:spcAft>
+                          <a:spcPts val="0"/>
+                        </a:spcAft>
+                      </a:pPr>
+                      <a:r>
+                        <a:rPr lang="en-US" sz="2000" dirty="0">
+                          <a:effectLst/>
+                        </a:rPr>
+                        <a:t>a similar feel to the classic 1977 Spielberg film Close Encounters of the Third Kind</a:t>
+                      </a:r>
+                    </a:p>
+                    <a:p>
+                      <a:pPr marL="0" marR="0">
+                        <a:lnSpc>
+                          <a:spcPct val="115000"/>
+                        </a:lnSpc>
+                        <a:spcBef>
+                          <a:spcPts val="0"/>
+                        </a:spcBef>
+                        <a:spcAft>
+                          <a:spcPts val="0"/>
+                        </a:spcAft>
+                      </a:pPr>
+                      <a:r>
+                        <a:rPr lang="en-US" sz="2000" dirty="0">
+                          <a:effectLst/>
+                        </a:rPr>
+                        <a:t> </a:t>
+                      </a:r>
+                    </a:p>
+                    <a:p>
+                      <a:pPr marL="0" marR="0">
+                        <a:lnSpc>
+                          <a:spcPct val="115000"/>
+                        </a:lnSpc>
+                        <a:spcBef>
+                          <a:spcPts val="0"/>
+                        </a:spcBef>
+                        <a:spcAft>
+                          <a:spcPts val="0"/>
+                        </a:spcAft>
+                      </a:pPr>
+                      <a:r>
+                        <a:rPr lang="en-US" sz="2000" dirty="0">
+                          <a:effectLst/>
+                        </a:rPr>
+                        <a:t>I usually don't like movies about kids, but this one had the same kind of appeal that Goonies had</a:t>
+                      </a:r>
+                      <a:endParaRPr lang="en-US" sz="2000" dirty="0">
+                        <a:solidFill>
+                          <a:srgbClr val="000000"/>
+                        </a:solidFill>
+                        <a:effectLst/>
+                        <a:latin typeface="Arial"/>
+                        <a:ea typeface="Arial"/>
+                        <a:cs typeface="Arial"/>
+                      </a:endParaRPr>
+                    </a:p>
+                  </a:txBody>
+                  <a:tcPr marL="63500" marR="63500" marT="63500" marB="63500"/>
+                </a:tc>
+              </a:tr>
+              <a:tr h="3874084">
+                <a:tc>
+                  <a:txBody>
+                    <a:bodyPr/>
+                    <a:lstStyle/>
+                    <a:p>
+                      <a:pPr marL="0" marR="0" algn="ctr">
+                        <a:lnSpc>
+                          <a:spcPct val="115000"/>
+                        </a:lnSpc>
+                        <a:spcBef>
+                          <a:spcPts val="0"/>
+                        </a:spcBef>
+                        <a:spcAft>
+                          <a:spcPts val="0"/>
+                        </a:spcAft>
+                      </a:pPr>
+                      <a:r>
+                        <a:rPr lang="en-US" sz="2800" dirty="0">
+                          <a:effectLst/>
+                          <a:latin typeface="Voltaire"/>
+                          <a:cs typeface="Voltaire"/>
+                        </a:rPr>
+                        <a:t>Multi-Film</a:t>
+                      </a:r>
+                      <a:endParaRPr lang="en-US" sz="2800" dirty="0">
+                        <a:solidFill>
+                          <a:srgbClr val="000000"/>
+                        </a:solidFill>
+                        <a:effectLst/>
+                        <a:latin typeface="Voltaire"/>
+                        <a:ea typeface="Arial"/>
+                        <a:cs typeface="Voltaire"/>
+                      </a:endParaRPr>
+                    </a:p>
+                  </a:txBody>
+                  <a:tcPr marL="63500" marR="63500" marT="63500" marB="63500" vert="vert270"/>
+                </a:tc>
+                <a:tc>
+                  <a:txBody>
+                    <a:bodyPr/>
+                    <a:lstStyle/>
+                    <a:p>
+                      <a:pPr marL="0" marR="0">
+                        <a:lnSpc>
+                          <a:spcPct val="115000"/>
+                        </a:lnSpc>
+                        <a:spcBef>
+                          <a:spcPts val="0"/>
+                        </a:spcBef>
+                        <a:spcAft>
+                          <a:spcPts val="1000"/>
+                        </a:spcAft>
+                      </a:pPr>
+                      <a:r>
+                        <a:rPr lang="en-US" sz="2000" dirty="0">
+                          <a:effectLst/>
+                        </a:rPr>
+                        <a:t>a pretty good mix of "</a:t>
+                      </a:r>
+                      <a:r>
+                        <a:rPr lang="en-US" sz="2000" dirty="0" err="1">
+                          <a:effectLst/>
+                        </a:rPr>
+                        <a:t>Cloverfield</a:t>
+                      </a:r>
+                      <a:r>
+                        <a:rPr lang="en-US" sz="2000" dirty="0">
+                          <a:effectLst/>
+                        </a:rPr>
+                        <a:t>" and "Stand By Me" with a steadier camera and more tense</a:t>
+                      </a:r>
+                    </a:p>
+                    <a:p>
+                      <a:pPr marL="0" marR="0">
+                        <a:lnSpc>
+                          <a:spcPct val="115000"/>
+                        </a:lnSpc>
+                        <a:spcBef>
+                          <a:spcPts val="0"/>
+                        </a:spcBef>
+                        <a:spcAft>
+                          <a:spcPts val="1000"/>
+                        </a:spcAft>
+                      </a:pPr>
+                      <a:r>
+                        <a:rPr lang="en-US" sz="2000" dirty="0">
+                          <a:effectLst/>
+                        </a:rPr>
+                        <a:t> Alien meets Close Encounters, and definitely disappoints</a:t>
+                      </a:r>
+                    </a:p>
+                    <a:p>
+                      <a:pPr marL="0" marR="0">
+                        <a:lnSpc>
+                          <a:spcPct val="115000"/>
+                        </a:lnSpc>
+                        <a:spcBef>
+                          <a:spcPts val="0"/>
+                        </a:spcBef>
+                        <a:spcAft>
+                          <a:spcPts val="1000"/>
+                        </a:spcAft>
+                      </a:pPr>
+                      <a:r>
+                        <a:rPr lang="en-US" sz="2000" dirty="0">
+                          <a:effectLst/>
+                        </a:rPr>
+                        <a:t>...some sort of mutant offspring of ET, Close Encounters, </a:t>
+                      </a:r>
+                      <a:r>
+                        <a:rPr lang="en-US" sz="2000" dirty="0" err="1">
+                          <a:effectLst/>
+                        </a:rPr>
+                        <a:t>Cloverfield</a:t>
+                      </a:r>
+                      <a:r>
+                        <a:rPr lang="en-US" sz="2000" dirty="0">
+                          <a:effectLst/>
+                        </a:rPr>
+                        <a:t>, and the Goonies?  Except in the Goonies we actually had a group of kids that were likeable.</a:t>
+                      </a:r>
+                    </a:p>
+                    <a:p>
+                      <a:pPr marL="0" marR="0">
+                        <a:lnSpc>
+                          <a:spcPct val="115000"/>
+                        </a:lnSpc>
+                        <a:spcBef>
+                          <a:spcPts val="0"/>
+                        </a:spcBef>
+                        <a:spcAft>
+                          <a:spcPts val="1000"/>
+                        </a:spcAft>
+                      </a:pPr>
+                      <a:r>
+                        <a:rPr lang="en-US" sz="2000" dirty="0">
+                          <a:effectLst/>
+                        </a:rPr>
+                        <a:t>the plot is a badly disjointed patchwork of ideas stolen from "Close Encounters of the Third Kind"  "E. T." , "Jaws" and Stephen King's "</a:t>
+                      </a:r>
+                      <a:r>
+                        <a:rPr lang="en-US" sz="2000" dirty="0" err="1">
+                          <a:effectLst/>
+                        </a:rPr>
+                        <a:t>Tommyknockers</a:t>
+                      </a:r>
+                      <a:r>
+                        <a:rPr lang="en-US" sz="2000" dirty="0">
+                          <a:effectLst/>
+                        </a:rPr>
+                        <a:t>."</a:t>
+                      </a:r>
+                    </a:p>
+                    <a:p>
+                      <a:pPr marL="0" marR="0">
+                        <a:lnSpc>
+                          <a:spcPct val="115000"/>
+                        </a:lnSpc>
+                        <a:spcBef>
+                          <a:spcPts val="0"/>
+                        </a:spcBef>
+                        <a:spcAft>
+                          <a:spcPts val="1000"/>
+                        </a:spcAft>
+                      </a:pPr>
+                      <a:r>
+                        <a:rPr lang="en-US" sz="2000" dirty="0">
+                          <a:effectLst/>
+                        </a:rPr>
+                        <a:t>had the charm of the Goonies/the Sandlot, but it was more grown up than that</a:t>
+                      </a:r>
+                      <a:endParaRPr lang="en-US" sz="2000" dirty="0">
+                        <a:solidFill>
+                          <a:srgbClr val="000000"/>
+                        </a:solidFill>
+                        <a:effectLst/>
+                        <a:latin typeface="Arial"/>
+                        <a:ea typeface="Arial"/>
+                        <a:cs typeface="Arial"/>
+                      </a:endParaRPr>
+                    </a:p>
+                  </a:txBody>
+                  <a:tcPr marL="63500" marR="63500" marT="63500" marB="63500"/>
+                </a:tc>
+                <a:tc>
+                  <a:txBody>
+                    <a:bodyPr/>
+                    <a:lstStyle/>
+                    <a:p>
+                      <a:pPr marL="0" marR="0">
+                        <a:lnSpc>
+                          <a:spcPct val="115000"/>
+                        </a:lnSpc>
+                        <a:spcBef>
+                          <a:spcPts val="0"/>
+                        </a:spcBef>
+                        <a:spcAft>
+                          <a:spcPts val="1000"/>
+                        </a:spcAft>
+                      </a:pPr>
+                      <a:r>
+                        <a:rPr lang="en-US" sz="2000" dirty="0">
+                          <a:effectLst/>
+                        </a:rPr>
+                        <a:t>Sort of a mixture of Gremlins, ET, Jurassic Park (lots of Spielberg-style in this movie), the Goonies, Predator, with a little zombie stuff and Dazed and Confused thrown in.</a:t>
+                      </a:r>
+                    </a:p>
+                    <a:p>
+                      <a:pPr marL="0" marR="0">
+                        <a:lnSpc>
+                          <a:spcPct val="115000"/>
+                        </a:lnSpc>
+                        <a:spcBef>
+                          <a:spcPts val="0"/>
+                        </a:spcBef>
+                        <a:spcAft>
+                          <a:spcPts val="1000"/>
+                        </a:spcAft>
+                      </a:pPr>
+                      <a:r>
+                        <a:rPr lang="en-US" sz="2000" dirty="0">
+                          <a:effectLst/>
+                        </a:rPr>
+                        <a:t>E.T. with Jaws</a:t>
+                      </a:r>
+                    </a:p>
+                    <a:p>
+                      <a:pPr marL="0" marR="0">
+                        <a:lnSpc>
+                          <a:spcPct val="115000"/>
+                        </a:lnSpc>
+                        <a:spcBef>
+                          <a:spcPts val="0"/>
+                        </a:spcBef>
+                        <a:spcAft>
+                          <a:spcPts val="1000"/>
+                        </a:spcAft>
+                      </a:pPr>
+                      <a:r>
+                        <a:rPr lang="en-US" sz="2000" dirty="0">
+                          <a:effectLst/>
+                        </a:rPr>
+                        <a:t>Mixing equal parts of The Goonies, </a:t>
+                      </a:r>
+                      <a:r>
+                        <a:rPr lang="en-US" sz="2000" dirty="0" err="1">
+                          <a:effectLst/>
+                        </a:rPr>
+                        <a:t>Cloverfield</a:t>
+                      </a:r>
+                      <a:r>
+                        <a:rPr lang="en-US" sz="2000" dirty="0">
+                          <a:effectLst/>
+                        </a:rPr>
+                        <a:t>, ET and Red Dawn in the same blender</a:t>
+                      </a:r>
+                    </a:p>
+                    <a:p>
+                      <a:pPr marL="0" marR="0">
+                        <a:lnSpc>
+                          <a:spcPct val="115000"/>
+                        </a:lnSpc>
+                        <a:spcBef>
+                          <a:spcPts val="0"/>
+                        </a:spcBef>
+                        <a:spcAft>
+                          <a:spcPts val="1000"/>
+                        </a:spcAft>
+                      </a:pPr>
+                      <a:r>
+                        <a:rPr lang="en-US" sz="2000" dirty="0">
+                          <a:effectLst/>
+                        </a:rPr>
+                        <a:t>It reminded me of movies like close encounters of the third kind, stand by me, and  the goonies.</a:t>
+                      </a:r>
+                    </a:p>
+                    <a:p>
+                      <a:pPr marL="0" marR="0">
+                        <a:lnSpc>
+                          <a:spcPct val="115000"/>
+                        </a:lnSpc>
+                        <a:spcBef>
+                          <a:spcPts val="0"/>
+                        </a:spcBef>
+                        <a:spcAft>
+                          <a:spcPts val="1000"/>
+                        </a:spcAft>
+                      </a:pPr>
+                      <a:r>
+                        <a:rPr lang="en-US" sz="2000" dirty="0">
+                          <a:effectLst/>
+                        </a:rPr>
+                        <a:t>I loved that the movie felt like a </a:t>
+                      </a:r>
+                      <a:r>
+                        <a:rPr lang="en-US" sz="2000" dirty="0" err="1">
+                          <a:effectLst/>
+                        </a:rPr>
+                        <a:t>mashup</a:t>
+                      </a:r>
+                      <a:r>
+                        <a:rPr lang="en-US" sz="2000" dirty="0">
+                          <a:effectLst/>
+                        </a:rPr>
+                        <a:t> of the goonies/sandlot vs. whatever monster movie</a:t>
+                      </a:r>
+                    </a:p>
+                    <a:p>
+                      <a:pPr marL="0" marR="0">
+                        <a:lnSpc>
+                          <a:spcPct val="115000"/>
+                        </a:lnSpc>
+                        <a:spcBef>
+                          <a:spcPts val="0"/>
+                        </a:spcBef>
+                        <a:spcAft>
+                          <a:spcPts val="1000"/>
+                        </a:spcAft>
+                      </a:pPr>
+                      <a:r>
+                        <a:rPr lang="en-US" sz="2000" dirty="0">
+                          <a:effectLst/>
+                        </a:rPr>
+                        <a:t> Wow. ET/Close Encounters of the 3rd Kind/</a:t>
+                      </a:r>
+                      <a:r>
+                        <a:rPr lang="en-US" sz="2000" dirty="0" err="1">
+                          <a:effectLst/>
+                        </a:rPr>
+                        <a:t>Cloverfield</a:t>
+                      </a:r>
+                      <a:r>
+                        <a:rPr lang="en-US" sz="2000" dirty="0">
+                          <a:effectLst/>
+                        </a:rPr>
+                        <a:t>/The Goonies all rolled into one with some Stand by Me thrown in as well</a:t>
+                      </a:r>
+                    </a:p>
+                    <a:p>
+                      <a:pPr marL="0" marR="0">
+                        <a:lnSpc>
+                          <a:spcPct val="115000"/>
+                        </a:lnSpc>
+                        <a:spcBef>
+                          <a:spcPts val="0"/>
+                        </a:spcBef>
+                        <a:spcAft>
+                          <a:spcPts val="1000"/>
+                        </a:spcAft>
+                      </a:pPr>
+                      <a:r>
+                        <a:rPr lang="en-US" sz="2000" dirty="0">
+                          <a:effectLst/>
+                        </a:rPr>
+                        <a:t>It's like an odd </a:t>
+                      </a:r>
+                      <a:r>
+                        <a:rPr lang="en-US" sz="2000" dirty="0" err="1">
+                          <a:effectLst/>
+                        </a:rPr>
+                        <a:t>mashup</a:t>
+                      </a:r>
+                      <a:r>
+                        <a:rPr lang="en-US" sz="2000" dirty="0">
+                          <a:effectLst/>
+                        </a:rPr>
+                        <a:t> of Jurassic Park, Stand By Me, District 9... And many other movies I've seen before</a:t>
+                      </a:r>
+                    </a:p>
+                    <a:p>
+                      <a:pPr marL="0" marR="0">
+                        <a:lnSpc>
+                          <a:spcPct val="115000"/>
+                        </a:lnSpc>
+                        <a:spcBef>
+                          <a:spcPts val="0"/>
+                        </a:spcBef>
+                        <a:spcAft>
+                          <a:spcPts val="1000"/>
+                        </a:spcAft>
+                      </a:pPr>
+                      <a:r>
+                        <a:rPr lang="en-US" sz="2000" dirty="0">
+                          <a:effectLst/>
+                        </a:rPr>
+                        <a:t>Stand By Me/It/</a:t>
+                      </a:r>
+                      <a:r>
+                        <a:rPr lang="en-US" sz="2000" dirty="0" err="1">
+                          <a:effectLst/>
+                        </a:rPr>
+                        <a:t>Dreamcatcher</a:t>
+                      </a:r>
+                      <a:r>
+                        <a:rPr lang="en-US" sz="2000" dirty="0">
+                          <a:effectLst/>
+                        </a:rPr>
+                        <a:t>/ET/Goonies</a:t>
+                      </a:r>
+                    </a:p>
+                    <a:p>
+                      <a:pPr marL="0" marR="0">
+                        <a:lnSpc>
+                          <a:spcPct val="115000"/>
+                        </a:lnSpc>
+                        <a:spcBef>
+                          <a:spcPts val="0"/>
+                        </a:spcBef>
+                        <a:spcAft>
+                          <a:spcPts val="1000"/>
+                        </a:spcAft>
+                      </a:pPr>
+                      <a:r>
+                        <a:rPr lang="en-US" sz="2000" dirty="0">
+                          <a:effectLst/>
+                        </a:rPr>
+                        <a:t>E.T., Goonies etc., plus movies like Cocoon and Explorers.</a:t>
+                      </a:r>
+                    </a:p>
+                    <a:p>
+                      <a:pPr marL="0" marR="0">
+                        <a:lnSpc>
+                          <a:spcPct val="115000"/>
+                        </a:lnSpc>
+                        <a:spcBef>
+                          <a:spcPts val="0"/>
+                        </a:spcBef>
+                        <a:spcAft>
+                          <a:spcPts val="1000"/>
+                        </a:spcAft>
+                      </a:pPr>
+                      <a:r>
+                        <a:rPr lang="en-US" sz="2000" dirty="0">
+                          <a:effectLst/>
+                        </a:rPr>
+                        <a:t> many parents will doubtless think of films such as E.T., the Explorers, Flight of the Navigator, et al.</a:t>
+                      </a:r>
+                    </a:p>
+                    <a:p>
+                      <a:pPr marL="0" marR="0">
+                        <a:lnSpc>
+                          <a:spcPct val="115000"/>
+                        </a:lnSpc>
+                        <a:spcBef>
+                          <a:spcPts val="0"/>
+                        </a:spcBef>
+                        <a:spcAft>
+                          <a:spcPts val="1000"/>
+                        </a:spcAft>
+                      </a:pPr>
+                      <a:r>
+                        <a:rPr lang="en-US" sz="2000" dirty="0">
+                          <a:effectLst/>
+                        </a:rPr>
+                        <a:t>If you liked "The Sandlot", "Stand By Me" &amp; "Goonies" - this is the movie for you </a:t>
+                      </a:r>
+                      <a:r>
+                        <a:rPr lang="en-US" sz="2000" dirty="0" err="1">
+                          <a:effectLst/>
+                        </a:rPr>
+                        <a:t>cuz</a:t>
+                      </a:r>
+                      <a:r>
+                        <a:rPr lang="en-US" sz="2000" dirty="0">
+                          <a:effectLst/>
+                        </a:rPr>
+                        <a:t> this one rolls all 3 of those movies into one</a:t>
+                      </a:r>
+                      <a:endParaRPr lang="en-US" sz="2000" dirty="0">
+                        <a:solidFill>
+                          <a:srgbClr val="000000"/>
+                        </a:solidFill>
+                        <a:effectLst/>
+                        <a:latin typeface="Arial"/>
+                        <a:ea typeface="Arial"/>
+                        <a:cs typeface="Arial"/>
+                      </a:endParaRPr>
+                    </a:p>
+                  </a:txBody>
+                  <a:tcPr marL="63500" marR="63500" marT="63500" marB="63500"/>
+                </a:tc>
+              </a:tr>
+            </a:tbl>
+          </a:graphicData>
+        </a:graphic>
+      </p:graphicFrame>
+      <p:sp>
+        <p:nvSpPr>
+          <p:cNvPr id="24" name="TextBox 23"/>
+          <p:cNvSpPr txBox="1"/>
+          <p:nvPr/>
+        </p:nvSpPr>
+        <p:spPr>
+          <a:xfrm>
+            <a:off x="1725273" y="11845186"/>
+            <a:ext cx="1915909" cy="707886"/>
+          </a:xfrm>
+          <a:prstGeom prst="rect">
+            <a:avLst/>
+          </a:prstGeom>
+          <a:noFill/>
+        </p:spPr>
+        <p:txBody>
+          <a:bodyPr wrap="none" rtlCol="0">
+            <a:spAutoFit/>
+          </a:bodyPr>
+          <a:lstStyle/>
+          <a:p>
+            <a:r>
+              <a:rPr lang="en-US" sz="4000" dirty="0" smtClean="0">
+                <a:latin typeface="Yellowtail"/>
+                <a:cs typeface="Yellowtail"/>
+              </a:rPr>
+              <a:t>Examples</a:t>
+            </a:r>
+            <a:endParaRPr lang="en-US" sz="4000" dirty="0">
+              <a:latin typeface="Yellowtail"/>
+              <a:cs typeface="Yellowtail"/>
+            </a:endParaRPr>
+          </a:p>
+        </p:txBody>
+      </p:sp>
+      <p:sp>
+        <p:nvSpPr>
+          <p:cNvPr id="66" name="TextBox 65"/>
+          <p:cNvSpPr txBox="1"/>
+          <p:nvPr/>
+        </p:nvSpPr>
+        <p:spPr>
+          <a:xfrm>
+            <a:off x="1722649" y="3821255"/>
+            <a:ext cx="3159839" cy="707886"/>
+          </a:xfrm>
+          <a:prstGeom prst="rect">
+            <a:avLst/>
+          </a:prstGeom>
+          <a:noFill/>
+        </p:spPr>
+        <p:txBody>
+          <a:bodyPr wrap="none" rtlCol="0">
+            <a:spAutoFit/>
+          </a:bodyPr>
+          <a:lstStyle/>
+          <a:p>
+            <a:r>
+              <a:rPr lang="en-US" sz="4000" dirty="0" smtClean="0">
+                <a:latin typeface="Yellowtail"/>
+                <a:cs typeface="Yellowtail"/>
+              </a:rPr>
+              <a:t>Recurring Films</a:t>
+            </a:r>
+            <a:endParaRPr lang="en-US" sz="4000" dirty="0">
+              <a:latin typeface="Yellowtail"/>
+              <a:cs typeface="Yellowtail"/>
+            </a:endParaRPr>
+          </a:p>
+        </p:txBody>
+      </p:sp>
+      <p:sp>
+        <p:nvSpPr>
+          <p:cNvPr id="25" name="TextBox 24"/>
+          <p:cNvSpPr txBox="1"/>
+          <p:nvPr/>
+        </p:nvSpPr>
+        <p:spPr>
+          <a:xfrm>
+            <a:off x="1572428" y="25362316"/>
+            <a:ext cx="12155463" cy="6617197"/>
+          </a:xfrm>
+          <a:prstGeom prst="rect">
+            <a:avLst/>
+          </a:prstGeom>
+          <a:noFill/>
+        </p:spPr>
+        <p:txBody>
+          <a:bodyPr wrap="square" rtlCol="0">
+            <a:spAutoFit/>
+          </a:bodyPr>
+          <a:lstStyle/>
+          <a:p>
+            <a:r>
+              <a:rPr lang="en-US" sz="4000" b="1" dirty="0">
+                <a:latin typeface="Yellowtail"/>
+                <a:cs typeface="Yellowtail"/>
+              </a:rPr>
+              <a:t>In Their Own Words</a:t>
+            </a:r>
+            <a:endParaRPr lang="en-US" sz="4000" dirty="0">
+              <a:latin typeface="Yellowtail"/>
+              <a:cs typeface="Yellowtail"/>
+            </a:endParaRPr>
+          </a:p>
+          <a:p>
+            <a:r>
+              <a:rPr lang="en-US" sz="3600" dirty="0" smtClean="0">
+                <a:latin typeface="Voltaire"/>
+                <a:cs typeface="Voltaire"/>
+              </a:rPr>
+              <a:t>Reviewers explain the reasons because their citations</a:t>
+            </a:r>
+            <a:endParaRPr lang="en-US" sz="3600" dirty="0">
+              <a:latin typeface="Voltaire"/>
+              <a:cs typeface="Voltaire"/>
+            </a:endParaRPr>
+          </a:p>
+          <a:p>
+            <a:pPr lvl="0"/>
+            <a:endParaRPr lang="en-US" sz="2800" dirty="0" smtClean="0"/>
+          </a:p>
+          <a:p>
+            <a:pPr lvl="0"/>
+            <a:r>
+              <a:rPr lang="en-US" sz="2800" dirty="0" smtClean="0"/>
+              <a:t>Take </a:t>
+            </a:r>
+            <a:r>
+              <a:rPr lang="en-US" sz="2800" dirty="0"/>
+              <a:t>Goonies (</a:t>
+            </a:r>
+            <a:r>
+              <a:rPr lang="en-US" sz="2800" i="1" dirty="0"/>
+              <a:t>kids experimenting</a:t>
+            </a:r>
+            <a:r>
+              <a:rPr lang="en-US" sz="2800" dirty="0"/>
+              <a:t>), Close Encounters (t</a:t>
+            </a:r>
+            <a:r>
+              <a:rPr lang="en-US" sz="2800" i="1" dirty="0"/>
+              <a:t>he grand evacuation</a:t>
+            </a:r>
+            <a:r>
+              <a:rPr lang="en-US" sz="2800" dirty="0"/>
+              <a:t>), ET (</a:t>
+            </a:r>
+            <a:r>
+              <a:rPr lang="en-US" sz="2800" i="1" dirty="0"/>
+              <a:t>in the end, the alien was a misunderstood cutie</a:t>
+            </a:r>
+            <a:r>
+              <a:rPr lang="en-US" sz="2800" dirty="0"/>
+              <a:t>), Transformers (</a:t>
+            </a:r>
+            <a:r>
+              <a:rPr lang="en-US" sz="2800" i="1" dirty="0"/>
+              <a:t>the self assembling cubes</a:t>
+            </a:r>
+            <a:r>
+              <a:rPr lang="en-US" sz="2800" dirty="0"/>
+              <a:t>), </a:t>
+            </a:r>
+            <a:r>
+              <a:rPr lang="en-US" sz="2800" dirty="0" err="1"/>
+              <a:t>Cloverfield</a:t>
+            </a:r>
+            <a:r>
+              <a:rPr lang="en-US" sz="2800" dirty="0"/>
+              <a:t> (</a:t>
+            </a:r>
+            <a:r>
+              <a:rPr lang="en-US" sz="2800" i="1" dirty="0"/>
+              <a:t>the monster is a reduced copy</a:t>
+            </a:r>
+            <a:r>
+              <a:rPr lang="en-US" sz="2800" dirty="0"/>
+              <a:t>)</a:t>
+            </a:r>
+          </a:p>
+          <a:p>
+            <a:pPr lvl="0"/>
+            <a:endParaRPr lang="en-US" sz="2800" i="1" dirty="0" smtClean="0"/>
+          </a:p>
+          <a:p>
+            <a:pPr lvl="0"/>
+            <a:r>
+              <a:rPr lang="en-US" sz="2800" i="1" dirty="0" smtClean="0"/>
+              <a:t>Coming </a:t>
+            </a:r>
+            <a:r>
+              <a:rPr lang="en-US" sz="2800" i="1" dirty="0"/>
+              <a:t>of age characters</a:t>
+            </a:r>
+            <a:r>
+              <a:rPr lang="en-US" sz="2800" dirty="0"/>
+              <a:t> reminiscent of The Sandlot, Stand by Me, and The Wonder Years - I grew up with kids just like these…. </a:t>
+            </a:r>
+            <a:r>
+              <a:rPr lang="en-US" sz="2800" i="1" dirty="0"/>
+              <a:t>A story about the military and an alien</a:t>
+            </a:r>
+            <a:r>
+              <a:rPr lang="en-US" sz="2800" dirty="0"/>
+              <a:t> that is every bit as enjoyable as Close Encounters and ET.</a:t>
+            </a:r>
+          </a:p>
+          <a:p>
+            <a:pPr lvl="0"/>
+            <a:endParaRPr lang="en-US" sz="2800" dirty="0" smtClean="0"/>
+          </a:p>
+          <a:p>
+            <a:pPr lvl="0"/>
+            <a:r>
+              <a:rPr lang="en-US" sz="2800" dirty="0" smtClean="0"/>
+              <a:t>This </a:t>
+            </a:r>
+            <a:r>
+              <a:rPr lang="en-US" sz="2800" dirty="0"/>
+              <a:t>film also reminds me of Stand By Me because it truly </a:t>
+            </a:r>
+            <a:r>
+              <a:rPr lang="en-US" sz="2800" i="1" dirty="0"/>
+              <a:t>captures the mind of a 13 year old perfectly</a:t>
+            </a:r>
+            <a:endParaRPr lang="en-US" sz="2800" dirty="0"/>
+          </a:p>
+          <a:p>
+            <a:endParaRPr lang="en-US" sz="4000" dirty="0"/>
+          </a:p>
+        </p:txBody>
+      </p:sp>
+      <p:sp>
+        <p:nvSpPr>
+          <p:cNvPr id="70" name="Rectangle 69"/>
+          <p:cNvSpPr/>
+          <p:nvPr/>
+        </p:nvSpPr>
+        <p:spPr>
+          <a:xfrm>
+            <a:off x="652630" y="26368326"/>
+            <a:ext cx="2137675" cy="1862048"/>
+          </a:xfrm>
+          <a:prstGeom prst="rect">
+            <a:avLst/>
+          </a:prstGeom>
+        </p:spPr>
+        <p:txBody>
+          <a:bodyPr wrap="square">
+            <a:spAutoFit/>
+          </a:bodyPr>
+          <a:lstStyle/>
+          <a:p>
+            <a:r>
+              <a:rPr lang="en-US" sz="11500" b="1" dirty="0" smtClean="0">
+                <a:latin typeface="Mrs Sheppards Regular"/>
+                <a:cs typeface="Mrs Sheppards Regular"/>
+              </a:rPr>
+              <a:t>“</a:t>
+            </a:r>
+            <a:endParaRPr lang="en-US" sz="11500" dirty="0">
+              <a:latin typeface="Mrs Sheppards Regular"/>
+              <a:cs typeface="Mrs Sheppards Regular"/>
+            </a:endParaRPr>
+          </a:p>
+        </p:txBody>
+      </p:sp>
+      <p:sp>
+        <p:nvSpPr>
+          <p:cNvPr id="72" name="Rectangle 71"/>
+          <p:cNvSpPr/>
+          <p:nvPr/>
+        </p:nvSpPr>
+        <p:spPr>
+          <a:xfrm>
+            <a:off x="9012150" y="27226782"/>
+            <a:ext cx="2137675" cy="1862048"/>
+          </a:xfrm>
+          <a:prstGeom prst="rect">
+            <a:avLst/>
+          </a:prstGeom>
+        </p:spPr>
+        <p:txBody>
+          <a:bodyPr wrap="square">
+            <a:spAutoFit/>
+          </a:bodyPr>
+          <a:lstStyle/>
+          <a:p>
+            <a:r>
+              <a:rPr lang="en-US" sz="11500" b="1" dirty="0" smtClean="0">
+                <a:latin typeface="Mrs Sheppards Regular"/>
+                <a:cs typeface="Mrs Sheppards Regular"/>
+              </a:rPr>
+              <a:t>”</a:t>
+            </a:r>
+            <a:endParaRPr lang="en-US" sz="11500" dirty="0">
+              <a:latin typeface="Mrs Sheppards Regular"/>
+              <a:cs typeface="Mrs Sheppards Regular"/>
+            </a:endParaRPr>
+          </a:p>
+        </p:txBody>
+      </p:sp>
+      <p:sp>
+        <p:nvSpPr>
+          <p:cNvPr id="73" name="Rectangle 72"/>
+          <p:cNvSpPr/>
+          <p:nvPr/>
+        </p:nvSpPr>
+        <p:spPr>
+          <a:xfrm>
+            <a:off x="639918" y="28136278"/>
+            <a:ext cx="2137675" cy="1862048"/>
+          </a:xfrm>
+          <a:prstGeom prst="rect">
+            <a:avLst/>
+          </a:prstGeom>
+        </p:spPr>
+        <p:txBody>
+          <a:bodyPr wrap="square">
+            <a:spAutoFit/>
+          </a:bodyPr>
+          <a:lstStyle/>
+          <a:p>
+            <a:r>
+              <a:rPr lang="en-US" sz="11500" b="1" dirty="0" smtClean="0">
+                <a:latin typeface="Mrs Sheppards Regular"/>
+                <a:cs typeface="Mrs Sheppards Regular"/>
+              </a:rPr>
+              <a:t>“</a:t>
+            </a:r>
+            <a:endParaRPr lang="en-US" sz="11500" dirty="0">
+              <a:latin typeface="Mrs Sheppards Regular"/>
+              <a:cs typeface="Mrs Sheppards Regular"/>
+            </a:endParaRPr>
+          </a:p>
+        </p:txBody>
+      </p:sp>
+      <p:sp>
+        <p:nvSpPr>
+          <p:cNvPr id="74" name="Rectangle 73"/>
+          <p:cNvSpPr/>
+          <p:nvPr/>
+        </p:nvSpPr>
+        <p:spPr>
+          <a:xfrm>
+            <a:off x="11186110" y="28928532"/>
+            <a:ext cx="2137675" cy="1862048"/>
+          </a:xfrm>
+          <a:prstGeom prst="rect">
+            <a:avLst/>
+          </a:prstGeom>
+        </p:spPr>
+        <p:txBody>
+          <a:bodyPr wrap="square">
+            <a:spAutoFit/>
+          </a:bodyPr>
+          <a:lstStyle/>
+          <a:p>
+            <a:r>
+              <a:rPr lang="en-US" sz="11500" b="1" dirty="0" smtClean="0">
+                <a:latin typeface="Mrs Sheppards Regular"/>
+                <a:cs typeface="Mrs Sheppards Regular"/>
+              </a:rPr>
+              <a:t>”</a:t>
+            </a:r>
+            <a:endParaRPr lang="en-US" sz="11500" dirty="0">
+              <a:latin typeface="Mrs Sheppards Regular"/>
+              <a:cs typeface="Mrs Sheppards Regular"/>
+            </a:endParaRPr>
+          </a:p>
+        </p:txBody>
+      </p:sp>
+      <p:sp>
+        <p:nvSpPr>
+          <p:cNvPr id="75" name="Rectangle 74"/>
+          <p:cNvSpPr/>
+          <p:nvPr/>
+        </p:nvSpPr>
+        <p:spPr>
+          <a:xfrm>
+            <a:off x="696175" y="29713718"/>
+            <a:ext cx="2137675" cy="1862048"/>
+          </a:xfrm>
+          <a:prstGeom prst="rect">
+            <a:avLst/>
+          </a:prstGeom>
+        </p:spPr>
+        <p:txBody>
+          <a:bodyPr wrap="square">
+            <a:spAutoFit/>
+          </a:bodyPr>
+          <a:lstStyle/>
+          <a:p>
+            <a:r>
+              <a:rPr lang="en-US" sz="11500" b="1" dirty="0" smtClean="0">
+                <a:latin typeface="Mrs Sheppards Regular"/>
+                <a:cs typeface="Mrs Sheppards Regular"/>
+              </a:rPr>
+              <a:t>“</a:t>
+            </a:r>
+            <a:endParaRPr lang="en-US" sz="11500" dirty="0">
+              <a:latin typeface="Mrs Sheppards Regular"/>
+              <a:cs typeface="Mrs Sheppards Regular"/>
+            </a:endParaRPr>
+          </a:p>
+        </p:txBody>
+      </p:sp>
+      <p:sp>
+        <p:nvSpPr>
+          <p:cNvPr id="76" name="Rectangle 75"/>
+          <p:cNvSpPr/>
+          <p:nvPr/>
+        </p:nvSpPr>
+        <p:spPr>
+          <a:xfrm>
+            <a:off x="4562795" y="30243224"/>
+            <a:ext cx="2137675" cy="1862048"/>
+          </a:xfrm>
+          <a:prstGeom prst="rect">
+            <a:avLst/>
+          </a:prstGeom>
+        </p:spPr>
+        <p:txBody>
+          <a:bodyPr wrap="square">
+            <a:spAutoFit/>
+          </a:bodyPr>
+          <a:lstStyle/>
+          <a:p>
+            <a:r>
+              <a:rPr lang="en-US" sz="11500" b="1" dirty="0" smtClean="0">
+                <a:latin typeface="Mrs Sheppards Regular"/>
+                <a:cs typeface="Mrs Sheppards Regular"/>
+              </a:rPr>
+              <a:t>”</a:t>
+            </a:r>
+            <a:endParaRPr lang="en-US" sz="11500" dirty="0">
+              <a:latin typeface="Mrs Sheppards Regular"/>
+              <a:cs typeface="Mrs Sheppards Regular"/>
+            </a:endParaRPr>
+          </a:p>
+        </p:txBody>
+      </p:sp>
+      <p:graphicFrame>
+        <p:nvGraphicFramePr>
+          <p:cNvPr id="27" name="Chart 26"/>
+          <p:cNvGraphicFramePr/>
+          <p:nvPr>
+            <p:extLst>
+              <p:ext uri="{D42A27DB-BD31-4B8C-83A1-F6EECF244321}">
+                <p14:modId xmlns:p14="http://schemas.microsoft.com/office/powerpoint/2010/main" val="1713118272"/>
+              </p:ext>
+            </p:extLst>
+          </p:nvPr>
+        </p:nvGraphicFramePr>
+        <p:xfrm>
+          <a:off x="1131393" y="4793845"/>
+          <a:ext cx="7242083" cy="7054217"/>
+        </p:xfrm>
+        <a:graphic>
+          <a:graphicData uri="http://schemas.openxmlformats.org/drawingml/2006/chart">
+            <c:chart xmlns:c="http://schemas.openxmlformats.org/drawingml/2006/chart" xmlns:r="http://schemas.openxmlformats.org/officeDocument/2006/relationships" r:id="rId2"/>
+          </a:graphicData>
+        </a:graphic>
+      </p:graphicFrame>
+      <p:sp>
+        <p:nvSpPr>
+          <p:cNvPr id="29" name="TextBox 28"/>
+          <p:cNvSpPr txBox="1"/>
+          <p:nvPr/>
+        </p:nvSpPr>
+        <p:spPr>
+          <a:xfrm>
+            <a:off x="30567444" y="9172833"/>
+            <a:ext cx="9843508" cy="2677656"/>
+          </a:xfrm>
+          <a:prstGeom prst="rect">
+            <a:avLst/>
+          </a:prstGeom>
+          <a:noFill/>
+        </p:spPr>
+        <p:txBody>
+          <a:bodyPr wrap="square" rtlCol="0">
+            <a:spAutoFit/>
+          </a:bodyPr>
+          <a:lstStyle/>
+          <a:p>
+            <a:pPr lvl="0" algn="ctr"/>
+            <a:r>
+              <a:rPr lang="en-US" sz="4800" dirty="0" smtClean="0">
+                <a:solidFill>
+                  <a:srgbClr val="4BACC6">
+                    <a:lumMod val="75000"/>
+                  </a:srgbClr>
+                </a:solidFill>
+                <a:latin typeface="Yellowtail"/>
+                <a:cs typeface="Yellowtail"/>
+              </a:rPr>
+              <a:t>Archetypes</a:t>
+            </a:r>
+            <a:endParaRPr lang="en-US" sz="4800" dirty="0">
+              <a:solidFill>
+                <a:srgbClr val="4BACC6">
+                  <a:lumMod val="75000"/>
+                </a:srgbClr>
+              </a:solidFill>
+              <a:latin typeface="Yellowtail"/>
+              <a:cs typeface="Yellowtail"/>
+            </a:endParaRPr>
+          </a:p>
+          <a:p>
+            <a:r>
+              <a:rPr lang="en-US" sz="2400" dirty="0" smtClean="0"/>
+              <a:t>Many </a:t>
+            </a:r>
+            <a:r>
+              <a:rPr lang="en-US" sz="2400" dirty="0"/>
+              <a:t>films recur often as archetypes: a </a:t>
+            </a:r>
+            <a:r>
+              <a:rPr lang="en-US" sz="2400" dirty="0" smtClean="0"/>
+              <a:t>Rosetta </a:t>
+            </a:r>
+            <a:r>
+              <a:rPr lang="en-US" sz="2400" dirty="0"/>
+              <a:t>S</a:t>
+            </a:r>
+            <a:r>
+              <a:rPr lang="en-US" sz="2400" dirty="0" smtClean="0"/>
+              <a:t>tone </a:t>
+            </a:r>
+            <a:r>
+              <a:rPr lang="en-US" sz="2400" dirty="0"/>
+              <a:t>for a shared language of film. While occasionally the reason for the similarity is noted, generally the purpose of a citation is unspoken, assumed to be </a:t>
+            </a:r>
+            <a:r>
+              <a:rPr lang="en-US" sz="2400" dirty="0" smtClean="0"/>
+              <a:t>apparent. </a:t>
+            </a:r>
+            <a:r>
+              <a:rPr lang="en-US" sz="2400" dirty="0"/>
+              <a:t>When mixed, the contexts of what the cited films represent </a:t>
+            </a:r>
+            <a:r>
+              <a:rPr lang="en-US" sz="2400" dirty="0" smtClean="0"/>
+              <a:t>also </a:t>
+            </a:r>
+            <a:r>
+              <a:rPr lang="en-US" sz="2400" dirty="0"/>
+              <a:t>mixes, alternating between facets such as genre, themes, and atmosphere</a:t>
+            </a:r>
+            <a:r>
+              <a:rPr lang="en-US" sz="2400" dirty="0" smtClean="0"/>
+              <a:t>.</a:t>
+            </a:r>
+            <a:endParaRPr lang="en-US" sz="2400" dirty="0"/>
+          </a:p>
+        </p:txBody>
+      </p:sp>
       <p:grpSp>
         <p:nvGrpSpPr>
-          <p:cNvPr id="88" name="Group 87"/>
+          <p:cNvPr id="58" name="Group 57"/>
           <p:cNvGrpSpPr/>
           <p:nvPr/>
         </p:nvGrpSpPr>
         <p:grpSpPr>
           <a:xfrm>
-            <a:off x="17622289" y="398068"/>
-            <a:ext cx="7565068" cy="1417849"/>
-            <a:chOff x="1076780" y="307868"/>
-            <a:chExt cx="7565068" cy="1417849"/>
+            <a:off x="27597686" y="11754617"/>
+            <a:ext cx="15512930" cy="6558783"/>
+            <a:chOff x="27851700" y="5171464"/>
+            <a:chExt cx="15871223" cy="6710267"/>
+          </a:xfrm>
+        </p:grpSpPr>
+        <p:pic>
+          <p:nvPicPr>
+            <p:cNvPr id="30" name="Picture 29" descr="wordcloud1.png"/>
+            <p:cNvPicPr>
+              <a:picLocks noChangeAspect="1"/>
+            </p:cNvPicPr>
+            <p:nvPr/>
+          </p:nvPicPr>
+          <p:blipFill>
+            <a:blip r:embed="rId3">
+              <a:extLst>
+                <a:ext uri="{28A0092B-C50C-407E-A947-70E740481C1C}">
+                  <a14:useLocalDpi xmlns:a14="http://schemas.microsoft.com/office/drawing/2010/main" val="0"/>
+                </a:ext>
+              </a:extLst>
+            </a:blip>
+            <a:stretch>
+              <a:fillRect/>
+            </a:stretch>
+          </p:blipFill>
+          <p:spPr>
+            <a:xfrm>
+              <a:off x="36494118" y="5171464"/>
+              <a:ext cx="7228805" cy="6418458"/>
+            </a:xfrm>
+            <a:prstGeom prst="rect">
+              <a:avLst/>
+            </a:prstGeom>
+          </p:spPr>
+        </p:pic>
+        <p:pic>
+          <p:nvPicPr>
+            <p:cNvPr id="31" name="Picture 30" descr="wordcloud2.png"/>
+            <p:cNvPicPr>
+              <a:picLocks noChangeAspect="1"/>
+            </p:cNvPicPr>
+            <p:nvPr/>
+          </p:nvPicPr>
+          <p:blipFill>
+            <a:blip r:embed="rId4">
+              <a:extLst>
+                <a:ext uri="{28A0092B-C50C-407E-A947-70E740481C1C}">
+                  <a14:useLocalDpi xmlns:a14="http://schemas.microsoft.com/office/drawing/2010/main" val="0"/>
+                </a:ext>
+              </a:extLst>
+            </a:blip>
+            <a:stretch>
+              <a:fillRect/>
+            </a:stretch>
+          </p:blipFill>
+          <p:spPr>
+            <a:xfrm>
+              <a:off x="27851700" y="5231745"/>
+              <a:ext cx="6534222" cy="6649986"/>
+            </a:xfrm>
+            <a:prstGeom prst="rect">
+              <a:avLst/>
+            </a:prstGeom>
+          </p:spPr>
+        </p:pic>
+        <p:grpSp>
+          <p:nvGrpSpPr>
+            <p:cNvPr id="57" name="Group 56"/>
+            <p:cNvGrpSpPr/>
+            <p:nvPr/>
+          </p:nvGrpSpPr>
+          <p:grpSpPr>
+            <a:xfrm>
+              <a:off x="34538319" y="7769238"/>
+              <a:ext cx="1701798" cy="1497169"/>
+              <a:chOff x="34538319" y="7769238"/>
+              <a:chExt cx="1701798" cy="1497169"/>
+            </a:xfrm>
+          </p:grpSpPr>
+          <p:sp>
+            <p:nvSpPr>
+              <p:cNvPr id="89" name="Rectangle 88"/>
+              <p:cNvSpPr/>
+              <p:nvPr/>
+            </p:nvSpPr>
+            <p:spPr>
+              <a:xfrm>
+                <a:off x="34538319" y="8022897"/>
+                <a:ext cx="1701798" cy="991967"/>
+              </a:xfrm>
+              <a:prstGeom prst="rect">
+                <a:avLst/>
+              </a:prstGeom>
+            </p:spPr>
+            <p:txBody>
+              <a:bodyPr wrap="none">
+                <a:prstTxWarp prst="textCascadeUp">
+                  <a:avLst/>
+                </a:prstTxWarp>
+                <a:spAutoFit/>
+              </a:bodyPr>
+              <a:lstStyle/>
+              <a:p>
+                <a:r>
+                  <a:rPr lang="en-US" dirty="0" smtClean="0">
+                    <a:latin typeface="Mrs Sheppards Regular"/>
+                    <a:cs typeface="Mrs Sheppards Regular"/>
+                  </a:rPr>
+                  <a:t>meets</a:t>
+                </a:r>
+                <a:endParaRPr lang="en-US" dirty="0">
+                  <a:latin typeface="Mrs Sheppards Regular"/>
+                  <a:cs typeface="Mrs Sheppards Regular"/>
+                </a:endParaRPr>
+              </a:p>
+            </p:txBody>
+          </p:sp>
+          <p:cxnSp>
+            <p:nvCxnSpPr>
+              <p:cNvPr id="56" name="Straight Connector 55"/>
+              <p:cNvCxnSpPr/>
+              <p:nvPr/>
+            </p:nvCxnSpPr>
+            <p:spPr>
+              <a:xfrm flipV="1">
+                <a:off x="34538319" y="7769238"/>
+                <a:ext cx="1701798" cy="685460"/>
+              </a:xfrm>
+              <a:prstGeom prst="line">
+                <a:avLst/>
+              </a:prstGeom>
+              <a:ln w="76200" cmpd="sng">
+                <a:solidFill>
+                  <a:schemeClr val="tx1"/>
+                </a:solidFill>
+              </a:ln>
+              <a:effectLst/>
+            </p:spPr>
+            <p:style>
+              <a:lnRef idx="2">
+                <a:schemeClr val="accent1"/>
+              </a:lnRef>
+              <a:fillRef idx="0">
+                <a:schemeClr val="accent1"/>
+              </a:fillRef>
+              <a:effectRef idx="1">
+                <a:schemeClr val="accent1"/>
+              </a:effectRef>
+              <a:fontRef idx="minor">
+                <a:schemeClr val="tx1"/>
+              </a:fontRef>
+            </p:style>
+          </p:cxnSp>
+          <p:cxnSp>
+            <p:nvCxnSpPr>
+              <p:cNvPr id="90" name="Straight Connector 89"/>
+              <p:cNvCxnSpPr/>
+              <p:nvPr/>
+            </p:nvCxnSpPr>
+            <p:spPr>
+              <a:xfrm flipV="1">
+                <a:off x="34538319" y="8580947"/>
+                <a:ext cx="1701798" cy="685460"/>
+              </a:xfrm>
+              <a:prstGeom prst="line">
+                <a:avLst/>
+              </a:prstGeom>
+              <a:ln w="76200" cmpd="sng">
+                <a:solidFill>
+                  <a:schemeClr val="tx1"/>
+                </a:solidFill>
+              </a:ln>
+              <a:effectLst/>
+            </p:spPr>
+            <p:style>
+              <a:lnRef idx="2">
+                <a:schemeClr val="accent1"/>
+              </a:lnRef>
+              <a:fillRef idx="0">
+                <a:schemeClr val="accent1"/>
+              </a:fillRef>
+              <a:effectRef idx="1">
+                <a:schemeClr val="accent1"/>
+              </a:effectRef>
+              <a:fontRef idx="minor">
+                <a:schemeClr val="tx1"/>
+              </a:fontRef>
+            </p:style>
+          </p:cxnSp>
+        </p:grpSp>
+      </p:grpSp>
+      <p:sp>
+        <p:nvSpPr>
+          <p:cNvPr id="60" name="TextBox 59"/>
+          <p:cNvSpPr txBox="1"/>
+          <p:nvPr/>
+        </p:nvSpPr>
+        <p:spPr>
+          <a:xfrm>
+            <a:off x="38589415" y="17295719"/>
+            <a:ext cx="4521200" cy="990571"/>
+          </a:xfrm>
+          <a:prstGeom prst="rect">
+            <a:avLst/>
+          </a:prstGeom>
+          <a:noFill/>
+        </p:spPr>
+        <p:txBody>
+          <a:bodyPr wrap="square" rtlCol="0">
+            <a:spAutoFit/>
+          </a:bodyPr>
+          <a:lstStyle/>
+          <a:p>
+            <a:r>
+              <a:rPr lang="en-US" sz="2800" i="1" dirty="0">
+                <a:latin typeface="Voltaire"/>
+                <a:cs typeface="Voltaire"/>
+              </a:rPr>
+              <a:t>Occurrences of Common Films in </a:t>
+            </a:r>
+            <a:r>
+              <a:rPr lang="en-US" sz="2800" dirty="0">
+                <a:latin typeface="Voltaire"/>
+                <a:cs typeface="Voltaire"/>
+              </a:rPr>
+              <a:t>{X} Meets {Y} </a:t>
+            </a:r>
+            <a:r>
+              <a:rPr lang="en-US" sz="2800" i="1" dirty="0">
+                <a:latin typeface="Voltaire"/>
+                <a:cs typeface="Voltaire"/>
+              </a:rPr>
+              <a:t>pattern</a:t>
+            </a:r>
+            <a:r>
+              <a:rPr lang="en-US" sz="2800" dirty="0">
+                <a:latin typeface="Voltaire"/>
+                <a:cs typeface="Voltaire"/>
+              </a:rPr>
+              <a:t> </a:t>
+            </a:r>
+          </a:p>
+        </p:txBody>
+      </p:sp>
+      <p:grpSp>
+        <p:nvGrpSpPr>
+          <p:cNvPr id="93" name="Group 92"/>
+          <p:cNvGrpSpPr/>
+          <p:nvPr/>
+        </p:nvGrpSpPr>
+        <p:grpSpPr>
+          <a:xfrm>
+            <a:off x="15702128" y="2941826"/>
+            <a:ext cx="9885228" cy="1737344"/>
+            <a:chOff x="14984331" y="2067983"/>
+            <a:chExt cx="9885228" cy="1737344"/>
           </a:xfrm>
         </p:grpSpPr>
         <p:sp>
@@ -3816,8 +7338,8 @@
           </p:nvSpPr>
           <p:spPr>
             <a:xfrm>
-              <a:off x="1129455" y="1021625"/>
-              <a:ext cx="2038033" cy="704092"/>
+              <a:off x="15270329" y="2858902"/>
+              <a:ext cx="2739479" cy="946425"/>
             </a:xfrm>
             <a:prstGeom prst="rect">
               <a:avLst/>
@@ -3853,21 +7375,21 @@
             <a:p>
               <a:pPr algn="ctr"/>
               <a:r>
-                <a:rPr lang="en-US" sz="1800" dirty="0" smtClean="0">
+                <a:rPr lang="en-US" sz="3600" dirty="0" smtClean="0">
                   <a:solidFill>
                     <a:srgbClr val="000000"/>
                   </a:solidFill>
-                  <a:latin typeface="Futura"/>
-                  <a:cs typeface="Futura"/>
+                  <a:latin typeface="Voltaire"/>
+                  <a:cs typeface="Voltaire"/>
                 </a:rPr>
                 <a:t>Qualification</a:t>
               </a:r>
-              <a:endParaRPr lang="en-US" sz="1800" dirty="0">
+              <a:endParaRPr lang="en-US" sz="3600" dirty="0">
                 <a:solidFill>
                   <a:srgbClr val="000000"/>
                 </a:solidFill>
-                <a:latin typeface="Futura"/>
-                <a:cs typeface="Futura"/>
+                <a:latin typeface="Voltaire"/>
+                <a:cs typeface="Voltaire"/>
               </a:endParaRPr>
             </a:p>
           </p:txBody>
@@ -3880,8 +7402,8 @@
           </p:nvSpPr>
           <p:spPr>
             <a:xfrm>
-              <a:off x="3286105" y="1021625"/>
-              <a:ext cx="2038033" cy="704092"/>
+              <a:off x="18169251" y="2858902"/>
+              <a:ext cx="2739479" cy="946425"/>
             </a:xfrm>
             <a:prstGeom prst="rect">
               <a:avLst/>
@@ -3917,21 +7439,21 @@
             <a:p>
               <a:pPr algn="ctr"/>
               <a:r>
-                <a:rPr lang="en-US" sz="1800" dirty="0" smtClean="0">
+                <a:rPr lang="en-US" sz="3600" dirty="0" smtClean="0">
                   <a:solidFill>
                     <a:srgbClr val="000000"/>
                   </a:solidFill>
-                  <a:latin typeface="Futura"/>
-                  <a:cs typeface="Futura"/>
+                  <a:latin typeface="Voltaire"/>
+                  <a:cs typeface="Voltaire"/>
                 </a:rPr>
-                <a:t>Film Mixture</a:t>
+                <a:t>Description</a:t>
               </a:r>
-              <a:endParaRPr lang="en-US" sz="1800" dirty="0">
+              <a:endParaRPr lang="en-US" sz="3600" dirty="0">
                 <a:solidFill>
                   <a:srgbClr val="000000"/>
                 </a:solidFill>
-                <a:latin typeface="Futura"/>
-                <a:cs typeface="Futura"/>
+                <a:latin typeface="Voltaire"/>
+                <a:cs typeface="Voltaire"/>
               </a:endParaRPr>
             </a:p>
           </p:txBody>
@@ -3944,8 +7466,8 @@
           </p:nvSpPr>
           <p:spPr>
             <a:xfrm>
-              <a:off x="5456559" y="1021625"/>
-              <a:ext cx="2038033" cy="704092"/>
+              <a:off x="21086727" y="2858902"/>
+              <a:ext cx="2739479" cy="946425"/>
             </a:xfrm>
             <a:prstGeom prst="rect">
               <a:avLst/>
@@ -3981,35 +7503,35 @@
             <a:p>
               <a:pPr algn="ctr"/>
               <a:r>
-                <a:rPr lang="en-US" sz="1800" dirty="0" smtClean="0">
+                <a:rPr lang="en-US" sz="3600" dirty="0" smtClean="0">
                   <a:solidFill>
                     <a:srgbClr val="000000"/>
                   </a:solidFill>
-                  <a:latin typeface="Futura"/>
-                  <a:cs typeface="Futura"/>
+                  <a:latin typeface="Voltaire"/>
+                  <a:cs typeface="Voltaire"/>
                 </a:rPr>
                 <a:t>Twist</a:t>
               </a:r>
-              <a:endParaRPr lang="en-US" sz="1800" dirty="0">
+              <a:endParaRPr lang="en-US" sz="3600" dirty="0">
                 <a:solidFill>
                   <a:srgbClr val="000000"/>
                 </a:solidFill>
-                <a:latin typeface="Futura"/>
-                <a:cs typeface="Futura"/>
+                <a:latin typeface="Voltaire"/>
+                <a:cs typeface="Voltaire"/>
               </a:endParaRPr>
             </a:p>
           </p:txBody>
         </p:sp>
         <p:sp>
           <p:nvSpPr>
-            <p:cNvPr id="82" name="TextBox 81"/>
+            <p:cNvPr id="84" name="TextBox 83"/>
             <p:cNvSpPr txBox="1"/>
             <p:nvPr/>
           </p:nvSpPr>
           <p:spPr>
             <a:xfrm>
-              <a:off x="6791996" y="351662"/>
-              <a:ext cx="1849852" cy="338554"/>
+              <a:off x="14984331" y="2067983"/>
+              <a:ext cx="9885228" cy="584776"/>
             </a:xfrm>
             <a:prstGeom prst="rect">
               <a:avLst/>
@@ -4022,126 +7544,55 @@
             </a:bodyPr>
             <a:lstStyle/>
             <a:p>
+              <a:pPr algn="ctr"/>
               <a:r>
-                <a:rPr lang="en-US" sz="1600" dirty="0" smtClean="0">
-                  <a:latin typeface="Chalkduster"/>
-                  <a:cs typeface="Chalkduster"/>
+                <a:rPr lang="en-US" sz="3200" dirty="0" smtClean="0">
+                  <a:latin typeface="Yellowtail"/>
+                  <a:cs typeface="Yellowtail"/>
                 </a:rPr>
-                <a:t>In space!</a:t>
+                <a:t>A strong       Transformers </a:t>
               </a:r>
-              <a:endParaRPr lang="en-US" sz="1600" dirty="0">
-                <a:latin typeface="Chalkduster"/>
-                <a:cs typeface="Chalkduster"/>
+              <a:r>
+                <a:rPr lang="en-US" sz="3200" dirty="0">
+                  <a:latin typeface="Yellowtail"/>
+                  <a:cs typeface="Yellowtail"/>
+                </a:rPr>
+                <a:t>meets Monty </a:t>
+              </a:r>
+              <a:r>
+                <a:rPr lang="en-US" sz="3200" dirty="0" smtClean="0">
+                  <a:latin typeface="Yellowtail"/>
+                  <a:cs typeface="Yellowtail"/>
+                </a:rPr>
+                <a:t>Python      in Space!</a:t>
+              </a:r>
+              <a:endParaRPr lang="en-US" sz="3200" dirty="0">
+                <a:latin typeface="Yellowtail"/>
+                <a:cs typeface="Yellowtail"/>
               </a:endParaRPr>
             </a:p>
           </p:txBody>
         </p:sp>
-        <p:sp>
-          <p:nvSpPr>
-            <p:cNvPr id="83" name="Freeform 82"/>
-            <p:cNvSpPr/>
+        <p:cxnSp>
+          <p:nvCxnSpPr>
+            <p:cNvPr id="65" name="Straight Connector 64"/>
+            <p:cNvCxnSpPr/>
             <p:nvPr/>
-          </p:nvSpPr>
+          </p:nvCxnSpPr>
           <p:spPr>
-            <a:xfrm>
-              <a:off x="6833357" y="773121"/>
-              <a:ext cx="400394" cy="386561"/>
+            <a:xfrm flipH="1" flipV="1">
+              <a:off x="16394977" y="2652759"/>
+              <a:ext cx="46183" cy="395188"/>
             </a:xfrm>
-            <a:custGeom>
+            <a:prstGeom prst="line">
               <a:avLst/>
-              <a:gdLst>
-                <a:gd name="connsiteX0" fmla="*/ 400394 w 400394"/>
-                <a:gd name="connsiteY0" fmla="*/ 0 h 386561"/>
-                <a:gd name="connsiteX1" fmla="*/ 400394 w 400394"/>
-                <a:gd name="connsiteY1" fmla="*/ 0 h 386561"/>
-                <a:gd name="connsiteX2" fmla="*/ 193321 w 400394"/>
-                <a:gd name="connsiteY2" fmla="*/ 179475 h 386561"/>
-                <a:gd name="connsiteX3" fmla="*/ 151907 w 400394"/>
-                <a:gd name="connsiteY3" fmla="*/ 207086 h 386561"/>
-                <a:gd name="connsiteX4" fmla="*/ 110492 w 400394"/>
-                <a:gd name="connsiteY4" fmla="*/ 220892 h 386561"/>
-                <a:gd name="connsiteX5" fmla="*/ 27663 w 400394"/>
-                <a:gd name="connsiteY5" fmla="*/ 331338 h 386561"/>
-                <a:gd name="connsiteX6" fmla="*/ 53 w 400394"/>
-                <a:gd name="connsiteY6" fmla="*/ 386561 h 386561"/>
-                <a:gd name="connsiteX7" fmla="*/ 53 w 400394"/>
-                <a:gd name="connsiteY7" fmla="*/ 386561 h 386561"/>
-                <a:gd name="connsiteX8" fmla="*/ 53 w 400394"/>
-                <a:gd name="connsiteY8" fmla="*/ 386561 h 386561"/>
-              </a:gdLst>
-              <a:ahLst/>
-              <a:cxnLst>
-                <a:cxn ang="0">
-                  <a:pos x="connsiteX0" y="connsiteY0"/>
-                </a:cxn>
-                <a:cxn ang="0">
-                  <a:pos x="connsiteX1" y="connsiteY1"/>
-                </a:cxn>
-                <a:cxn ang="0">
-                  <a:pos x="connsiteX2" y="connsiteY2"/>
-                </a:cxn>
-                <a:cxn ang="0">
-                  <a:pos x="connsiteX3" y="connsiteY3"/>
-                </a:cxn>
-                <a:cxn ang="0">
-                  <a:pos x="connsiteX4" y="connsiteY4"/>
-                </a:cxn>
-                <a:cxn ang="0">
-                  <a:pos x="connsiteX5" y="connsiteY5"/>
-                </a:cxn>
-                <a:cxn ang="0">
-                  <a:pos x="connsiteX6" y="connsiteY6"/>
-                </a:cxn>
-                <a:cxn ang="0">
-                  <a:pos x="connsiteX7" y="connsiteY7"/>
-                </a:cxn>
-                <a:cxn ang="0">
-                  <a:pos x="connsiteX8" y="connsiteY8"/>
-                </a:cxn>
-              </a:cxnLst>
-              <a:rect l="l" t="t" r="r" b="b"/>
-              <a:pathLst>
-                <a:path w="400394" h="386561">
-                  <a:moveTo>
-                    <a:pt x="400394" y="0"/>
-                  </a:moveTo>
-                  <a:lnTo>
-                    <a:pt x="400394" y="0"/>
-                  </a:lnTo>
-                  <a:cubicBezTo>
-                    <a:pt x="291436" y="99060"/>
-                    <a:pt x="283115" y="115333"/>
-                    <a:pt x="193321" y="179475"/>
-                  </a:cubicBezTo>
-                  <a:cubicBezTo>
-                    <a:pt x="179820" y="189119"/>
-                    <a:pt x="166747" y="199666"/>
-                    <a:pt x="151907" y="207086"/>
-                  </a:cubicBezTo>
-                  <a:cubicBezTo>
-                    <a:pt x="138892" y="213594"/>
-                    <a:pt x="124297" y="216290"/>
-                    <a:pt x="110492" y="220892"/>
-                  </a:cubicBezTo>
-                  <a:cubicBezTo>
-                    <a:pt x="59418" y="271970"/>
-                    <a:pt x="90103" y="237673"/>
-                    <a:pt x="27663" y="331338"/>
-                  </a:cubicBezTo>
-                  <a:cubicBezTo>
-                    <a:pt x="-2500" y="376585"/>
-                    <a:pt x="53" y="356163"/>
-                    <a:pt x="53" y="386561"/>
-                  </a:cubicBezTo>
-                  <a:lnTo>
-                    <a:pt x="53" y="386561"/>
-                  </a:lnTo>
-                  <a:lnTo>
-                    <a:pt x="53" y="386561"/>
-                  </a:lnTo>
-                </a:path>
-              </a:pathLst>
-            </a:custGeom>
+            </a:prstGeom>
+            <a:ln>
+              <a:solidFill>
+                <a:schemeClr val="tx1"/>
+              </a:solidFill>
+            </a:ln>
+            <a:effectLst/>
           </p:spPr>
           <p:style>
             <a:lnRef idx="2">
@@ -4157,140 +7608,27 @@
               <a:schemeClr val="tx1"/>
             </a:fontRef>
           </p:style>
-          <p:txBody>
-            <a:bodyPr rtlCol="0" anchor="ctr"/>
-            <a:lstStyle/>
-            <a:p>
-              <a:pPr algn="ctr"/>
-              <a:endParaRPr lang="en-US" sz="7200"/>
-            </a:p>
-          </p:txBody>
-        </p:sp>
-        <p:sp>
-          <p:nvSpPr>
-            <p:cNvPr id="84" name="TextBox 83"/>
-            <p:cNvSpPr txBox="1"/>
+        </p:cxnSp>
+        <p:cxnSp>
+          <p:nvCxnSpPr>
+            <p:cNvPr id="78" name="Straight Connector 77"/>
+            <p:cNvCxnSpPr/>
             <p:nvPr/>
-          </p:nvSpPr>
+          </p:nvCxnSpPr>
           <p:spPr>
-            <a:xfrm>
-              <a:off x="1076780" y="450398"/>
-              <a:ext cx="1184940" cy="338554"/>
+            <a:xfrm flipV="1">
+              <a:off x="22929876" y="2652759"/>
+              <a:ext cx="461830" cy="395188"/>
             </a:xfrm>
-            <a:prstGeom prst="rect">
+            <a:prstGeom prst="line">
               <a:avLst/>
             </a:prstGeom>
-            <a:noFill/>
-          </p:spPr>
-          <p:txBody>
-            <a:bodyPr wrap="none" rtlCol="0">
-              <a:spAutoFit/>
-            </a:bodyPr>
-            <a:lstStyle/>
-            <a:p>
-              <a:r>
-                <a:rPr lang="en-US" sz="1600" dirty="0" smtClean="0">
-                  <a:latin typeface="Chalkduster"/>
-                  <a:cs typeface="Chalkduster"/>
-                </a:rPr>
-                <a:t>A strong</a:t>
-              </a:r>
-              <a:endParaRPr lang="en-US" sz="1600" dirty="0">
-                <a:latin typeface="Chalkduster"/>
-                <a:cs typeface="Chalkduster"/>
-              </a:endParaRPr>
-            </a:p>
-          </p:txBody>
-        </p:sp>
-        <p:sp>
-          <p:nvSpPr>
-            <p:cNvPr id="85" name="TextBox 84"/>
-            <p:cNvSpPr txBox="1"/>
-            <p:nvPr/>
-          </p:nvSpPr>
-          <p:spPr>
-            <a:xfrm>
-              <a:off x="2989475" y="307868"/>
-              <a:ext cx="3001936" cy="584776"/>
-            </a:xfrm>
-            <a:prstGeom prst="rect">
-              <a:avLst/>
-            </a:prstGeom>
-            <a:noFill/>
-          </p:spPr>
-          <p:txBody>
-            <a:bodyPr wrap="square" rtlCol="0">
-              <a:spAutoFit/>
-            </a:bodyPr>
-            <a:lstStyle/>
-            <a:p>
-              <a:pPr algn="ctr"/>
-              <a:r>
-                <a:rPr lang="en-US" sz="1600" dirty="0" smtClean="0">
-                  <a:latin typeface="Chalkduster"/>
-                  <a:cs typeface="Chalkduster"/>
-                </a:rPr>
-                <a:t>Transformers meets Monty Python</a:t>
-              </a:r>
-              <a:endParaRPr lang="en-US" sz="1600" dirty="0">
-                <a:latin typeface="Chalkduster"/>
-                <a:cs typeface="Chalkduster"/>
-              </a:endParaRPr>
-            </a:p>
-          </p:txBody>
-        </p:sp>
-        <p:sp>
-          <p:nvSpPr>
-            <p:cNvPr id="86" name="Freeform 85"/>
-            <p:cNvSpPr/>
-            <p:nvPr/>
-          </p:nvSpPr>
-          <p:spPr>
-            <a:xfrm>
-              <a:off x="4407647" y="956235"/>
-              <a:ext cx="358588" cy="198922"/>
-            </a:xfrm>
-            <a:custGeom>
-              <a:avLst/>
-              <a:gdLst>
-                <a:gd name="connsiteX0" fmla="*/ 358588 w 358588"/>
-                <a:gd name="connsiteY0" fmla="*/ 0 h 198922"/>
-                <a:gd name="connsiteX1" fmla="*/ 104588 w 358588"/>
-                <a:gd name="connsiteY1" fmla="*/ 179294 h 198922"/>
-                <a:gd name="connsiteX2" fmla="*/ 0 w 358588"/>
-                <a:gd name="connsiteY2" fmla="*/ 194236 h 198922"/>
-              </a:gdLst>
-              <a:ahLst/>
-              <a:cxnLst>
-                <a:cxn ang="0">
-                  <a:pos x="connsiteX0" y="connsiteY0"/>
-                </a:cxn>
-                <a:cxn ang="0">
-                  <a:pos x="connsiteX1" y="connsiteY1"/>
-                </a:cxn>
-                <a:cxn ang="0">
-                  <a:pos x="connsiteX2" y="connsiteY2"/>
-                </a:cxn>
-              </a:cxnLst>
-              <a:rect l="l" t="t" r="r" b="b"/>
-              <a:pathLst>
-                <a:path w="358588" h="198922">
-                  <a:moveTo>
-                    <a:pt x="358588" y="0"/>
-                  </a:moveTo>
-                  <a:cubicBezTo>
-                    <a:pt x="261470" y="73460"/>
-                    <a:pt x="164353" y="146921"/>
-                    <a:pt x="104588" y="179294"/>
-                  </a:cubicBezTo>
-                  <a:cubicBezTo>
-                    <a:pt x="44823" y="211667"/>
-                    <a:pt x="0" y="194236"/>
-                    <a:pt x="0" y="194236"/>
-                  </a:cubicBezTo>
-                </a:path>
-              </a:pathLst>
-            </a:custGeom>
+            <a:ln>
+              <a:solidFill>
+                <a:schemeClr val="tx1"/>
+              </a:solidFill>
+            </a:ln>
+            <a:effectLst/>
           </p:spPr>
           <p:style>
             <a:lnRef idx="2">
@@ -4306,29 +7644,29 @@
               <a:schemeClr val="tx1"/>
             </a:fontRef>
           </p:style>
-          <p:txBody>
-            <a:bodyPr rtlCol="0" anchor="ctr"/>
-            <a:lstStyle/>
-            <a:p>
-              <a:pPr algn="ctr"/>
-              <a:endParaRPr lang="en-US" sz="7200"/>
-            </a:p>
-          </p:txBody>
-        </p:sp>
+        </p:cxnSp>
         <p:cxnSp>
           <p:nvCxnSpPr>
-            <p:cNvPr id="87" name="Straight Connector 86"/>
-            <p:cNvCxnSpPr/>
+            <p:cNvPr id="92" name="Straight Connector 91"/>
+            <p:cNvCxnSpPr>
+              <a:endCxn id="84" idx="2"/>
+            </p:cNvCxnSpPr>
             <p:nvPr/>
           </p:nvCxnSpPr>
           <p:spPr>
-            <a:xfrm>
-              <a:off x="1942353" y="819730"/>
-              <a:ext cx="74706" cy="335427"/>
+            <a:xfrm flipV="1">
+              <a:off x="19797335" y="2652759"/>
+              <a:ext cx="129610" cy="395188"/>
             </a:xfrm>
             <a:prstGeom prst="line">
               <a:avLst/>
             </a:prstGeom>
+            <a:ln>
+              <a:solidFill>
+                <a:schemeClr val="tx1"/>
+              </a:solidFill>
+            </a:ln>
+            <a:effectLst/>
           </p:spPr>
           <p:style>
             <a:lnRef idx="2">
@@ -4346,60 +7684,515 @@
           </p:style>
         </p:cxnSp>
       </p:grpSp>
+      <p:sp>
+        <p:nvSpPr>
+          <p:cNvPr id="95" name="TextBox 94"/>
+          <p:cNvSpPr txBox="1"/>
+          <p:nvPr/>
+        </p:nvSpPr>
+        <p:spPr>
+          <a:xfrm>
+            <a:off x="16220211" y="656225"/>
+            <a:ext cx="8327469" cy="1323439"/>
+          </a:xfrm>
+          <a:prstGeom prst="rect">
+            <a:avLst/>
+          </a:prstGeom>
+          <a:noFill/>
+        </p:spPr>
+        <p:txBody>
+          <a:bodyPr wrap="square" rtlCol="0">
+            <a:spAutoFit/>
+          </a:bodyPr>
+          <a:lstStyle/>
+          <a:p>
+            <a:r>
+              <a:rPr lang="en-US" sz="4000" b="1" dirty="0" smtClean="0">
+                <a:solidFill>
+                  <a:schemeClr val="accent5">
+                    <a:lumMod val="75000"/>
+                  </a:schemeClr>
+                </a:solidFill>
+                <a:latin typeface="Yellowtail"/>
+                <a:cs typeface="Yellowtail"/>
+              </a:rPr>
+              <a:t>Structure</a:t>
+            </a:r>
+            <a:r>
+              <a:rPr lang="en-US" sz="4000" dirty="0" smtClean="0">
+                <a:solidFill>
+                  <a:schemeClr val="accent5">
+                    <a:lumMod val="75000"/>
+                  </a:schemeClr>
+                </a:solidFill>
+                <a:latin typeface="Yellowtail"/>
+                <a:cs typeface="Yellowtail"/>
+              </a:rPr>
+              <a:t> - </a:t>
+            </a:r>
+            <a:r>
+              <a:rPr lang="en-US" sz="4000" b="1" dirty="0" smtClean="0">
+                <a:solidFill>
+                  <a:schemeClr val="accent5">
+                    <a:lumMod val="75000"/>
+                  </a:schemeClr>
+                </a:solidFill>
+                <a:latin typeface="Yellowtail"/>
+                <a:cs typeface="Yellowtail"/>
+              </a:rPr>
+              <a:t>Properties </a:t>
+            </a:r>
+            <a:r>
+              <a:rPr lang="en-US" sz="4000" b="1" dirty="0">
+                <a:solidFill>
+                  <a:schemeClr val="accent5">
+                    <a:lumMod val="75000"/>
+                  </a:schemeClr>
+                </a:solidFill>
+                <a:latin typeface="Yellowtail"/>
+                <a:cs typeface="Yellowtail"/>
+              </a:rPr>
+              <a:t>of A Film Mixture</a:t>
+            </a:r>
+            <a:endParaRPr lang="en-US" sz="4000" dirty="0">
+              <a:solidFill>
+                <a:schemeClr val="accent5">
+                  <a:lumMod val="75000"/>
+                </a:schemeClr>
+              </a:solidFill>
+              <a:latin typeface="Yellowtail"/>
+              <a:cs typeface="Yellowtail"/>
+            </a:endParaRPr>
+          </a:p>
+          <a:p>
+            <a:endParaRPr lang="en-US" sz="4000" dirty="0">
+              <a:solidFill>
+                <a:schemeClr val="accent5">
+                  <a:lumMod val="75000"/>
+                </a:schemeClr>
+              </a:solidFill>
+              <a:latin typeface="Yellowtail"/>
+              <a:cs typeface="Yellowtail"/>
+            </a:endParaRPr>
+          </a:p>
+        </p:txBody>
+      </p:sp>
+      <p:sp>
+        <p:nvSpPr>
+          <p:cNvPr id="101" name="TextBox 100"/>
+          <p:cNvSpPr txBox="1"/>
+          <p:nvPr/>
+        </p:nvSpPr>
+        <p:spPr>
+          <a:xfrm>
+            <a:off x="15960442" y="5436503"/>
+            <a:ext cx="10340664" cy="2308324"/>
+          </a:xfrm>
+          <a:prstGeom prst="rect">
+            <a:avLst/>
+          </a:prstGeom>
+          <a:noFill/>
+        </p:spPr>
+        <p:txBody>
+          <a:bodyPr wrap="square" rtlCol="0">
+            <a:spAutoFit/>
+          </a:bodyPr>
+          <a:lstStyle/>
+          <a:p>
+            <a:r>
+              <a:rPr lang="en-US" sz="2400" dirty="0" smtClean="0">
+                <a:latin typeface="Voltaire"/>
+                <a:cs typeface="Voltaire"/>
+              </a:rPr>
+              <a:t>Complexity</a:t>
+            </a:r>
+          </a:p>
+          <a:p>
+            <a:pPr algn="just"/>
+            <a:r>
+              <a:rPr lang="en-US" sz="2400" dirty="0" smtClean="0"/>
+              <a:t>The </a:t>
+            </a:r>
+            <a:r>
+              <a:rPr lang="en-US" sz="2400" dirty="0"/>
+              <a:t>most lucid descriptions mix films across different attributes, such as</a:t>
+            </a:r>
+          </a:p>
+          <a:p>
+            <a:pPr lvl="0" algn="just"/>
+            <a:r>
+              <a:rPr lang="en-US" sz="2400" dirty="0" smtClean="0"/>
+              <a:t>	</a:t>
+            </a:r>
+            <a:r>
+              <a:rPr lang="en-US" sz="2400" dirty="0" smtClean="0">
+                <a:latin typeface="Voltaire"/>
+                <a:cs typeface="Voltaire"/>
+              </a:rPr>
+              <a:t>Genre	Character Themes</a:t>
+            </a:r>
+          </a:p>
+          <a:p>
+            <a:pPr lvl="0" algn="just"/>
+            <a:r>
+              <a:rPr lang="en-US" sz="2400" dirty="0" smtClean="0">
+                <a:latin typeface="Voltaire"/>
+                <a:cs typeface="Voltaire"/>
+              </a:rPr>
+              <a:t>	</a:t>
+            </a:r>
+            <a:r>
+              <a:rPr lang="en-US" sz="2400" dirty="0">
+                <a:latin typeface="Voltaire"/>
+                <a:cs typeface="Voltaire"/>
+              </a:rPr>
+              <a:t>Visual </a:t>
+            </a:r>
+            <a:r>
+              <a:rPr lang="en-US" sz="2400" dirty="0" smtClean="0">
+                <a:latin typeface="Voltaire"/>
+                <a:cs typeface="Voltaire"/>
+              </a:rPr>
+              <a:t>Style	Narrative Themes</a:t>
+            </a:r>
+            <a:endParaRPr lang="en-US" sz="2400" dirty="0">
+              <a:latin typeface="Voltaire"/>
+              <a:cs typeface="Voltaire"/>
+            </a:endParaRPr>
+          </a:p>
+          <a:p>
+            <a:pPr algn="just"/>
+            <a:r>
+              <a:rPr lang="en-US" sz="2400" dirty="0"/>
+              <a:t> In a single description, films can represent one or more of attributes, but not necessarily all of them</a:t>
+            </a:r>
+            <a:r>
+              <a:rPr lang="en-US" sz="2400" dirty="0" smtClean="0"/>
+              <a:t>.</a:t>
+            </a:r>
+            <a:endParaRPr lang="en-US" sz="2400" dirty="0"/>
+          </a:p>
+        </p:txBody>
+      </p:sp>
       <p:grpSp>
         <p:nvGrpSpPr>
-          <p:cNvPr id="100" name="Group 99"/>
+          <p:cNvPr id="114" name="Group 113"/>
           <p:cNvGrpSpPr/>
           <p:nvPr/>
         </p:nvGrpSpPr>
         <p:grpSpPr>
           <a:xfrm>
-            <a:off x="25774954" y="1628860"/>
-            <a:ext cx="6587051" cy="8483181"/>
-            <a:chOff x="25774954" y="1628860"/>
-            <a:chExt cx="6587051" cy="8483181"/>
+            <a:off x="31763545" y="2069348"/>
+            <a:ext cx="6278701" cy="6001642"/>
+            <a:chOff x="37028299" y="380184"/>
+            <a:chExt cx="6278701" cy="6001642"/>
           </a:xfrm>
         </p:grpSpPr>
-        <p:pic>
-          <p:nvPicPr>
-            <p:cNvPr id="94" name="Picture 93"/>
-            <p:cNvPicPr>
-              <a:picLocks noChangeAspect="1"/>
-            </p:cNvPicPr>
+        <p:sp>
+          <p:nvSpPr>
+            <p:cNvPr id="104" name="TextBox 103"/>
+            <p:cNvSpPr txBox="1"/>
             <p:nvPr/>
-          </p:nvPicPr>
-          <p:blipFill rotWithShape="1">
-            <a:blip r:embed="rId2"/>
-            <a:srcRect l="13495" t="4518" r="32431" b="8067"/>
-            <a:stretch/>
-          </p:blipFill>
+          </p:nvSpPr>
           <p:spPr>
             <a:xfrm>
-              <a:off x="27256489" y="1674812"/>
-              <a:ext cx="2843056" cy="8259709"/>
+              <a:off x="38417088" y="380184"/>
+              <a:ext cx="3759200" cy="6001642"/>
             </a:xfrm>
             <a:prstGeom prst="rect">
               <a:avLst/>
             </a:prstGeom>
+            <a:noFill/>
           </p:spPr>
-        </p:pic>
+          <p:txBody>
+            <a:bodyPr wrap="square" rtlCol="0">
+              <a:spAutoFit/>
+            </a:bodyPr>
+            <a:lstStyle/>
+            <a:p>
+              <a:pPr algn="ctr"/>
+              <a:r>
+                <a:rPr lang="en-US" sz="4000" dirty="0" smtClean="0">
+                  <a:latin typeface="Voltaire"/>
+                  <a:cs typeface="Voltaire"/>
+                </a:rPr>
+                <a:t>great</a:t>
+              </a:r>
+            </a:p>
+            <a:p>
+              <a:pPr algn="ctr"/>
+              <a:r>
+                <a:rPr lang="en-US" sz="4000" dirty="0" smtClean="0">
+                  <a:latin typeface="Voltaire"/>
+                  <a:cs typeface="Voltaire"/>
+                </a:rPr>
+                <a:t>Tarantino</a:t>
+              </a:r>
+            </a:p>
+            <a:p>
+              <a:pPr algn="ctr"/>
+              <a:r>
+                <a:rPr lang="en-US" sz="3600" dirty="0" smtClean="0">
+                  <a:latin typeface="Voltaire"/>
+                  <a:cs typeface="Voltaire"/>
+                </a:rPr>
+                <a:t>French</a:t>
+              </a:r>
+              <a:endParaRPr lang="en-US" sz="3600" dirty="0">
+                <a:latin typeface="Voltaire"/>
+                <a:cs typeface="Voltaire"/>
+              </a:endParaRPr>
+            </a:p>
+            <a:p>
+              <a:pPr algn="ctr"/>
+              <a:r>
+                <a:rPr lang="en-US" sz="3600" dirty="0">
+                  <a:latin typeface="Voltaire"/>
+                  <a:cs typeface="Voltaire"/>
+                </a:rPr>
+                <a:t> </a:t>
+              </a:r>
+              <a:r>
+                <a:rPr lang="en-US" sz="3600" dirty="0" smtClean="0">
+                  <a:latin typeface="Voltaire"/>
+                  <a:cs typeface="Voltaire"/>
+                </a:rPr>
+                <a:t>Tim Burton</a:t>
+              </a:r>
+            </a:p>
+            <a:p>
+              <a:pPr algn="ctr"/>
+              <a:r>
+                <a:rPr lang="en-US" sz="3200" dirty="0" smtClean="0">
+                  <a:latin typeface="Voltaire"/>
+                  <a:cs typeface="Voltaire"/>
+                </a:rPr>
+                <a:t>Kubrick</a:t>
+              </a:r>
+            </a:p>
+            <a:p>
+              <a:pPr algn="ctr"/>
+              <a:r>
+                <a:rPr lang="en-US" sz="2400" dirty="0" err="1" smtClean="0">
+                  <a:latin typeface="Voltaire"/>
+                  <a:cs typeface="Voltaire"/>
+                </a:rPr>
+                <a:t>Lynchy</a:t>
+              </a:r>
+              <a:endParaRPr lang="en-US" sz="2400" dirty="0" smtClean="0">
+                <a:latin typeface="Voltaire"/>
+                <a:cs typeface="Voltaire"/>
+              </a:endParaRPr>
+            </a:p>
+            <a:p>
+              <a:pPr algn="ctr"/>
+              <a:r>
+                <a:rPr lang="en-US" sz="2400" dirty="0" smtClean="0">
+                  <a:latin typeface="Voltaire"/>
+                  <a:cs typeface="Voltaire"/>
+                </a:rPr>
+                <a:t>British</a:t>
+              </a:r>
+              <a:endParaRPr lang="en-US" sz="2400" dirty="0">
+                <a:latin typeface="Voltaire"/>
+                <a:cs typeface="Voltaire"/>
+              </a:endParaRPr>
+            </a:p>
+            <a:p>
+              <a:pPr algn="ctr"/>
+              <a:r>
+                <a:rPr lang="en-US" sz="2400" dirty="0">
+                  <a:latin typeface="Voltaire"/>
+                  <a:cs typeface="Voltaire"/>
+                </a:rPr>
+                <a:t> </a:t>
+              </a:r>
+              <a:r>
+                <a:rPr lang="en-US" sz="2400" dirty="0" smtClean="0">
+                  <a:latin typeface="Voltaire"/>
+                  <a:cs typeface="Voltaire"/>
+                </a:rPr>
+                <a:t>Star </a:t>
+              </a:r>
+              <a:r>
+                <a:rPr lang="en-US" sz="2400" dirty="0">
+                  <a:latin typeface="Voltaire"/>
+                  <a:cs typeface="Voltaire"/>
+                </a:rPr>
+                <a:t>Trek</a:t>
+              </a:r>
+            </a:p>
+            <a:p>
+              <a:pPr algn="ctr"/>
+              <a:r>
+                <a:rPr lang="en-US" sz="2400" dirty="0" smtClean="0">
+                  <a:latin typeface="Voltaire"/>
+                  <a:cs typeface="Voltaire"/>
+                </a:rPr>
+                <a:t>Japanese</a:t>
+              </a:r>
+              <a:endParaRPr lang="en-US" sz="2400" dirty="0">
+                <a:latin typeface="Voltaire"/>
+                <a:cs typeface="Voltaire"/>
+              </a:endParaRPr>
+            </a:p>
+            <a:p>
+              <a:pPr algn="ctr"/>
+              <a:r>
+                <a:rPr lang="en-US" sz="2400" dirty="0" smtClean="0">
+                  <a:latin typeface="Voltaire"/>
+                  <a:cs typeface="Voltaire"/>
+                </a:rPr>
+                <a:t>James Bond</a:t>
+              </a:r>
+            </a:p>
+            <a:p>
+              <a:pPr algn="ctr"/>
+              <a:r>
+                <a:rPr lang="en-US" sz="2400" dirty="0" smtClean="0">
+                  <a:latin typeface="Voltaire"/>
+                  <a:cs typeface="Voltaire"/>
+                </a:rPr>
+                <a:t>Huge</a:t>
+              </a:r>
+            </a:p>
+            <a:p>
+              <a:pPr algn="ctr"/>
+              <a:r>
+                <a:rPr lang="en-US" sz="2000" dirty="0" smtClean="0">
+                  <a:latin typeface="Voltaire"/>
+                  <a:cs typeface="Voltaire"/>
+                </a:rPr>
+                <a:t>Scorsese</a:t>
+              </a:r>
+            </a:p>
+            <a:p>
+              <a:pPr algn="ctr"/>
+              <a:r>
+                <a:rPr lang="en-US" sz="2000" dirty="0" smtClean="0">
+                  <a:latin typeface="Voltaire"/>
+                  <a:cs typeface="Voltaire"/>
+                </a:rPr>
+                <a:t>Christmas</a:t>
+              </a:r>
+            </a:p>
+            <a:p>
+              <a:pPr algn="ctr"/>
+              <a:r>
+                <a:rPr lang="en-US" sz="1800" dirty="0" smtClean="0">
+                  <a:latin typeface="Voltaire"/>
+                  <a:cs typeface="Voltaire"/>
+                </a:rPr>
+                <a:t>Muppet</a:t>
+              </a:r>
+              <a:endParaRPr lang="en-US" sz="2000" dirty="0">
+                <a:latin typeface="Voltaire"/>
+                <a:cs typeface="Voltaire"/>
+              </a:endParaRPr>
+            </a:p>
+          </p:txBody>
+        </p:sp>
         <p:sp>
           <p:nvSpPr>
-            <p:cNvPr id="96" name="Left Brace 95"/>
+            <p:cNvPr id="111" name="TextBox 110"/>
+            <p:cNvSpPr txBox="1"/>
+            <p:nvPr/>
+          </p:nvSpPr>
+          <p:spPr>
+            <a:xfrm>
+              <a:off x="37028299" y="2954418"/>
+              <a:ext cx="1464989" cy="769441"/>
+            </a:xfrm>
+            <a:prstGeom prst="rect">
+              <a:avLst/>
+            </a:prstGeom>
+            <a:noFill/>
+          </p:spPr>
+          <p:txBody>
+            <a:bodyPr wrap="none" rtlCol="0">
+              <a:spAutoFit/>
+            </a:bodyPr>
+            <a:lstStyle/>
+            <a:p>
+              <a:r>
+                <a:rPr lang="en-US" sz="4400" dirty="0" smtClean="0">
+                  <a:latin typeface="Voltaire"/>
+                  <a:cs typeface="Voltaire"/>
+                </a:rPr>
+                <a:t>With a</a:t>
+              </a:r>
+              <a:endParaRPr lang="en-US" sz="4400" dirty="0">
+                <a:latin typeface="Voltaire"/>
+                <a:cs typeface="Voltaire"/>
+              </a:endParaRPr>
+            </a:p>
+          </p:txBody>
+        </p:sp>
+        <p:sp>
+          <p:nvSpPr>
+            <p:cNvPr id="112" name="TextBox 111"/>
+            <p:cNvSpPr txBox="1"/>
+            <p:nvPr/>
+          </p:nvSpPr>
+          <p:spPr>
+            <a:xfrm>
+              <a:off x="42112843" y="2954418"/>
+              <a:ext cx="1194157" cy="769441"/>
+            </a:xfrm>
+            <a:prstGeom prst="rect">
+              <a:avLst/>
+            </a:prstGeom>
+            <a:noFill/>
+          </p:spPr>
+          <p:txBody>
+            <a:bodyPr wrap="none" rtlCol="0">
+              <a:spAutoFit/>
+            </a:bodyPr>
+            <a:lstStyle/>
+            <a:p>
+              <a:r>
+                <a:rPr lang="it-IT" sz="4400" dirty="0">
+                  <a:latin typeface="Voltaire"/>
+                  <a:cs typeface="Voltaire"/>
+                </a:rPr>
+                <a:t>t</a:t>
+              </a:r>
+              <a:r>
+                <a:rPr lang="it-IT" sz="4400" dirty="0" smtClean="0">
+                  <a:latin typeface="Voltaire"/>
+                  <a:cs typeface="Voltaire"/>
+                </a:rPr>
+                <a:t>wist</a:t>
+              </a:r>
+              <a:endParaRPr lang="en-US" sz="4400" dirty="0">
+                <a:latin typeface="Voltaire"/>
+                <a:cs typeface="Voltaire"/>
+              </a:endParaRPr>
+            </a:p>
+          </p:txBody>
+        </p:sp>
+        <p:sp>
+          <p:nvSpPr>
+            <p:cNvPr id="113" name="Double Brace 112"/>
             <p:cNvSpPr/>
             <p:nvPr/>
           </p:nvSpPr>
           <p:spPr>
             <a:xfrm>
-              <a:off x="26356776" y="1628860"/>
-              <a:ext cx="1141138" cy="8483181"/>
+              <a:off x="38681045" y="396940"/>
+              <a:ext cx="3279398" cy="5953534"/>
             </a:xfrm>
-            <a:prstGeom prst="leftBrace">
+            <a:prstGeom prst="bracePair">
               <a:avLst>
-                <a:gd name="adj1" fmla="val 138127"/>
-                <a:gd name="adj2" fmla="val 50000"/>
+                <a:gd name="adj" fmla="val 11825"/>
               </a:avLst>
             </a:prstGeom>
+            <a:ln>
+              <a:solidFill>
+                <a:srgbClr val="000000"/>
+              </a:solidFill>
+            </a:ln>
+            <a:effectLst/>
           </p:spPr>
           <p:style>
             <a:lnRef idx="2">
@@ -4420,182 +8213,370 @@
             <a:lstStyle/>
             <a:p>
               <a:pPr algn="ctr"/>
-              <a:endParaRPr lang="en-US" sz="2000">
-                <a:latin typeface="Futura"/>
-                <a:cs typeface="Futura"/>
-              </a:endParaRPr>
-            </a:p>
-          </p:txBody>
-        </p:sp>
-        <p:sp>
-          <p:nvSpPr>
-            <p:cNvPr id="97" name="Left Brace 96"/>
-            <p:cNvSpPr/>
-            <p:nvPr/>
-          </p:nvSpPr>
-          <p:spPr>
-            <a:xfrm rot="10800000">
-              <a:off x="29815679" y="1628860"/>
-              <a:ext cx="1141138" cy="8483181"/>
-            </a:xfrm>
-            <a:prstGeom prst="leftBrace">
-              <a:avLst>
-                <a:gd name="adj1" fmla="val 138127"/>
-                <a:gd name="adj2" fmla="val 50000"/>
-              </a:avLst>
-            </a:prstGeom>
-          </p:spPr>
-          <p:style>
-            <a:lnRef idx="2">
-              <a:schemeClr val="accent1"/>
-            </a:lnRef>
-            <a:fillRef idx="0">
-              <a:schemeClr val="accent1"/>
-            </a:fillRef>
-            <a:effectRef idx="1">
-              <a:schemeClr val="accent1"/>
-            </a:effectRef>
-            <a:fontRef idx="minor">
-              <a:schemeClr val="tx1"/>
-            </a:fontRef>
-          </p:style>
-          <p:txBody>
-            <a:bodyPr rtlCol="0" anchor="ctr"/>
-            <a:lstStyle/>
-            <a:p>
-              <a:pPr algn="ctr"/>
-              <a:endParaRPr lang="en-US" sz="2000">
-                <a:latin typeface="Futura"/>
-                <a:cs typeface="Futura"/>
-              </a:endParaRPr>
-            </a:p>
-          </p:txBody>
-        </p:sp>
-        <p:sp>
-          <p:nvSpPr>
-            <p:cNvPr id="98" name="TextBox 97"/>
-            <p:cNvSpPr txBox="1"/>
-            <p:nvPr/>
-          </p:nvSpPr>
-          <p:spPr>
-            <a:xfrm>
-              <a:off x="25774954" y="5600909"/>
-              <a:ext cx="473651" cy="523220"/>
-            </a:xfrm>
-            <a:prstGeom prst="rect">
-              <a:avLst/>
-            </a:prstGeom>
-            <a:noFill/>
-          </p:spPr>
-          <p:txBody>
-            <a:bodyPr wrap="square" rtlCol="0">
-              <a:spAutoFit/>
-            </a:bodyPr>
-            <a:lstStyle/>
-            <a:p>
-              <a:r>
-                <a:rPr lang="en-US" sz="2800" dirty="0">
-                  <a:latin typeface="Futura"/>
-                  <a:cs typeface="Futura"/>
-                </a:rPr>
-                <a:t>a</a:t>
-              </a:r>
-            </a:p>
-          </p:txBody>
-        </p:sp>
-        <p:sp>
-          <p:nvSpPr>
-            <p:cNvPr id="99" name="TextBox 98"/>
-            <p:cNvSpPr txBox="1"/>
-            <p:nvPr/>
-          </p:nvSpPr>
-          <p:spPr>
-            <a:xfrm>
-              <a:off x="31282773" y="5662464"/>
-              <a:ext cx="1079232" cy="523220"/>
-            </a:xfrm>
-            <a:prstGeom prst="rect">
-              <a:avLst/>
-            </a:prstGeom>
-            <a:noFill/>
-          </p:spPr>
-          <p:txBody>
-            <a:bodyPr wrap="square" rtlCol="0">
-              <a:spAutoFit/>
-            </a:bodyPr>
-            <a:lstStyle/>
-            <a:p>
-              <a:r>
-                <a:rPr lang="en-US" sz="2800" dirty="0" smtClean="0">
-                  <a:latin typeface="Futura"/>
-                  <a:cs typeface="Futura"/>
-                </a:rPr>
-                <a:t>twist</a:t>
-              </a:r>
-              <a:endParaRPr lang="en-US" sz="2800" dirty="0">
-                <a:latin typeface="Futura"/>
-                <a:cs typeface="Futura"/>
-              </a:endParaRPr>
+              <a:endParaRPr lang="en-US"/>
             </a:p>
           </p:txBody>
         </p:sp>
       </p:grpSp>
+      <p:sp>
+        <p:nvSpPr>
+          <p:cNvPr id="121" name="TextBox 120"/>
+          <p:cNvSpPr txBox="1"/>
+          <p:nvPr/>
+        </p:nvSpPr>
+        <p:spPr>
+          <a:xfrm>
+            <a:off x="34216494" y="27626891"/>
+            <a:ext cx="8894121" cy="3662541"/>
+          </a:xfrm>
+          <a:prstGeom prst="rect">
+            <a:avLst/>
+          </a:prstGeom>
+          <a:noFill/>
+        </p:spPr>
+        <p:txBody>
+          <a:bodyPr wrap="square" rtlCol="0">
+            <a:spAutoFit/>
+          </a:bodyPr>
+          <a:lstStyle/>
+          <a:p>
+            <a:pPr algn="ctr"/>
+            <a:r>
+              <a:rPr lang="en-US" sz="4000" b="1" dirty="0">
+                <a:solidFill>
+                  <a:srgbClr val="31859C"/>
+                </a:solidFill>
+                <a:latin typeface="Yellowtail"/>
+                <a:cs typeface="Yellowtail"/>
+              </a:rPr>
+              <a:t>Future Directions</a:t>
+            </a:r>
+            <a:endParaRPr lang="en-US" sz="4000" dirty="0">
+              <a:solidFill>
+                <a:srgbClr val="31859C"/>
+              </a:solidFill>
+              <a:latin typeface="Yellowtail"/>
+              <a:cs typeface="Yellowtail"/>
+            </a:endParaRPr>
+          </a:p>
+          <a:p>
+            <a:pPr marL="342900" lvl="0" indent="-342900">
+              <a:buFont typeface="Arial"/>
+              <a:buChar char="•"/>
+            </a:pPr>
+            <a:r>
+              <a:rPr lang="en-US" sz="2400" dirty="0" smtClean="0"/>
+              <a:t>Satisfaction </a:t>
+            </a:r>
+            <a:r>
+              <a:rPr lang="en-US" sz="2400" dirty="0"/>
+              <a:t>survey: do recipients feel that they understand a film that has been described through a mixture</a:t>
+            </a:r>
+            <a:r>
+              <a:rPr lang="en-US" sz="2400" dirty="0" smtClean="0"/>
+              <a:t>?</a:t>
+            </a:r>
+          </a:p>
+          <a:p>
+            <a:pPr marL="342900" lvl="0" indent="-342900">
+              <a:buFont typeface="Arial"/>
+              <a:buChar char="•"/>
+            </a:pPr>
+            <a:endParaRPr lang="en-US" sz="2400" dirty="0"/>
+          </a:p>
+          <a:p>
+            <a:pPr marL="342900" lvl="0" indent="-342900">
+              <a:buFont typeface="Arial"/>
+              <a:buChar char="•"/>
+            </a:pPr>
+            <a:r>
+              <a:rPr lang="en-US" sz="2400" dirty="0"/>
+              <a:t>Generation: can we adopt the findings of this study to describe new films or other information objects</a:t>
+            </a:r>
+            <a:r>
+              <a:rPr lang="en-US" sz="2400" dirty="0" smtClean="0"/>
+              <a:t>?</a:t>
+            </a:r>
+          </a:p>
+          <a:p>
+            <a:pPr marL="342900" lvl="0" indent="-342900">
+              <a:buFont typeface="Arial"/>
+              <a:buChar char="•"/>
+            </a:pPr>
+            <a:endParaRPr lang="en-US" sz="2400" dirty="0" smtClean="0"/>
+          </a:p>
+          <a:p>
+            <a:pPr marL="342900" lvl="0" indent="-342900">
+              <a:buFont typeface="Arial"/>
+              <a:buChar char="•"/>
+            </a:pPr>
+            <a:r>
+              <a:rPr lang="en-US" sz="2400" dirty="0"/>
+              <a:t>Can this approach be useful for things other than movies? Books? Research papers? datasets?</a:t>
+            </a:r>
+            <a:endParaRPr lang="en-US" sz="2400" dirty="0" smtClean="0"/>
+          </a:p>
+        </p:txBody>
+      </p:sp>
+      <p:sp>
+        <p:nvSpPr>
+          <p:cNvPr id="122" name="TextBox 121"/>
+          <p:cNvSpPr txBox="1"/>
+          <p:nvPr/>
+        </p:nvSpPr>
+        <p:spPr>
+          <a:xfrm>
+            <a:off x="26113354" y="2838703"/>
+            <a:ext cx="5261441" cy="3046988"/>
+          </a:xfrm>
+          <a:prstGeom prst="rect">
+            <a:avLst/>
+          </a:prstGeom>
+          <a:noFill/>
+        </p:spPr>
+        <p:txBody>
+          <a:bodyPr wrap="square" rtlCol="0">
+            <a:spAutoFit/>
+          </a:bodyPr>
+          <a:lstStyle/>
+          <a:p>
+            <a:pPr algn="ctr"/>
+            <a:r>
+              <a:rPr lang="en-US" sz="3200" dirty="0" smtClean="0">
+                <a:latin typeface="Voltaire"/>
+                <a:cs typeface="Voltaire"/>
+              </a:rPr>
+              <a:t>X meets Y</a:t>
+            </a:r>
+          </a:p>
+          <a:p>
+            <a:pPr algn="ctr"/>
+            <a:r>
+              <a:rPr lang="en-US" sz="3200" dirty="0" smtClean="0">
+                <a:latin typeface="Voltaire"/>
+                <a:cs typeface="Voltaire"/>
+              </a:rPr>
+              <a:t>X / Y / Z</a:t>
+            </a:r>
+          </a:p>
+          <a:p>
+            <a:pPr algn="ctr"/>
+            <a:r>
+              <a:rPr lang="en-US" sz="3200" dirty="0" smtClean="0">
+                <a:latin typeface="Voltaire"/>
+                <a:cs typeface="Voltaire"/>
+              </a:rPr>
+              <a:t>mix of X</a:t>
+            </a:r>
+            <a:r>
+              <a:rPr lang="en-US" sz="3200" dirty="0">
+                <a:latin typeface="Voltaire"/>
+                <a:cs typeface="Voltaire"/>
+              </a:rPr>
+              <a:t> </a:t>
+            </a:r>
+            <a:r>
+              <a:rPr lang="en-US" sz="3200" dirty="0" smtClean="0">
+                <a:latin typeface="Voltaire"/>
+                <a:cs typeface="Voltaire"/>
+              </a:rPr>
+              <a:t>and Y</a:t>
+            </a:r>
+          </a:p>
+          <a:p>
+            <a:pPr algn="ctr"/>
+            <a:r>
+              <a:rPr lang="en-US" sz="3200" dirty="0" err="1" smtClean="0">
+                <a:latin typeface="Voltaire"/>
+                <a:cs typeface="Voltaire"/>
+              </a:rPr>
+              <a:t>mashup</a:t>
+            </a:r>
+            <a:r>
+              <a:rPr lang="en-US" sz="3200" dirty="0" smtClean="0">
+                <a:latin typeface="Voltaire"/>
+                <a:cs typeface="Voltaire"/>
+              </a:rPr>
+              <a:t> of  X and Y</a:t>
+            </a:r>
+          </a:p>
+          <a:p>
+            <a:pPr algn="ctr"/>
+            <a:r>
+              <a:rPr lang="en-US" sz="3200" dirty="0" smtClean="0">
+                <a:latin typeface="Voltaire"/>
+                <a:cs typeface="Voltaire"/>
+              </a:rPr>
+              <a:t>combination of </a:t>
+            </a:r>
+            <a:r>
+              <a:rPr lang="en-US" sz="3200" dirty="0">
+                <a:latin typeface="Voltaire"/>
+                <a:cs typeface="Voltaire"/>
+              </a:rPr>
+              <a:t>X and Y</a:t>
+            </a:r>
+            <a:endParaRPr lang="en-US" sz="3200" dirty="0" smtClean="0">
+              <a:latin typeface="Voltaire"/>
+              <a:cs typeface="Voltaire"/>
+            </a:endParaRPr>
+          </a:p>
+          <a:p>
+            <a:pPr algn="ctr"/>
+            <a:r>
+              <a:rPr lang="en-US" sz="3200" dirty="0" smtClean="0">
+                <a:latin typeface="Voltaire"/>
+                <a:cs typeface="Voltaire"/>
+              </a:rPr>
+              <a:t>Offspring of </a:t>
+            </a:r>
+            <a:r>
+              <a:rPr lang="en-US" sz="3200" dirty="0">
+                <a:latin typeface="Voltaire"/>
+                <a:cs typeface="Voltaire"/>
+              </a:rPr>
+              <a:t>X and </a:t>
+            </a:r>
+            <a:r>
+              <a:rPr lang="en-US" sz="3200" dirty="0" smtClean="0">
+                <a:latin typeface="Voltaire"/>
+                <a:cs typeface="Voltaire"/>
+              </a:rPr>
+              <a:t>Y</a:t>
+            </a:r>
+          </a:p>
+        </p:txBody>
+      </p:sp>
+      <p:sp>
+        <p:nvSpPr>
+          <p:cNvPr id="125" name="Rectangle 124"/>
+          <p:cNvSpPr/>
+          <p:nvPr/>
+        </p:nvSpPr>
+        <p:spPr>
+          <a:xfrm rot="20792664">
+            <a:off x="26420000" y="915432"/>
+            <a:ext cx="2355371" cy="1080623"/>
+          </a:xfrm>
+          <a:prstGeom prst="rect">
+            <a:avLst/>
+          </a:prstGeom>
+        </p:spPr>
+        <p:txBody>
+          <a:bodyPr wrap="none">
+            <a:prstTxWarp prst="textCascadeUp">
+              <a:avLst>
+                <a:gd name="adj" fmla="val 44239"/>
+              </a:avLst>
+            </a:prstTxWarp>
+            <a:spAutoFit/>
+          </a:bodyPr>
+          <a:lstStyle/>
+          <a:p>
+            <a:r>
+              <a:rPr lang="en-US" dirty="0" smtClean="0">
+                <a:latin typeface="Mrs Sheppards Regular"/>
+                <a:cs typeface="Mrs Sheppards Regular"/>
+              </a:rPr>
+              <a:t>descriptions</a:t>
+            </a:r>
+            <a:endParaRPr lang="en-US" dirty="0">
+              <a:latin typeface="Mrs Sheppards Regular"/>
+              <a:cs typeface="Mrs Sheppards Regular"/>
+            </a:endParaRPr>
+          </a:p>
+        </p:txBody>
+      </p:sp>
+      <p:sp>
+        <p:nvSpPr>
+          <p:cNvPr id="128" name="Rectangle 127"/>
+          <p:cNvSpPr/>
+          <p:nvPr/>
+        </p:nvSpPr>
+        <p:spPr>
+          <a:xfrm rot="20969597">
+            <a:off x="32290644" y="1343668"/>
+            <a:ext cx="1430926" cy="683482"/>
+          </a:xfrm>
+          <a:prstGeom prst="rect">
+            <a:avLst/>
+          </a:prstGeom>
+        </p:spPr>
+        <p:txBody>
+          <a:bodyPr wrap="none">
+            <a:prstTxWarp prst="textCascadeUp">
+              <a:avLst>
+                <a:gd name="adj" fmla="val 63463"/>
+              </a:avLst>
+            </a:prstTxWarp>
+            <a:spAutoFit/>
+          </a:bodyPr>
+          <a:lstStyle/>
+          <a:p>
+            <a:r>
+              <a:rPr lang="en-US" sz="4400" dirty="0" smtClean="0">
+                <a:latin typeface="Mrs Sheppards Regular"/>
+                <a:cs typeface="Mrs Sheppards Regular"/>
+              </a:rPr>
+              <a:t>twists</a:t>
+            </a:r>
+            <a:endParaRPr lang="en-US" sz="4400" dirty="0">
+              <a:latin typeface="Mrs Sheppards Regular"/>
+              <a:cs typeface="Mrs Sheppards Regular"/>
+            </a:endParaRPr>
+          </a:p>
+        </p:txBody>
+      </p:sp>
       <p:grpSp>
         <p:nvGrpSpPr>
-          <p:cNvPr id="108" name="Group 107"/>
+          <p:cNvPr id="131" name="Group 130"/>
           <p:cNvGrpSpPr/>
           <p:nvPr/>
         </p:nvGrpSpPr>
         <p:grpSpPr>
           <a:xfrm>
-            <a:off x="4407099" y="13720611"/>
-            <a:ext cx="14333313" cy="8124442"/>
-            <a:chOff x="6997488" y="11321957"/>
-            <a:chExt cx="11460480" cy="6496056"/>
+            <a:off x="37750934" y="-864146"/>
+            <a:ext cx="7214620" cy="7214620"/>
+            <a:chOff x="38420089" y="373995"/>
+            <a:chExt cx="5694249" cy="5694249"/>
           </a:xfrm>
         </p:grpSpPr>
         <p:pic>
           <p:nvPicPr>
-            <p:cNvPr id="105" name="Picture 104"/>
+            <p:cNvPr id="129" name="Picture 128" descr="wordcloud3.png"/>
             <p:cNvPicPr>
               <a:picLocks noChangeAspect="1"/>
             </p:cNvPicPr>
             <p:nvPr/>
           </p:nvPicPr>
           <p:blipFill>
-            <a:blip r:embed="rId3"/>
+            <a:blip r:embed="rId5">
+              <a:extLst>
+                <a:ext uri="{BEBA8EAE-BF5A-486C-A8C5-ECC9F3942E4B}">
+                  <a14:imgProps xmlns:a14="http://schemas.microsoft.com/office/drawing/2010/main">
+                    <a14:imgLayer r:embed="rId6">
+                      <a14:imgEffect>
+                        <a14:sharpenSoften amount="50000"/>
+                      </a14:imgEffect>
+                      <a14:imgEffect>
+                        <a14:brightnessContrast contrast="-40000"/>
+                      </a14:imgEffect>
+                    </a14:imgLayer>
+                  </a14:imgProps>
+                </a:ext>
+                <a:ext uri="{28A0092B-C50C-407E-A947-70E740481C1C}">
+                  <a14:useLocalDpi xmlns:a14="http://schemas.microsoft.com/office/drawing/2010/main" val="0"/>
+                </a:ext>
+              </a:extLst>
+            </a:blip>
             <a:stretch>
               <a:fillRect/>
             </a:stretch>
           </p:blipFill>
           <p:spPr>
             <a:xfrm>
-              <a:off x="6997488" y="11321957"/>
-              <a:ext cx="6400800" cy="6400800"/>
-            </a:xfrm>
-            <a:prstGeom prst="rect">
-              <a:avLst/>
-            </a:prstGeom>
-          </p:spPr>
-        </p:pic>
-        <p:pic>
-          <p:nvPicPr>
-            <p:cNvPr id="106" name="Picture 105"/>
-            <p:cNvPicPr>
-              <a:picLocks noChangeAspect="1"/>
-            </p:cNvPicPr>
-            <p:nvPr/>
-          </p:nvPicPr>
-          <p:blipFill>
-            <a:blip r:embed="rId4"/>
-            <a:stretch>
-              <a:fillRect/>
-            </a:stretch>
-          </p:blipFill>
-          <p:spPr>
-            <a:xfrm>
-              <a:off x="12057168" y="11417213"/>
-              <a:ext cx="6400800" cy="6400800"/>
+              <a:off x="39227124" y="1219623"/>
+              <a:ext cx="3883491" cy="3885503"/>
             </a:xfrm>
             <a:prstGeom prst="rect">
               <a:avLst/>
@@ -4604,63 +8585,348 @@
         </p:pic>
         <p:sp>
           <p:nvSpPr>
-            <p:cNvPr id="107" name="TextBox 106"/>
-            <p:cNvSpPr txBox="1"/>
+            <p:cNvPr id="130" name="Oval 129"/>
+            <p:cNvSpPr/>
             <p:nvPr/>
           </p:nvSpPr>
           <p:spPr>
             <a:xfrm>
-              <a:off x="12120670" y="14192926"/>
-              <a:ext cx="1348070" cy="646331"/>
+              <a:off x="38420089" y="373995"/>
+              <a:ext cx="5694249" cy="5694249"/>
             </a:xfrm>
-            <a:prstGeom prst="rect">
+            <a:prstGeom prst="ellipse">
               <a:avLst/>
             </a:prstGeom>
-            <a:noFill/>
+            <a:solidFill>
+              <a:schemeClr val="accent5">
+                <a:lumMod val="75000"/>
+                <a:alpha val="14000"/>
+              </a:schemeClr>
+            </a:solidFill>
+            <a:ln>
+              <a:noFill/>
+            </a:ln>
+            <a:effectLst/>
           </p:spPr>
+          <p:style>
+            <a:lnRef idx="1">
+              <a:schemeClr val="accent1"/>
+            </a:lnRef>
+            <a:fillRef idx="3">
+              <a:schemeClr val="accent1"/>
+            </a:fillRef>
+            <a:effectRef idx="2">
+              <a:schemeClr val="accent1"/>
+            </a:effectRef>
+            <a:fontRef idx="minor">
+              <a:schemeClr val="lt1"/>
+            </a:fontRef>
+          </p:style>
           <p:txBody>
-            <a:bodyPr wrap="none" rtlCol="0">
-              <a:spAutoFit/>
-            </a:bodyPr>
+            <a:bodyPr rtlCol="0" anchor="ctr"/>
             <a:lstStyle/>
             <a:p>
-              <a:r>
-                <a:rPr lang="en-US" sz="3600" dirty="0" smtClean="0">
-                  <a:cs typeface="Futura"/>
-                </a:rPr>
-                <a:t>meets</a:t>
-              </a:r>
-              <a:endParaRPr lang="en-US" sz="3600" dirty="0">
-                <a:cs typeface="Futura"/>
-              </a:endParaRPr>
+              <a:pPr algn="ctr"/>
+              <a:endParaRPr lang="en-US"/>
             </a:p>
           </p:txBody>
         </p:sp>
       </p:grpSp>
-      <p:pic>
-        <p:nvPicPr>
-          <p:cNvPr id="109" name="Picture 108"/>
-          <p:cNvPicPr>
-            <a:picLocks noChangeAspect="1"/>
-          </p:cNvPicPr>
+      <p:sp>
+        <p:nvSpPr>
+          <p:cNvPr id="139" name="TextBox 138"/>
+          <p:cNvSpPr txBox="1"/>
           <p:nvPr/>
-        </p:nvPicPr>
-        <p:blipFill>
-          <a:blip r:embed="rId5"/>
-          <a:stretch>
-            <a:fillRect/>
-          </a:stretch>
-        </p:blipFill>
+        </p:nvSpPr>
         <p:spPr>
           <a:xfrm>
-            <a:off x="22002068" y="13839745"/>
-            <a:ext cx="6569575" cy="6107974"/>
+            <a:off x="27228787" y="7648912"/>
+            <a:ext cx="3713849" cy="830997"/>
           </a:xfrm>
           <a:prstGeom prst="rect">
             <a:avLst/>
           </a:prstGeom>
+          <a:noFill/>
         </p:spPr>
-      </p:pic>
+        <p:txBody>
+          <a:bodyPr wrap="square" rtlCol="0">
+            <a:spAutoFit/>
+          </a:bodyPr>
+          <a:lstStyle/>
+          <a:p>
+            <a:r>
+              <a:rPr lang="en-US" sz="2400" i="1" dirty="0" smtClean="0">
+                <a:latin typeface="Voltaire"/>
+                <a:cs typeface="Voltaire"/>
+              </a:rPr>
+              <a:t>Common Patterns of Description through Mixture</a:t>
+            </a:r>
+            <a:endParaRPr lang="en-US" sz="2400" dirty="0">
+              <a:latin typeface="Voltaire"/>
+              <a:cs typeface="Voltaire"/>
+            </a:endParaRPr>
+          </a:p>
+        </p:txBody>
+      </p:sp>
+      <p:sp>
+        <p:nvSpPr>
+          <p:cNvPr id="140" name="TextBox 139"/>
+          <p:cNvSpPr txBox="1"/>
+          <p:nvPr/>
+        </p:nvSpPr>
+        <p:spPr>
+          <a:xfrm>
+            <a:off x="38325105" y="6350474"/>
+            <a:ext cx="3713849" cy="830997"/>
+          </a:xfrm>
+          <a:prstGeom prst="rect">
+            <a:avLst/>
+          </a:prstGeom>
+          <a:noFill/>
+        </p:spPr>
+        <p:txBody>
+          <a:bodyPr wrap="square" rtlCol="0">
+            <a:spAutoFit/>
+          </a:bodyPr>
+          <a:lstStyle/>
+          <a:p>
+            <a:r>
+              <a:rPr lang="en-US" sz="2400" i="1" dirty="0" smtClean="0">
+                <a:latin typeface="Voltaire"/>
+                <a:cs typeface="Voltaire"/>
+              </a:rPr>
+              <a:t>Relative popularity of two types of twists</a:t>
+            </a:r>
+            <a:endParaRPr lang="en-US" sz="2400" dirty="0">
+              <a:latin typeface="Voltaire"/>
+              <a:cs typeface="Voltaire"/>
+            </a:endParaRPr>
+          </a:p>
+        </p:txBody>
+      </p:sp>
+      <p:sp>
+        <p:nvSpPr>
+          <p:cNvPr id="142" name="Freeform 141"/>
+          <p:cNvSpPr/>
+          <p:nvPr/>
+        </p:nvSpPr>
+        <p:spPr>
+          <a:xfrm>
+            <a:off x="37439600" y="18186400"/>
+            <a:ext cx="839764" cy="1473200"/>
+          </a:xfrm>
+          <a:custGeom>
+            <a:avLst/>
+            <a:gdLst>
+              <a:gd name="connsiteX0" fmla="*/ 0 w 839764"/>
+              <a:gd name="connsiteY0" fmla="*/ 1473200 h 1473200"/>
+              <a:gd name="connsiteX1" fmla="*/ 812800 w 839764"/>
+              <a:gd name="connsiteY1" fmla="*/ 457200 h 1473200"/>
+              <a:gd name="connsiteX2" fmla="*/ 660400 w 839764"/>
+              <a:gd name="connsiteY2" fmla="*/ 0 h 1473200"/>
+              <a:gd name="connsiteX3" fmla="*/ 660400 w 839764"/>
+              <a:gd name="connsiteY3" fmla="*/ 0 h 1473200"/>
+            </a:gdLst>
+            <a:ahLst/>
+            <a:cxnLst>
+              <a:cxn ang="0">
+                <a:pos x="connsiteX0" y="connsiteY0"/>
+              </a:cxn>
+              <a:cxn ang="0">
+                <a:pos x="connsiteX1" y="connsiteY1"/>
+              </a:cxn>
+              <a:cxn ang="0">
+                <a:pos x="connsiteX2" y="connsiteY2"/>
+              </a:cxn>
+              <a:cxn ang="0">
+                <a:pos x="connsiteX3" y="connsiteY3"/>
+              </a:cxn>
+            </a:cxnLst>
+            <a:rect l="l" t="t" r="r" b="b"/>
+            <a:pathLst>
+              <a:path w="839764" h="1473200">
+                <a:moveTo>
+                  <a:pt x="0" y="1473200"/>
+                </a:moveTo>
+                <a:cubicBezTo>
+                  <a:pt x="351366" y="1087966"/>
+                  <a:pt x="702733" y="702733"/>
+                  <a:pt x="812800" y="457200"/>
+                </a:cubicBezTo>
+                <a:cubicBezTo>
+                  <a:pt x="922867" y="211667"/>
+                  <a:pt x="660400" y="0"/>
+                  <a:pt x="660400" y="0"/>
+                </a:cubicBezTo>
+                <a:lnTo>
+                  <a:pt x="660400" y="0"/>
+                </a:lnTo>
+              </a:path>
+            </a:pathLst>
+          </a:custGeom>
+          <a:noFill/>
+          <a:ln w="76200" cmpd="sng">
+            <a:solidFill>
+              <a:schemeClr val="accent2">
+                <a:lumMod val="75000"/>
+              </a:schemeClr>
+            </a:solidFill>
+            <a:prstDash val="dash"/>
+          </a:ln>
+        </p:spPr>
+        <p:style>
+          <a:lnRef idx="2">
+            <a:schemeClr val="accent1"/>
+          </a:lnRef>
+          <a:fillRef idx="0">
+            <a:schemeClr val="accent1"/>
+          </a:fillRef>
+          <a:effectRef idx="1">
+            <a:schemeClr val="accent1"/>
+          </a:effectRef>
+          <a:fontRef idx="minor">
+            <a:schemeClr val="tx1"/>
+          </a:fontRef>
+        </p:style>
+        <p:txBody>
+          <a:bodyPr rtlCol="0" anchor="ctr"/>
+          <a:lstStyle/>
+          <a:p>
+            <a:pPr algn="ctr"/>
+            <a:endParaRPr lang="en-US"/>
+          </a:p>
+        </p:txBody>
+      </p:sp>
+      <p:sp>
+        <p:nvSpPr>
+          <p:cNvPr id="143" name="Freeform 142"/>
+          <p:cNvSpPr/>
+          <p:nvPr/>
+        </p:nvSpPr>
+        <p:spPr>
+          <a:xfrm>
+            <a:off x="27178000" y="8583762"/>
+            <a:ext cx="3759200" cy="814238"/>
+          </a:xfrm>
+          <a:custGeom>
+            <a:avLst/>
+            <a:gdLst>
+              <a:gd name="connsiteX0" fmla="*/ 3759200 w 3759200"/>
+              <a:gd name="connsiteY0" fmla="*/ 814238 h 814238"/>
+              <a:gd name="connsiteX1" fmla="*/ 2387600 w 3759200"/>
+              <a:gd name="connsiteY1" fmla="*/ 255438 h 814238"/>
+              <a:gd name="connsiteX2" fmla="*/ 2743200 w 3759200"/>
+              <a:gd name="connsiteY2" fmla="*/ 1438 h 814238"/>
+              <a:gd name="connsiteX3" fmla="*/ 2895600 w 3759200"/>
+              <a:gd name="connsiteY3" fmla="*/ 357038 h 814238"/>
+              <a:gd name="connsiteX4" fmla="*/ 1879600 w 3759200"/>
+              <a:gd name="connsiteY4" fmla="*/ 560238 h 814238"/>
+              <a:gd name="connsiteX5" fmla="*/ 863600 w 3759200"/>
+              <a:gd name="connsiteY5" fmla="*/ 204638 h 814238"/>
+              <a:gd name="connsiteX6" fmla="*/ 0 w 3759200"/>
+              <a:gd name="connsiteY6" fmla="*/ 103038 h 814238"/>
+              <a:gd name="connsiteX7" fmla="*/ 0 w 3759200"/>
+              <a:gd name="connsiteY7" fmla="*/ 103038 h 814238"/>
+            </a:gdLst>
+            <a:ahLst/>
+            <a:cxnLst>
+              <a:cxn ang="0">
+                <a:pos x="connsiteX0" y="connsiteY0"/>
+              </a:cxn>
+              <a:cxn ang="0">
+                <a:pos x="connsiteX1" y="connsiteY1"/>
+              </a:cxn>
+              <a:cxn ang="0">
+                <a:pos x="connsiteX2" y="connsiteY2"/>
+              </a:cxn>
+              <a:cxn ang="0">
+                <a:pos x="connsiteX3" y="connsiteY3"/>
+              </a:cxn>
+              <a:cxn ang="0">
+                <a:pos x="connsiteX4" y="connsiteY4"/>
+              </a:cxn>
+              <a:cxn ang="0">
+                <a:pos x="connsiteX5" y="connsiteY5"/>
+              </a:cxn>
+              <a:cxn ang="0">
+                <a:pos x="connsiteX6" y="connsiteY6"/>
+              </a:cxn>
+              <a:cxn ang="0">
+                <a:pos x="connsiteX7" y="connsiteY7"/>
+              </a:cxn>
+            </a:cxnLst>
+            <a:rect l="l" t="t" r="r" b="b"/>
+            <a:pathLst>
+              <a:path w="3759200" h="814238">
+                <a:moveTo>
+                  <a:pt x="3759200" y="814238"/>
+                </a:moveTo>
+                <a:cubicBezTo>
+                  <a:pt x="3158066" y="602571"/>
+                  <a:pt x="2556933" y="390905"/>
+                  <a:pt x="2387600" y="255438"/>
+                </a:cubicBezTo>
+                <a:cubicBezTo>
+                  <a:pt x="2218267" y="119971"/>
+                  <a:pt x="2658533" y="-15495"/>
+                  <a:pt x="2743200" y="1438"/>
+                </a:cubicBezTo>
+                <a:cubicBezTo>
+                  <a:pt x="2827867" y="18371"/>
+                  <a:pt x="3039533" y="263905"/>
+                  <a:pt x="2895600" y="357038"/>
+                </a:cubicBezTo>
+                <a:cubicBezTo>
+                  <a:pt x="2751667" y="450171"/>
+                  <a:pt x="2218267" y="585638"/>
+                  <a:pt x="1879600" y="560238"/>
+                </a:cubicBezTo>
+                <a:cubicBezTo>
+                  <a:pt x="1540933" y="534838"/>
+                  <a:pt x="1176867" y="280838"/>
+                  <a:pt x="863600" y="204638"/>
+                </a:cubicBezTo>
+                <a:cubicBezTo>
+                  <a:pt x="550333" y="128438"/>
+                  <a:pt x="0" y="103038"/>
+                  <a:pt x="0" y="103038"/>
+                </a:cubicBezTo>
+                <a:lnTo>
+                  <a:pt x="0" y="103038"/>
+                </a:lnTo>
+              </a:path>
+            </a:pathLst>
+          </a:custGeom>
+          <a:ln w="76200" cmpd="sng">
+            <a:solidFill>
+              <a:srgbClr val="953735"/>
+            </a:solidFill>
+            <a:prstDash val="dash"/>
+          </a:ln>
+        </p:spPr>
+        <p:style>
+          <a:lnRef idx="2">
+            <a:schemeClr val="accent1"/>
+          </a:lnRef>
+          <a:fillRef idx="0">
+            <a:schemeClr val="accent1"/>
+          </a:fillRef>
+          <a:effectRef idx="1">
+            <a:schemeClr val="accent1"/>
+          </a:effectRef>
+          <a:fontRef idx="minor">
+            <a:schemeClr val="tx1"/>
+          </a:fontRef>
+        </p:style>
+        <p:txBody>
+          <a:bodyPr rtlCol="0" anchor="ctr"/>
+          <a:lstStyle/>
+          <a:p>
+            <a:pPr algn="ctr"/>
+            <a:endParaRPr lang="en-US"/>
+          </a:p>
+        </p:txBody>
+      </p:sp>
     </p:spTree>
     <p:extLst>
       <p:ext uri="{BB962C8B-B14F-4D97-AF65-F5344CB8AC3E}">
@@ -4671,6 +8937,13 @@
   <p:clrMapOvr>
     <a:masterClrMapping/>
   </p:clrMapOvr>
+  <p:timing>
+    <p:tnLst>
+      <p:par>
+        <p:cTn xmlns:p14="http://schemas.microsoft.com/office/powerpoint/2010/main" id="1" dur="indefinite" restart="never" nodeType="tmRoot"/>
+      </p:par>
+    </p:tnLst>
+  </p:timing>
 </p:sld>
 </file>
 
